--- a/trunk/Training/NCSU-2018/Special Models.pptx
+++ b/trunk/Training/NCSU-2018/Special Models.pptx
@@ -5,55 +5,54 @@
     <p:sldMasterId id="2147483663" r:id="rId4"/>
   </p:sldMasterIdLst>
   <p:notesMasterIdLst>
-    <p:notesMasterId r:id="rId51"/>
+    <p:notesMasterId r:id="rId50"/>
   </p:notesMasterIdLst>
   <p:sldIdLst>
     <p:sldId id="283" r:id="rId5"/>
-    <p:sldId id="560" r:id="rId6"/>
-    <p:sldId id="494" r:id="rId7"/>
-    <p:sldId id="495" r:id="rId8"/>
-    <p:sldId id="496" r:id="rId9"/>
-    <p:sldId id="497" r:id="rId10"/>
-    <p:sldId id="498" r:id="rId11"/>
-    <p:sldId id="499" r:id="rId12"/>
-    <p:sldId id="500" r:id="rId13"/>
-    <p:sldId id="501" r:id="rId14"/>
-    <p:sldId id="502" r:id="rId15"/>
-    <p:sldId id="503" r:id="rId16"/>
-    <p:sldId id="506" r:id="rId17"/>
-    <p:sldId id="507" r:id="rId18"/>
-    <p:sldId id="508" r:id="rId19"/>
-    <p:sldId id="509" r:id="rId20"/>
-    <p:sldId id="510" r:id="rId21"/>
-    <p:sldId id="511" r:id="rId22"/>
-    <p:sldId id="486" r:id="rId23"/>
-    <p:sldId id="514" r:id="rId24"/>
-    <p:sldId id="515" r:id="rId25"/>
-    <p:sldId id="516" r:id="rId26"/>
-    <p:sldId id="517" r:id="rId27"/>
-    <p:sldId id="518" r:id="rId28"/>
-    <p:sldId id="519" r:id="rId29"/>
-    <p:sldId id="520" r:id="rId30"/>
-    <p:sldId id="521" r:id="rId31"/>
-    <p:sldId id="522" r:id="rId32"/>
-    <p:sldId id="523" r:id="rId33"/>
-    <p:sldId id="524" r:id="rId34"/>
-    <p:sldId id="525" r:id="rId35"/>
-    <p:sldId id="526" r:id="rId36"/>
-    <p:sldId id="527" r:id="rId37"/>
-    <p:sldId id="528" r:id="rId38"/>
-    <p:sldId id="529" r:id="rId39"/>
-    <p:sldId id="530" r:id="rId40"/>
-    <p:sldId id="531" r:id="rId41"/>
-    <p:sldId id="340" r:id="rId42"/>
-    <p:sldId id="342" r:id="rId43"/>
-    <p:sldId id="343" r:id="rId44"/>
-    <p:sldId id="344" r:id="rId45"/>
-    <p:sldId id="341" r:id="rId46"/>
-    <p:sldId id="345" r:id="rId47"/>
-    <p:sldId id="346" r:id="rId48"/>
-    <p:sldId id="347" r:id="rId49"/>
-    <p:sldId id="339" r:id="rId50"/>
+    <p:sldId id="494" r:id="rId6"/>
+    <p:sldId id="495" r:id="rId7"/>
+    <p:sldId id="496" r:id="rId8"/>
+    <p:sldId id="497" r:id="rId9"/>
+    <p:sldId id="498" r:id="rId10"/>
+    <p:sldId id="499" r:id="rId11"/>
+    <p:sldId id="500" r:id="rId12"/>
+    <p:sldId id="501" r:id="rId13"/>
+    <p:sldId id="502" r:id="rId14"/>
+    <p:sldId id="503" r:id="rId15"/>
+    <p:sldId id="506" r:id="rId16"/>
+    <p:sldId id="507" r:id="rId17"/>
+    <p:sldId id="508" r:id="rId18"/>
+    <p:sldId id="509" r:id="rId19"/>
+    <p:sldId id="510" r:id="rId20"/>
+    <p:sldId id="511" r:id="rId21"/>
+    <p:sldId id="486" r:id="rId22"/>
+    <p:sldId id="514" r:id="rId23"/>
+    <p:sldId id="515" r:id="rId24"/>
+    <p:sldId id="516" r:id="rId25"/>
+    <p:sldId id="517" r:id="rId26"/>
+    <p:sldId id="518" r:id="rId27"/>
+    <p:sldId id="519" r:id="rId28"/>
+    <p:sldId id="520" r:id="rId29"/>
+    <p:sldId id="521" r:id="rId30"/>
+    <p:sldId id="522" r:id="rId31"/>
+    <p:sldId id="523" r:id="rId32"/>
+    <p:sldId id="524" r:id="rId33"/>
+    <p:sldId id="525" r:id="rId34"/>
+    <p:sldId id="526" r:id="rId35"/>
+    <p:sldId id="527" r:id="rId36"/>
+    <p:sldId id="528" r:id="rId37"/>
+    <p:sldId id="529" r:id="rId38"/>
+    <p:sldId id="530" r:id="rId39"/>
+    <p:sldId id="531" r:id="rId40"/>
+    <p:sldId id="340" r:id="rId41"/>
+    <p:sldId id="342" r:id="rId42"/>
+    <p:sldId id="343" r:id="rId43"/>
+    <p:sldId id="344" r:id="rId44"/>
+    <p:sldId id="341" r:id="rId45"/>
+    <p:sldId id="345" r:id="rId46"/>
+    <p:sldId id="346" r:id="rId47"/>
+    <p:sldId id="347" r:id="rId48"/>
+    <p:sldId id="339" r:id="rId49"/>
   </p:sldIdLst>
   <p:sldSz cx="9144000" cy="6858000" type="screen4x3"/>
   <p:notesSz cx="7010400" cy="9296400"/>
@@ -272,7 +271,7 @@
           <a:p>
             <a:fld id="{21D603EA-85D6-422C-AB10-17A2A7923832}" type="datetimeFigureOut">
               <a:rPr lang="en-US" smtClean="0"/>
-              <a:t>10/25/2018</a:t>
+              <a:t>10/26/2018</a:t>
             </a:fld>
             <a:endParaRPr lang="en-US" dirty="0"/>
           </a:p>
@@ -540,345 +539,6 @@
 </file>
 
 <file path=ppt/notesSlides/notesSlide1.xml><?xml version="1.0" encoding="utf-8"?>
-<p:notes xmlns:a="http://schemas.openxmlformats.org/drawingml/2006/main" xmlns:r="http://schemas.openxmlformats.org/officeDocument/2006/relationships" xmlns:p="http://schemas.openxmlformats.org/presentationml/2006/main">
-  <p:cSld>
-    <p:spTree>
-      <p:nvGrpSpPr>
-        <p:cNvPr id="1" name=""/>
-        <p:cNvGrpSpPr/>
-        <p:nvPr/>
-      </p:nvGrpSpPr>
-      <p:grpSpPr>
-        <a:xfrm>
-          <a:off x="0" y="0"/>
-          <a:ext cx="0" cy="0"/>
-          <a:chOff x="0" y="0"/>
-          <a:chExt cx="0" cy="0"/>
-        </a:xfrm>
-      </p:grpSpPr>
-      <p:sp>
-        <p:nvSpPr>
-          <p:cNvPr id="430082" name="Slide Image Placeholder 1">
-            <a:extLst>
-              <a:ext uri="{FF2B5EF4-FFF2-40B4-BE49-F238E27FC236}">
-                <a16:creationId xmlns:a16="http://schemas.microsoft.com/office/drawing/2014/main" id="{60AC2100-D267-4D47-A12B-144C13A0403B}"/>
-              </a:ext>
-            </a:extLst>
-          </p:cNvPr>
-          <p:cNvSpPr>
-            <a:spLocks noGrp="1" noRot="1" noChangeAspect="1" noTextEdit="1"/>
-          </p:cNvSpPr>
-          <p:nvPr>
-            <p:ph type="sldImg"/>
-          </p:nvPr>
-        </p:nvSpPr>
-        <p:spPr>
-          <a:ln/>
-        </p:spPr>
-      </p:sp>
-      <p:sp>
-        <p:nvSpPr>
-          <p:cNvPr id="430083" name="Notes Placeholder 2">
-            <a:extLst>
-              <a:ext uri="{FF2B5EF4-FFF2-40B4-BE49-F238E27FC236}">
-                <a16:creationId xmlns:a16="http://schemas.microsoft.com/office/drawing/2014/main" id="{5857944F-EE30-48B0-A36D-676CDFCCCEE3}"/>
-              </a:ext>
-            </a:extLst>
-          </p:cNvPr>
-          <p:cNvSpPr>
-            <a:spLocks noGrp="1"/>
-          </p:cNvSpPr>
-          <p:nvPr>
-            <p:ph type="body" idx="1"/>
-          </p:nvPr>
-        </p:nvSpPr>
-        <p:spPr>
-          <a:noFill/>
-          <a:ln/>
-          <a:extLst>
-            <a:ext uri="{909E8E84-426E-40DD-AFC4-6F175D3DCCD1}">
-              <a14:hiddenFill xmlns:a14="http://schemas.microsoft.com/office/drawing/2010/main">
-                <a:solidFill>
-                  <a:srgbClr val="FFFFFF"/>
-                </a:solidFill>
-              </a14:hiddenFill>
-            </a:ext>
-            <a:ext uri="{91240B29-F687-4F45-9708-019B960494DF}">
-              <a14:hiddenLine xmlns:a14="http://schemas.microsoft.com/office/drawing/2010/main" w="9525">
-                <a:solidFill>
-                  <a:srgbClr val="000000"/>
-                </a:solidFill>
-                <a:miter lim="800000"/>
-                <a:headEnd/>
-                <a:tailEnd/>
-              </a14:hiddenLine>
-            </a:ext>
-          </a:extLst>
-        </p:spPr>
-        <p:txBody>
-          <a:bodyPr/>
-          <a:lstStyle/>
-          <a:p>
-            <a:pPr eaLnBrk="1" hangingPunct="1"/>
-            <a:endParaRPr lang="en-US" altLang="en-US"/>
-          </a:p>
-        </p:txBody>
-      </p:sp>
-      <p:sp>
-        <p:nvSpPr>
-          <p:cNvPr id="430084" name="Slide Number Placeholder 3">
-            <a:extLst>
-              <a:ext uri="{FF2B5EF4-FFF2-40B4-BE49-F238E27FC236}">
-                <a16:creationId xmlns:a16="http://schemas.microsoft.com/office/drawing/2014/main" id="{A2BA98A8-C2BE-4828-88E0-13A444D0ECC5}"/>
-              </a:ext>
-            </a:extLst>
-          </p:cNvPr>
-          <p:cNvSpPr>
-            <a:spLocks noGrp="1"/>
-          </p:cNvSpPr>
-          <p:nvPr>
-            <p:ph type="sldNum" sz="quarter" idx="5"/>
-          </p:nvPr>
-        </p:nvSpPr>
-        <p:spPr>
-          <a:noFill/>
-          <a:ln/>
-          <a:extLst>
-            <a:ext uri="{909E8E84-426E-40DD-AFC4-6F175D3DCCD1}">
-              <a14:hiddenFill xmlns:a14="http://schemas.microsoft.com/office/drawing/2010/main">
-                <a:solidFill>
-                  <a:srgbClr val="FFFFFF"/>
-                </a:solidFill>
-              </a14:hiddenFill>
-            </a:ext>
-            <a:ext uri="{91240B29-F687-4F45-9708-019B960494DF}">
-              <a14:hiddenLine xmlns:a14="http://schemas.microsoft.com/office/drawing/2010/main" w="9525">
-                <a:solidFill>
-                  <a:srgbClr val="000000"/>
-                </a:solidFill>
-                <a:miter lim="800000"/>
-                <a:headEnd/>
-                <a:tailEnd/>
-              </a14:hiddenLine>
-            </a:ext>
-          </a:extLst>
-        </p:spPr>
-        <p:txBody>
-          <a:bodyPr/>
-          <a:lstStyle>
-            <a:lvl1pPr>
-              <a:defRPr sz="1600">
-                <a:solidFill>
-                  <a:srgbClr val="000000"/>
-                </a:solidFill>
-                <a:latin typeface="Arial" panose="020B0604020202020204" pitchFamily="34" charset="0"/>
-              </a:defRPr>
-            </a:lvl1pPr>
-            <a:lvl2pPr marL="742950" indent="-285750">
-              <a:defRPr sz="1600">
-                <a:solidFill>
-                  <a:srgbClr val="000000"/>
-                </a:solidFill>
-                <a:latin typeface="Arial" panose="020B0604020202020204" pitchFamily="34" charset="0"/>
-              </a:defRPr>
-            </a:lvl2pPr>
-            <a:lvl3pPr marL="1143000" indent="-228600">
-              <a:defRPr sz="1600">
-                <a:solidFill>
-                  <a:srgbClr val="000000"/>
-                </a:solidFill>
-                <a:latin typeface="Arial" panose="020B0604020202020204" pitchFamily="34" charset="0"/>
-              </a:defRPr>
-            </a:lvl3pPr>
-            <a:lvl4pPr marL="1600200" indent="-228600">
-              <a:defRPr sz="1600">
-                <a:solidFill>
-                  <a:srgbClr val="000000"/>
-                </a:solidFill>
-                <a:latin typeface="Arial" panose="020B0604020202020204" pitchFamily="34" charset="0"/>
-              </a:defRPr>
-            </a:lvl4pPr>
-            <a:lvl5pPr marL="2057400" indent="-228600">
-              <a:defRPr sz="1600">
-                <a:solidFill>
-                  <a:srgbClr val="000000"/>
-                </a:solidFill>
-                <a:latin typeface="Arial" panose="020B0604020202020204" pitchFamily="34" charset="0"/>
-              </a:defRPr>
-            </a:lvl5pPr>
-            <a:lvl6pPr marL="2514600" indent="-228600" algn="ctr" eaLnBrk="0" fontAlgn="base" hangingPunct="0">
-              <a:spcBef>
-                <a:spcPct val="50000"/>
-              </a:spcBef>
-              <a:spcAft>
-                <a:spcPct val="0"/>
-              </a:spcAft>
-              <a:defRPr sz="1600">
-                <a:solidFill>
-                  <a:srgbClr val="000000"/>
-                </a:solidFill>
-                <a:latin typeface="Arial" panose="020B0604020202020204" pitchFamily="34" charset="0"/>
-              </a:defRPr>
-            </a:lvl6pPr>
-            <a:lvl7pPr marL="2971800" indent="-228600" algn="ctr" eaLnBrk="0" fontAlgn="base" hangingPunct="0">
-              <a:spcBef>
-                <a:spcPct val="50000"/>
-              </a:spcBef>
-              <a:spcAft>
-                <a:spcPct val="0"/>
-              </a:spcAft>
-              <a:defRPr sz="1600">
-                <a:solidFill>
-                  <a:srgbClr val="000000"/>
-                </a:solidFill>
-                <a:latin typeface="Arial" panose="020B0604020202020204" pitchFamily="34" charset="0"/>
-              </a:defRPr>
-            </a:lvl7pPr>
-            <a:lvl8pPr marL="3429000" indent="-228600" algn="ctr" eaLnBrk="0" fontAlgn="base" hangingPunct="0">
-              <a:spcBef>
-                <a:spcPct val="50000"/>
-              </a:spcBef>
-              <a:spcAft>
-                <a:spcPct val="0"/>
-              </a:spcAft>
-              <a:defRPr sz="1600">
-                <a:solidFill>
-                  <a:srgbClr val="000000"/>
-                </a:solidFill>
-                <a:latin typeface="Arial" panose="020B0604020202020204" pitchFamily="34" charset="0"/>
-              </a:defRPr>
-            </a:lvl8pPr>
-            <a:lvl9pPr marL="3886200" indent="-228600" algn="ctr" eaLnBrk="0" fontAlgn="base" hangingPunct="0">
-              <a:spcBef>
-                <a:spcPct val="50000"/>
-              </a:spcBef>
-              <a:spcAft>
-                <a:spcPct val="0"/>
-              </a:spcAft>
-              <a:defRPr sz="1600">
-                <a:solidFill>
-                  <a:srgbClr val="000000"/>
-                </a:solidFill>
-                <a:latin typeface="Arial" panose="020B0604020202020204" pitchFamily="34" charset="0"/>
-              </a:defRPr>
-            </a:lvl9pPr>
-          </a:lstStyle>
-          <a:p>
-            <a:fld id="{3DBC0330-D00B-4A94-826A-66E06D0A028C}" type="slidenum">
-              <a:rPr lang="en-US" altLang="en-US" sz="1200">
-                <a:solidFill>
-                  <a:schemeClr val="tx1"/>
-                </a:solidFill>
-              </a:rPr>
-              <a:pPr/>
-              <a:t>2</a:t>
-            </a:fld>
-            <a:endParaRPr lang="en-US" altLang="en-US" sz="1200">
-              <a:solidFill>
-                <a:schemeClr val="tx1"/>
-              </a:solidFill>
-            </a:endParaRPr>
-          </a:p>
-        </p:txBody>
-      </p:sp>
-    </p:spTree>
-    <p:extLst>
-      <p:ext uri="{BB962C8B-B14F-4D97-AF65-F5344CB8AC3E}">
-        <p14:creationId xmlns:p14="http://schemas.microsoft.com/office/powerpoint/2010/main" val="840168788"/>
-      </p:ext>
-    </p:extLst>
-  </p:cSld>
-  <p:clrMapOvr>
-    <a:masterClrMapping/>
-  </p:clrMapOvr>
-</p:notes>
-</file>
-
-<file path=ppt/notesSlides/notesSlide10.xml><?xml version="1.0" encoding="utf-8"?>
-<p:notes xmlns:a="http://schemas.openxmlformats.org/drawingml/2006/main" xmlns:r="http://schemas.openxmlformats.org/officeDocument/2006/relationships" xmlns:p="http://schemas.openxmlformats.org/presentationml/2006/main">
-  <p:cSld>
-    <p:spTree>
-      <p:nvGrpSpPr>
-        <p:cNvPr id="1" name=""/>
-        <p:cNvGrpSpPr/>
-        <p:nvPr/>
-      </p:nvGrpSpPr>
-      <p:grpSpPr>
-        <a:xfrm>
-          <a:off x="0" y="0"/>
-          <a:ext cx="0" cy="0"/>
-          <a:chOff x="0" y="0"/>
-          <a:chExt cx="0" cy="0"/>
-        </a:xfrm>
-      </p:grpSpPr>
-      <p:sp>
-        <p:nvSpPr>
-          <p:cNvPr id="2" name="Slide Image Placeholder 1"/>
-          <p:cNvSpPr>
-            <a:spLocks noGrp="1" noRot="1" noChangeAspect="1"/>
-          </p:cNvSpPr>
-          <p:nvPr>
-            <p:ph type="sldImg"/>
-          </p:nvPr>
-        </p:nvSpPr>
-        <p:spPr/>
-      </p:sp>
-      <p:sp>
-        <p:nvSpPr>
-          <p:cNvPr id="3" name="Notes Placeholder 2"/>
-          <p:cNvSpPr>
-            <a:spLocks noGrp="1"/>
-          </p:cNvSpPr>
-          <p:nvPr>
-            <p:ph type="body" idx="1"/>
-          </p:nvPr>
-        </p:nvSpPr>
-        <p:spPr/>
-        <p:txBody>
-          <a:bodyPr/>
-          <a:lstStyle/>
-          <a:p>
-            <a:endParaRPr lang="en-US" dirty="0"/>
-          </a:p>
-        </p:txBody>
-      </p:sp>
-      <p:sp>
-        <p:nvSpPr>
-          <p:cNvPr id="4" name="Slide Number Placeholder 3"/>
-          <p:cNvSpPr>
-            <a:spLocks noGrp="1"/>
-          </p:cNvSpPr>
-          <p:nvPr>
-            <p:ph type="sldNum" sz="quarter" idx="10"/>
-          </p:nvPr>
-        </p:nvSpPr>
-        <p:spPr/>
-        <p:txBody>
-          <a:bodyPr/>
-          <a:lstStyle/>
-          <a:p>
-            <a:fld id="{41641293-7A6C-4410-BFA0-320F3215C813}" type="slidenum">
-              <a:rPr lang="en-US" smtClean="0"/>
-              <a:t>20</a:t>
-            </a:fld>
-            <a:endParaRPr lang="en-US"/>
-          </a:p>
-        </p:txBody>
-      </p:sp>
-    </p:spTree>
-    <p:extLst>
-      <p:ext uri="{BB962C8B-B14F-4D97-AF65-F5344CB8AC3E}">
-        <p14:creationId xmlns:p14="http://schemas.microsoft.com/office/powerpoint/2010/main" val="873583672"/>
-      </p:ext>
-    </p:extLst>
-  </p:cSld>
-  <p:clrMapOvr>
-    <a:masterClrMapping/>
-  </p:clrMapOvr>
-</p:notes>
-</file>
-
-<file path=ppt/notesSlides/notesSlide2.xml><?xml version="1.0" encoding="utf-8"?>
 <p:notes xmlns:a="http://schemas.openxmlformats.org/drawingml/2006/main" xmlns:r="http://schemas.openxmlformats.org/officeDocument/2006/relationships" xmlns:p="http://schemas.openxmlformats.org/presentationml/2006/main">
   <p:cSld>
     <p:spTree>
@@ -1036,7 +696,7 @@
                 </a:solidFill>
               </a:rPr>
               <a:pPr/>
-              <a:t>3</a:t>
+              <a:t>2</a:t>
             </a:fld>
             <a:endParaRPr lang="en-US" altLang="en-US" sz="1200">
               <a:solidFill>
@@ -1114,6 +774,247 @@
     <p:extLst>
       <p:ext uri="{BB962C8B-B14F-4D97-AF65-F5344CB8AC3E}">
         <p14:creationId xmlns:p14="http://schemas.microsoft.com/office/powerpoint/2010/main" val="532590651"/>
+      </p:ext>
+    </p:extLst>
+  </p:cSld>
+  <p:clrMapOvr>
+    <a:masterClrMapping/>
+  </p:clrMapOvr>
+</p:notes>
+</file>
+
+<file path=ppt/notesSlides/notesSlide2.xml><?xml version="1.0" encoding="utf-8"?>
+<p:notes xmlns:a="http://schemas.openxmlformats.org/drawingml/2006/main" xmlns:r="http://schemas.openxmlformats.org/officeDocument/2006/relationships" xmlns:p="http://schemas.openxmlformats.org/presentationml/2006/main">
+  <p:cSld>
+    <p:spTree>
+      <p:nvGrpSpPr>
+        <p:cNvPr id="1" name=""/>
+        <p:cNvGrpSpPr/>
+        <p:nvPr/>
+      </p:nvGrpSpPr>
+      <p:grpSpPr>
+        <a:xfrm>
+          <a:off x="0" y="0"/>
+          <a:ext cx="0" cy="0"/>
+          <a:chOff x="0" y="0"/>
+          <a:chExt cx="0" cy="0"/>
+        </a:xfrm>
+      </p:grpSpPr>
+      <p:sp>
+        <p:nvSpPr>
+          <p:cNvPr id="294914" name="Rectangle 7"/>
+          <p:cNvSpPr>
+            <a:spLocks noGrp="1" noChangeArrowheads="1"/>
+          </p:cNvSpPr>
+          <p:nvPr>
+            <p:ph type="sldNum" sz="quarter" idx="5"/>
+          </p:nvPr>
+        </p:nvSpPr>
+        <p:spPr>
+          <a:noFill/>
+          <a:ln/>
+          <a:extLst>
+            <a:ext uri="{909E8E84-426E-40DD-AFC4-6F175D3DCCD1}">
+              <a14:hiddenFill xmlns:a14="http://schemas.microsoft.com/office/drawing/2010/main">
+                <a:solidFill>
+                  <a:srgbClr val="FFFFFF"/>
+                </a:solidFill>
+              </a14:hiddenFill>
+            </a:ext>
+            <a:ext uri="{91240B29-F687-4F45-9708-019B960494DF}">
+              <a14:hiddenLine xmlns:a14="http://schemas.microsoft.com/office/drawing/2010/main" w="9525">
+                <a:solidFill>
+                  <a:srgbClr val="000000"/>
+                </a:solidFill>
+                <a:miter lim="800000"/>
+                <a:headEnd/>
+                <a:tailEnd/>
+              </a14:hiddenLine>
+            </a:ext>
+          </a:extLst>
+        </p:spPr>
+        <p:txBody>
+          <a:bodyPr/>
+          <a:lstStyle>
+            <a:lvl1pPr>
+              <a:defRPr sz="1600">
+                <a:solidFill>
+                  <a:srgbClr val="000000"/>
+                </a:solidFill>
+                <a:latin typeface="Arial" panose="020B0604020202020204" pitchFamily="34" charset="0"/>
+              </a:defRPr>
+            </a:lvl1pPr>
+            <a:lvl2pPr marL="742950" indent="-285750">
+              <a:defRPr sz="1600">
+                <a:solidFill>
+                  <a:srgbClr val="000000"/>
+                </a:solidFill>
+                <a:latin typeface="Arial" panose="020B0604020202020204" pitchFamily="34" charset="0"/>
+              </a:defRPr>
+            </a:lvl2pPr>
+            <a:lvl3pPr marL="1143000" indent="-228600">
+              <a:defRPr sz="1600">
+                <a:solidFill>
+                  <a:srgbClr val="000000"/>
+                </a:solidFill>
+                <a:latin typeface="Arial" panose="020B0604020202020204" pitchFamily="34" charset="0"/>
+              </a:defRPr>
+            </a:lvl3pPr>
+            <a:lvl4pPr marL="1600200" indent="-228600">
+              <a:defRPr sz="1600">
+                <a:solidFill>
+                  <a:srgbClr val="000000"/>
+                </a:solidFill>
+                <a:latin typeface="Arial" panose="020B0604020202020204" pitchFamily="34" charset="0"/>
+              </a:defRPr>
+            </a:lvl4pPr>
+            <a:lvl5pPr marL="2057400" indent="-228600">
+              <a:defRPr sz="1600">
+                <a:solidFill>
+                  <a:srgbClr val="000000"/>
+                </a:solidFill>
+                <a:latin typeface="Arial" panose="020B0604020202020204" pitchFamily="34" charset="0"/>
+              </a:defRPr>
+            </a:lvl5pPr>
+            <a:lvl6pPr marL="2514600" indent="-228600" algn="ctr" eaLnBrk="0" fontAlgn="base" hangingPunct="0">
+              <a:spcBef>
+                <a:spcPct val="50000"/>
+              </a:spcBef>
+              <a:spcAft>
+                <a:spcPct val="0"/>
+              </a:spcAft>
+              <a:defRPr sz="1600">
+                <a:solidFill>
+                  <a:srgbClr val="000000"/>
+                </a:solidFill>
+                <a:latin typeface="Arial" panose="020B0604020202020204" pitchFamily="34" charset="0"/>
+              </a:defRPr>
+            </a:lvl6pPr>
+            <a:lvl7pPr marL="2971800" indent="-228600" algn="ctr" eaLnBrk="0" fontAlgn="base" hangingPunct="0">
+              <a:spcBef>
+                <a:spcPct val="50000"/>
+              </a:spcBef>
+              <a:spcAft>
+                <a:spcPct val="0"/>
+              </a:spcAft>
+              <a:defRPr sz="1600">
+                <a:solidFill>
+                  <a:srgbClr val="000000"/>
+                </a:solidFill>
+                <a:latin typeface="Arial" panose="020B0604020202020204" pitchFamily="34" charset="0"/>
+              </a:defRPr>
+            </a:lvl7pPr>
+            <a:lvl8pPr marL="3429000" indent="-228600" algn="ctr" eaLnBrk="0" fontAlgn="base" hangingPunct="0">
+              <a:spcBef>
+                <a:spcPct val="50000"/>
+              </a:spcBef>
+              <a:spcAft>
+                <a:spcPct val="0"/>
+              </a:spcAft>
+              <a:defRPr sz="1600">
+                <a:solidFill>
+                  <a:srgbClr val="000000"/>
+                </a:solidFill>
+                <a:latin typeface="Arial" panose="020B0604020202020204" pitchFamily="34" charset="0"/>
+              </a:defRPr>
+            </a:lvl8pPr>
+            <a:lvl9pPr marL="3886200" indent="-228600" algn="ctr" eaLnBrk="0" fontAlgn="base" hangingPunct="0">
+              <a:spcBef>
+                <a:spcPct val="50000"/>
+              </a:spcBef>
+              <a:spcAft>
+                <a:spcPct val="0"/>
+              </a:spcAft>
+              <a:defRPr sz="1600">
+                <a:solidFill>
+                  <a:srgbClr val="000000"/>
+                </a:solidFill>
+                <a:latin typeface="Arial" panose="020B0604020202020204" pitchFamily="34" charset="0"/>
+              </a:defRPr>
+            </a:lvl9pPr>
+          </a:lstStyle>
+          <a:p>
+            <a:fld id="{D27B2770-9937-40AD-B191-1E6864CBCA17}" type="slidenum">
+              <a:rPr lang="en-US" altLang="en-US" sz="1200">
+                <a:solidFill>
+                  <a:schemeClr val="tx1"/>
+                </a:solidFill>
+              </a:rPr>
+              <a:pPr/>
+              <a:t>3</a:t>
+            </a:fld>
+            <a:endParaRPr lang="en-US" altLang="en-US" sz="1200">
+              <a:solidFill>
+                <a:schemeClr val="tx1"/>
+              </a:solidFill>
+            </a:endParaRPr>
+          </a:p>
+        </p:txBody>
+      </p:sp>
+      <p:sp>
+        <p:nvSpPr>
+          <p:cNvPr id="294915" name="Rectangle 2"/>
+          <p:cNvSpPr>
+            <a:spLocks noGrp="1" noRot="1" noChangeAspect="1" noChangeArrowheads="1" noTextEdit="1"/>
+          </p:cNvSpPr>
+          <p:nvPr>
+            <p:ph type="sldImg"/>
+          </p:nvPr>
+        </p:nvSpPr>
+        <p:spPr>
+          <a:ln/>
+        </p:spPr>
+      </p:sp>
+      <p:sp>
+        <p:nvSpPr>
+          <p:cNvPr id="294916" name="Rectangle 3"/>
+          <p:cNvSpPr>
+            <a:spLocks noGrp="1" noChangeArrowheads="1"/>
+          </p:cNvSpPr>
+          <p:nvPr>
+            <p:ph type="body" idx="1"/>
+          </p:nvPr>
+        </p:nvSpPr>
+        <p:spPr>
+          <a:xfrm>
+            <a:off x="916060" y="4398207"/>
+            <a:ext cx="5038327" cy="4168886"/>
+          </a:xfrm>
+          <a:noFill/>
+          <a:ln/>
+          <a:extLst>
+            <a:ext uri="{909E8E84-426E-40DD-AFC4-6F175D3DCCD1}">
+              <a14:hiddenFill xmlns:a14="http://schemas.microsoft.com/office/drawing/2010/main">
+                <a:solidFill>
+                  <a:srgbClr val="FFFFFF"/>
+                </a:solidFill>
+              </a14:hiddenFill>
+            </a:ext>
+            <a:ext uri="{91240B29-F687-4F45-9708-019B960494DF}">
+              <a14:hiddenLine xmlns:a14="http://schemas.microsoft.com/office/drawing/2010/main" w="9525">
+                <a:solidFill>
+                  <a:srgbClr val="000000"/>
+                </a:solidFill>
+                <a:miter lim="800000"/>
+                <a:headEnd/>
+                <a:tailEnd/>
+              </a14:hiddenLine>
+            </a:ext>
+          </a:extLst>
+        </p:spPr>
+        <p:txBody>
+          <a:bodyPr/>
+          <a:lstStyle/>
+          <a:p>
+            <a:pPr eaLnBrk="1" hangingPunct="1"/>
+            <a:endParaRPr lang="en-US" altLang="en-US"/>
+          </a:p>
+        </p:txBody>
+      </p:sp>
+    </p:spTree>
+    <p:extLst>
+      <p:ext uri="{BB962C8B-B14F-4D97-AF65-F5344CB8AC3E}">
+        <p14:creationId xmlns:p14="http://schemas.microsoft.com/office/powerpoint/2010/main" val="2672092139"/>
       </p:ext>
     </p:extLst>
   </p:cSld>
@@ -1354,7 +1255,7 @@
     </p:spTree>
     <p:extLst>
       <p:ext uri="{BB962C8B-B14F-4D97-AF65-F5344CB8AC3E}">
-        <p14:creationId xmlns:p14="http://schemas.microsoft.com/office/powerpoint/2010/main" val="2672092139"/>
+        <p14:creationId xmlns:p14="http://schemas.microsoft.com/office/powerpoint/2010/main" val="4278021803"/>
       </p:ext>
     </p:extLst>
   </p:cSld>
@@ -1383,7 +1284,7 @@
       </p:grpSpPr>
       <p:sp>
         <p:nvSpPr>
-          <p:cNvPr id="294914" name="Rectangle 7"/>
+          <p:cNvPr id="295938" name="Rectangle 7"/>
           <p:cNvSpPr>
             <a:spLocks noGrp="1" noChangeArrowheads="1"/>
           </p:cNvSpPr>
@@ -1515,7 +1416,7 @@
             </a:lvl9pPr>
           </a:lstStyle>
           <a:p>
-            <a:fld id="{D27B2770-9937-40AD-B191-1E6864CBCA17}" type="slidenum">
+            <a:fld id="{C87C14FA-F787-4855-96F6-BBC00C8DB15B}" type="slidenum">
               <a:rPr lang="en-US" altLang="en-US" sz="1200">
                 <a:solidFill>
                   <a:schemeClr val="tx1"/>
@@ -1534,7 +1435,7 @@
       </p:sp>
       <p:sp>
         <p:nvSpPr>
-          <p:cNvPr id="294915" name="Rectangle 2"/>
+          <p:cNvPr id="295939" name="Rectangle 2"/>
           <p:cNvSpPr>
             <a:spLocks noGrp="1" noRot="1" noChangeAspect="1" noChangeArrowheads="1" noTextEdit="1"/>
           </p:cNvSpPr>
@@ -1548,7 +1449,7 @@
       </p:sp>
       <p:sp>
         <p:nvSpPr>
-          <p:cNvPr id="294916" name="Rectangle 3"/>
+          <p:cNvPr id="295940" name="Rectangle 3"/>
           <p:cNvSpPr>
             <a:spLocks noGrp="1" noChangeArrowheads="1"/>
           </p:cNvSpPr>
@@ -1595,7 +1496,7 @@
     </p:spTree>
     <p:extLst>
       <p:ext uri="{BB962C8B-B14F-4D97-AF65-F5344CB8AC3E}">
-        <p14:creationId xmlns:p14="http://schemas.microsoft.com/office/powerpoint/2010/main" val="4278021803"/>
+        <p14:creationId xmlns:p14="http://schemas.microsoft.com/office/powerpoint/2010/main" val="1885562448"/>
       </p:ext>
     </p:extLst>
   </p:cSld>
@@ -1836,7 +1737,7 @@
     </p:spTree>
     <p:extLst>
       <p:ext uri="{BB962C8B-B14F-4D97-AF65-F5344CB8AC3E}">
-        <p14:creationId xmlns:p14="http://schemas.microsoft.com/office/powerpoint/2010/main" val="1885562448"/>
+        <p14:creationId xmlns:p14="http://schemas.microsoft.com/office/powerpoint/2010/main" val="4190473848"/>
       </p:ext>
     </p:extLst>
   </p:cSld>
@@ -2077,7 +1978,7 @@
     </p:spTree>
     <p:extLst>
       <p:ext uri="{BB962C8B-B14F-4D97-AF65-F5344CB8AC3E}">
-        <p14:creationId xmlns:p14="http://schemas.microsoft.com/office/powerpoint/2010/main" val="4190473848"/>
+        <p14:creationId xmlns:p14="http://schemas.microsoft.com/office/powerpoint/2010/main" val="2783076314"/>
       </p:ext>
     </p:extLst>
   </p:cSld>
@@ -2088,247 +1989,6 @@
 </file>
 
 <file path=ppt/notesSlides/notesSlide7.xml><?xml version="1.0" encoding="utf-8"?>
-<p:notes xmlns:a="http://schemas.openxmlformats.org/drawingml/2006/main" xmlns:r="http://schemas.openxmlformats.org/officeDocument/2006/relationships" xmlns:p="http://schemas.openxmlformats.org/presentationml/2006/main">
-  <p:cSld>
-    <p:spTree>
-      <p:nvGrpSpPr>
-        <p:cNvPr id="1" name=""/>
-        <p:cNvGrpSpPr/>
-        <p:nvPr/>
-      </p:nvGrpSpPr>
-      <p:grpSpPr>
-        <a:xfrm>
-          <a:off x="0" y="0"/>
-          <a:ext cx="0" cy="0"/>
-          <a:chOff x="0" y="0"/>
-          <a:chExt cx="0" cy="0"/>
-        </a:xfrm>
-      </p:grpSpPr>
-      <p:sp>
-        <p:nvSpPr>
-          <p:cNvPr id="295938" name="Rectangle 7"/>
-          <p:cNvSpPr>
-            <a:spLocks noGrp="1" noChangeArrowheads="1"/>
-          </p:cNvSpPr>
-          <p:nvPr>
-            <p:ph type="sldNum" sz="quarter" idx="5"/>
-          </p:nvPr>
-        </p:nvSpPr>
-        <p:spPr>
-          <a:noFill/>
-          <a:ln/>
-          <a:extLst>
-            <a:ext uri="{909E8E84-426E-40DD-AFC4-6F175D3DCCD1}">
-              <a14:hiddenFill xmlns:a14="http://schemas.microsoft.com/office/drawing/2010/main">
-                <a:solidFill>
-                  <a:srgbClr val="FFFFFF"/>
-                </a:solidFill>
-              </a14:hiddenFill>
-            </a:ext>
-            <a:ext uri="{91240B29-F687-4F45-9708-019B960494DF}">
-              <a14:hiddenLine xmlns:a14="http://schemas.microsoft.com/office/drawing/2010/main" w="9525">
-                <a:solidFill>
-                  <a:srgbClr val="000000"/>
-                </a:solidFill>
-                <a:miter lim="800000"/>
-                <a:headEnd/>
-                <a:tailEnd/>
-              </a14:hiddenLine>
-            </a:ext>
-          </a:extLst>
-        </p:spPr>
-        <p:txBody>
-          <a:bodyPr/>
-          <a:lstStyle>
-            <a:lvl1pPr>
-              <a:defRPr sz="1600">
-                <a:solidFill>
-                  <a:srgbClr val="000000"/>
-                </a:solidFill>
-                <a:latin typeface="Arial" panose="020B0604020202020204" pitchFamily="34" charset="0"/>
-              </a:defRPr>
-            </a:lvl1pPr>
-            <a:lvl2pPr marL="742950" indent="-285750">
-              <a:defRPr sz="1600">
-                <a:solidFill>
-                  <a:srgbClr val="000000"/>
-                </a:solidFill>
-                <a:latin typeface="Arial" panose="020B0604020202020204" pitchFamily="34" charset="0"/>
-              </a:defRPr>
-            </a:lvl2pPr>
-            <a:lvl3pPr marL="1143000" indent="-228600">
-              <a:defRPr sz="1600">
-                <a:solidFill>
-                  <a:srgbClr val="000000"/>
-                </a:solidFill>
-                <a:latin typeface="Arial" panose="020B0604020202020204" pitchFamily="34" charset="0"/>
-              </a:defRPr>
-            </a:lvl3pPr>
-            <a:lvl4pPr marL="1600200" indent="-228600">
-              <a:defRPr sz="1600">
-                <a:solidFill>
-                  <a:srgbClr val="000000"/>
-                </a:solidFill>
-                <a:latin typeface="Arial" panose="020B0604020202020204" pitchFamily="34" charset="0"/>
-              </a:defRPr>
-            </a:lvl4pPr>
-            <a:lvl5pPr marL="2057400" indent="-228600">
-              <a:defRPr sz="1600">
-                <a:solidFill>
-                  <a:srgbClr val="000000"/>
-                </a:solidFill>
-                <a:latin typeface="Arial" panose="020B0604020202020204" pitchFamily="34" charset="0"/>
-              </a:defRPr>
-            </a:lvl5pPr>
-            <a:lvl6pPr marL="2514600" indent="-228600" algn="ctr" eaLnBrk="0" fontAlgn="base" hangingPunct="0">
-              <a:spcBef>
-                <a:spcPct val="50000"/>
-              </a:spcBef>
-              <a:spcAft>
-                <a:spcPct val="0"/>
-              </a:spcAft>
-              <a:defRPr sz="1600">
-                <a:solidFill>
-                  <a:srgbClr val="000000"/>
-                </a:solidFill>
-                <a:latin typeface="Arial" panose="020B0604020202020204" pitchFamily="34" charset="0"/>
-              </a:defRPr>
-            </a:lvl6pPr>
-            <a:lvl7pPr marL="2971800" indent="-228600" algn="ctr" eaLnBrk="0" fontAlgn="base" hangingPunct="0">
-              <a:spcBef>
-                <a:spcPct val="50000"/>
-              </a:spcBef>
-              <a:spcAft>
-                <a:spcPct val="0"/>
-              </a:spcAft>
-              <a:defRPr sz="1600">
-                <a:solidFill>
-                  <a:srgbClr val="000000"/>
-                </a:solidFill>
-                <a:latin typeface="Arial" panose="020B0604020202020204" pitchFamily="34" charset="0"/>
-              </a:defRPr>
-            </a:lvl7pPr>
-            <a:lvl8pPr marL="3429000" indent="-228600" algn="ctr" eaLnBrk="0" fontAlgn="base" hangingPunct="0">
-              <a:spcBef>
-                <a:spcPct val="50000"/>
-              </a:spcBef>
-              <a:spcAft>
-                <a:spcPct val="0"/>
-              </a:spcAft>
-              <a:defRPr sz="1600">
-                <a:solidFill>
-                  <a:srgbClr val="000000"/>
-                </a:solidFill>
-                <a:latin typeface="Arial" panose="020B0604020202020204" pitchFamily="34" charset="0"/>
-              </a:defRPr>
-            </a:lvl8pPr>
-            <a:lvl9pPr marL="3886200" indent="-228600" algn="ctr" eaLnBrk="0" fontAlgn="base" hangingPunct="0">
-              <a:spcBef>
-                <a:spcPct val="50000"/>
-              </a:spcBef>
-              <a:spcAft>
-                <a:spcPct val="0"/>
-              </a:spcAft>
-              <a:defRPr sz="1600">
-                <a:solidFill>
-                  <a:srgbClr val="000000"/>
-                </a:solidFill>
-                <a:latin typeface="Arial" panose="020B0604020202020204" pitchFamily="34" charset="0"/>
-              </a:defRPr>
-            </a:lvl9pPr>
-          </a:lstStyle>
-          <a:p>
-            <a:fld id="{C87C14FA-F787-4855-96F6-BBC00C8DB15B}" type="slidenum">
-              <a:rPr lang="en-US" altLang="en-US" sz="1200">
-                <a:solidFill>
-                  <a:schemeClr val="tx1"/>
-                </a:solidFill>
-              </a:rPr>
-              <a:pPr/>
-              <a:t>8</a:t>
-            </a:fld>
-            <a:endParaRPr lang="en-US" altLang="en-US" sz="1200">
-              <a:solidFill>
-                <a:schemeClr val="tx1"/>
-              </a:solidFill>
-            </a:endParaRPr>
-          </a:p>
-        </p:txBody>
-      </p:sp>
-      <p:sp>
-        <p:nvSpPr>
-          <p:cNvPr id="295939" name="Rectangle 2"/>
-          <p:cNvSpPr>
-            <a:spLocks noGrp="1" noRot="1" noChangeAspect="1" noChangeArrowheads="1" noTextEdit="1"/>
-          </p:cNvSpPr>
-          <p:nvPr>
-            <p:ph type="sldImg"/>
-          </p:nvPr>
-        </p:nvSpPr>
-        <p:spPr>
-          <a:ln/>
-        </p:spPr>
-      </p:sp>
-      <p:sp>
-        <p:nvSpPr>
-          <p:cNvPr id="295940" name="Rectangle 3"/>
-          <p:cNvSpPr>
-            <a:spLocks noGrp="1" noChangeArrowheads="1"/>
-          </p:cNvSpPr>
-          <p:nvPr>
-            <p:ph type="body" idx="1"/>
-          </p:nvPr>
-        </p:nvSpPr>
-        <p:spPr>
-          <a:xfrm>
-            <a:off x="916060" y="4398207"/>
-            <a:ext cx="5038327" cy="4168886"/>
-          </a:xfrm>
-          <a:noFill/>
-          <a:ln/>
-          <a:extLst>
-            <a:ext uri="{909E8E84-426E-40DD-AFC4-6F175D3DCCD1}">
-              <a14:hiddenFill xmlns:a14="http://schemas.microsoft.com/office/drawing/2010/main">
-                <a:solidFill>
-                  <a:srgbClr val="FFFFFF"/>
-                </a:solidFill>
-              </a14:hiddenFill>
-            </a:ext>
-            <a:ext uri="{91240B29-F687-4F45-9708-019B960494DF}">
-              <a14:hiddenLine xmlns:a14="http://schemas.microsoft.com/office/drawing/2010/main" w="9525">
-                <a:solidFill>
-                  <a:srgbClr val="000000"/>
-                </a:solidFill>
-                <a:miter lim="800000"/>
-                <a:headEnd/>
-                <a:tailEnd/>
-              </a14:hiddenLine>
-            </a:ext>
-          </a:extLst>
-        </p:spPr>
-        <p:txBody>
-          <a:bodyPr/>
-          <a:lstStyle/>
-          <a:p>
-            <a:pPr eaLnBrk="1" hangingPunct="1"/>
-            <a:endParaRPr lang="en-US" altLang="en-US"/>
-          </a:p>
-        </p:txBody>
-      </p:sp>
-    </p:spTree>
-    <p:extLst>
-      <p:ext uri="{BB962C8B-B14F-4D97-AF65-F5344CB8AC3E}">
-        <p14:creationId xmlns:p14="http://schemas.microsoft.com/office/powerpoint/2010/main" val="2783076314"/>
-      </p:ext>
-    </p:extLst>
-  </p:cSld>
-  <p:clrMapOvr>
-    <a:masterClrMapping/>
-  </p:clrMapOvr>
-</p:notes>
-</file>
-
-<file path=ppt/notesSlides/notesSlide8.xml><?xml version="1.0" encoding="utf-8"?>
 <p:notes xmlns:a="http://schemas.openxmlformats.org/drawingml/2006/main" xmlns:r="http://schemas.openxmlformats.org/officeDocument/2006/relationships" xmlns:p="http://schemas.openxmlformats.org/presentationml/2006/main">
   <p:cSld>
     <p:spTree>
@@ -2486,7 +2146,7 @@
                 </a:solidFill>
               </a:rPr>
               <a:pPr/>
-              <a:t>13</a:t>
+              <a:t>12</a:t>
             </a:fld>
             <a:endParaRPr lang="en-US" altLang="en-US" sz="1200">
               <a:solidFill>
@@ -2573,7 +2233,7 @@
 </p:notes>
 </file>
 
-<file path=ppt/notesSlides/notesSlide9.xml><?xml version="1.0" encoding="utf-8"?>
+<file path=ppt/notesSlides/notesSlide8.xml><?xml version="1.0" encoding="utf-8"?>
 <p:notes xmlns:a="http://schemas.openxmlformats.org/drawingml/2006/main" xmlns:r="http://schemas.openxmlformats.org/officeDocument/2006/relationships" xmlns:p="http://schemas.openxmlformats.org/presentationml/2006/main">
   <p:cSld>
     <p:spTree>
@@ -2787,7 +2447,7 @@
                 </a:solidFill>
               </a:rPr>
               <a:pPr/>
-              <a:t>19</a:t>
+              <a:t>18</a:t>
             </a:fld>
             <a:endParaRPr lang="en-US" altLang="en-US" sz="1200">
               <a:solidFill>
@@ -2801,6 +2461,90 @@
     <p:extLst>
       <p:ext uri="{BB962C8B-B14F-4D97-AF65-F5344CB8AC3E}">
         <p14:creationId xmlns:p14="http://schemas.microsoft.com/office/powerpoint/2010/main" val="1529560492"/>
+      </p:ext>
+    </p:extLst>
+  </p:cSld>
+  <p:clrMapOvr>
+    <a:masterClrMapping/>
+  </p:clrMapOvr>
+</p:notes>
+</file>
+
+<file path=ppt/notesSlides/notesSlide9.xml><?xml version="1.0" encoding="utf-8"?>
+<p:notes xmlns:a="http://schemas.openxmlformats.org/drawingml/2006/main" xmlns:r="http://schemas.openxmlformats.org/officeDocument/2006/relationships" xmlns:p="http://schemas.openxmlformats.org/presentationml/2006/main">
+  <p:cSld>
+    <p:spTree>
+      <p:nvGrpSpPr>
+        <p:cNvPr id="1" name=""/>
+        <p:cNvGrpSpPr/>
+        <p:nvPr/>
+      </p:nvGrpSpPr>
+      <p:grpSpPr>
+        <a:xfrm>
+          <a:off x="0" y="0"/>
+          <a:ext cx="0" cy="0"/>
+          <a:chOff x="0" y="0"/>
+          <a:chExt cx="0" cy="0"/>
+        </a:xfrm>
+      </p:grpSpPr>
+      <p:sp>
+        <p:nvSpPr>
+          <p:cNvPr id="2" name="Slide Image Placeholder 1"/>
+          <p:cNvSpPr>
+            <a:spLocks noGrp="1" noRot="1" noChangeAspect="1"/>
+          </p:cNvSpPr>
+          <p:nvPr>
+            <p:ph type="sldImg"/>
+          </p:nvPr>
+        </p:nvSpPr>
+        <p:spPr/>
+      </p:sp>
+      <p:sp>
+        <p:nvSpPr>
+          <p:cNvPr id="3" name="Notes Placeholder 2"/>
+          <p:cNvSpPr>
+            <a:spLocks noGrp="1"/>
+          </p:cNvSpPr>
+          <p:nvPr>
+            <p:ph type="body" idx="1"/>
+          </p:nvPr>
+        </p:nvSpPr>
+        <p:spPr/>
+        <p:txBody>
+          <a:bodyPr/>
+          <a:lstStyle/>
+          <a:p>
+            <a:endParaRPr lang="en-US" dirty="0"/>
+          </a:p>
+        </p:txBody>
+      </p:sp>
+      <p:sp>
+        <p:nvSpPr>
+          <p:cNvPr id="4" name="Slide Number Placeholder 3"/>
+          <p:cNvSpPr>
+            <a:spLocks noGrp="1"/>
+          </p:cNvSpPr>
+          <p:nvPr>
+            <p:ph type="sldNum" sz="quarter" idx="10"/>
+          </p:nvPr>
+        </p:nvSpPr>
+        <p:spPr/>
+        <p:txBody>
+          <a:bodyPr/>
+          <a:lstStyle/>
+          <a:p>
+            <a:fld id="{41641293-7A6C-4410-BFA0-320F3215C813}" type="slidenum">
+              <a:rPr lang="en-US" smtClean="0"/>
+              <a:t>19</a:t>
+            </a:fld>
+            <a:endParaRPr lang="en-US"/>
+          </a:p>
+        </p:txBody>
+      </p:sp>
+    </p:spTree>
+    <p:extLst>
+      <p:ext uri="{BB962C8B-B14F-4D97-AF65-F5344CB8AC3E}">
+        <p14:creationId xmlns:p14="http://schemas.microsoft.com/office/powerpoint/2010/main" val="873583672"/>
       </p:ext>
     </p:extLst>
   </p:cSld>
@@ -5935,125 +5679,6 @@
           <a:p>
             <a:r>
               <a:rPr lang="en-US" dirty="0"/>
-              <a:t>Modeling PV Systems – Variability/Ramping – 1 MW PV Array (same location as Single-Panel)</a:t>
-            </a:r>
-          </a:p>
-        </p:txBody>
-      </p:sp>
-      <p:sp>
-        <p:nvSpPr>
-          <p:cNvPr id="187395" name="Rectangle 3"/>
-          <p:cNvSpPr>
-            <a:spLocks noGrp="1" noChangeArrowheads="1"/>
-          </p:cNvSpPr>
-          <p:nvPr>
-            <p:ph idx="1"/>
-          </p:nvPr>
-        </p:nvSpPr>
-        <p:spPr/>
-        <p:txBody>
-          <a:bodyPr/>
-          <a:lstStyle/>
-          <a:p>
-            <a:pPr>
-              <a:spcAft>
-                <a:spcPct val="75000"/>
-              </a:spcAft>
-            </a:pPr>
-            <a:endParaRPr lang="en-US" dirty="0"/>
-          </a:p>
-          <a:p>
-            <a:pPr>
-              <a:spcAft>
-                <a:spcPct val="75000"/>
-              </a:spcAft>
-            </a:pPr>
-            <a:endParaRPr lang="en-US" dirty="0"/>
-          </a:p>
-        </p:txBody>
-      </p:sp>
-      <p:pic>
-        <p:nvPicPr>
-          <p:cNvPr id="6146" name="Picture 2"/>
-          <p:cNvPicPr>
-            <a:picLocks noChangeAspect="1" noChangeArrowheads="1"/>
-          </p:cNvPicPr>
-          <p:nvPr/>
-        </p:nvPicPr>
-        <p:blipFill>
-          <a:blip r:embed="rId2" cstate="print"/>
-          <a:srcRect/>
-          <a:stretch>
-            <a:fillRect/>
-          </a:stretch>
-        </p:blipFill>
-        <p:spPr bwMode="auto">
-          <a:xfrm>
-            <a:off x="1246332" y="1475487"/>
-            <a:ext cx="6505032" cy="4718050"/>
-          </a:xfrm>
-          <a:prstGeom prst="rect">
-            <a:avLst/>
-          </a:prstGeom>
-          <a:noFill/>
-          <a:ln w="9525">
-            <a:noFill/>
-            <a:miter lim="800000"/>
-            <a:headEnd/>
-            <a:tailEnd/>
-          </a:ln>
-          <a:effectLst/>
-        </p:spPr>
-      </p:pic>
-    </p:spTree>
-    <p:extLst>
-      <p:ext uri="{BB962C8B-B14F-4D97-AF65-F5344CB8AC3E}">
-        <p14:creationId xmlns:p14="http://schemas.microsoft.com/office/powerpoint/2010/main" val="825195566"/>
-      </p:ext>
-    </p:extLst>
-  </p:cSld>
-  <p:clrMapOvr>
-    <a:masterClrMapping/>
-  </p:clrMapOvr>
-</p:sld>
-</file>
-
-<file path=ppt/slides/slide11.xml><?xml version="1.0" encoding="utf-8"?>
-<p:sld xmlns:a="http://schemas.openxmlformats.org/drawingml/2006/main" xmlns:r="http://schemas.openxmlformats.org/officeDocument/2006/relationships" xmlns:p="http://schemas.openxmlformats.org/presentationml/2006/main">
-  <p:cSld>
-    <p:spTree>
-      <p:nvGrpSpPr>
-        <p:cNvPr id="1" name=""/>
-        <p:cNvGrpSpPr/>
-        <p:nvPr/>
-      </p:nvGrpSpPr>
-      <p:grpSpPr>
-        <a:xfrm>
-          <a:off x="0" y="0"/>
-          <a:ext cx="0" cy="0"/>
-          <a:chOff x="0" y="0"/>
-          <a:chExt cx="0" cy="0"/>
-        </a:xfrm>
-      </p:grpSpPr>
-      <p:sp>
-        <p:nvSpPr>
-          <p:cNvPr id="187394" name="Rectangle 2"/>
-          <p:cNvSpPr>
-            <a:spLocks noGrp="1" noChangeArrowheads="1"/>
-          </p:cNvSpPr>
-          <p:nvPr>
-            <p:ph type="title"/>
-          </p:nvPr>
-        </p:nvSpPr>
-        <p:spPr/>
-        <p:txBody>
-          <a:bodyPr>
-            <a:normAutofit fontScale="90000"/>
-          </a:bodyPr>
-          <a:lstStyle/>
-          <a:p>
-            <a:r>
-              <a:rPr lang="en-US" dirty="0"/>
               <a:t>Modeling PV Systems – Variability/Ramping – Significance of Solar Irradiance Resolution</a:t>
             </a:r>
           </a:p>
@@ -6137,7 +5762,7 @@
 </p:sld>
 </file>
 
-<file path=ppt/slides/slide12.xml><?xml version="1.0" encoding="utf-8"?>
+<file path=ppt/slides/slide11.xml><?xml version="1.0" encoding="utf-8"?>
 <p:sld xmlns:a="http://schemas.openxmlformats.org/drawingml/2006/main" xmlns:r="http://schemas.openxmlformats.org/officeDocument/2006/relationships" xmlns:p="http://schemas.openxmlformats.org/presentationml/2006/main">
   <p:cSld>
     <p:spTree>
@@ -6313,7 +5938,7 @@
 </p:sld>
 </file>
 
-<file path=ppt/slides/slide13.xml><?xml version="1.0" encoding="utf-8"?>
+<file path=ppt/slides/slide12.xml><?xml version="1.0" encoding="utf-8"?>
 <p:sld xmlns:a="http://schemas.openxmlformats.org/drawingml/2006/main" xmlns:r="http://schemas.openxmlformats.org/officeDocument/2006/relationships" xmlns:p="http://schemas.openxmlformats.org/presentationml/2006/main">
   <p:cSld>
     <p:spTree>
@@ -6390,7 +6015,7 @@
 </p:sld>
 </file>
 
-<file path=ppt/slides/slide14.xml><?xml version="1.0" encoding="utf-8"?>
+<file path=ppt/slides/slide13.xml><?xml version="1.0" encoding="utf-8"?>
 <p:sld xmlns:a="http://schemas.openxmlformats.org/drawingml/2006/main" xmlns:r="http://schemas.openxmlformats.org/officeDocument/2006/relationships" xmlns:p="http://schemas.openxmlformats.org/presentationml/2006/main">
   <p:cSld>
     <p:spTree>
@@ -6594,7 +6219,7 @@
 </p:sld>
 </file>
 
-<file path=ppt/slides/slide15.xml><?xml version="1.0" encoding="utf-8"?>
+<file path=ppt/slides/slide14.xml><?xml version="1.0" encoding="utf-8"?>
 <p:sld xmlns:a="http://schemas.openxmlformats.org/drawingml/2006/main" xmlns:r="http://schemas.openxmlformats.org/officeDocument/2006/relationships" xmlns:p="http://schemas.openxmlformats.org/presentationml/2006/main">
   <p:cSld>
     <p:spTree>
@@ -6724,7 +6349,7 @@
 </p:sld>
 </file>
 
-<file path=ppt/slides/slide16.xml><?xml version="1.0" encoding="utf-8"?>
+<file path=ppt/slides/slide15.xml><?xml version="1.0" encoding="utf-8"?>
 <p:sld xmlns:a="http://schemas.openxmlformats.org/drawingml/2006/main" xmlns:r="http://schemas.openxmlformats.org/officeDocument/2006/relationships" xmlns:p="http://schemas.openxmlformats.org/presentationml/2006/main">
   <p:cSld>
     <p:spTree>
@@ -7103,7 +6728,7 @@
 </p:sld>
 </file>
 
-<file path=ppt/slides/slide17.xml><?xml version="1.0" encoding="utf-8"?>
+<file path=ppt/slides/slide16.xml><?xml version="1.0" encoding="utf-8"?>
 <p:sld xmlns:a="http://schemas.openxmlformats.org/drawingml/2006/main" xmlns:r="http://schemas.openxmlformats.org/officeDocument/2006/relationships" xmlns:p="http://schemas.openxmlformats.org/presentationml/2006/main">
   <p:cSld>
     <p:spTree>
@@ -7191,7 +6816,7 @@
 </p:sld>
 </file>
 
-<file path=ppt/slides/slide18.xml><?xml version="1.0" encoding="utf-8"?>
+<file path=ppt/slides/slide17.xml><?xml version="1.0" encoding="utf-8"?>
 <p:sld xmlns:a="http://schemas.openxmlformats.org/drawingml/2006/main" xmlns:r="http://schemas.openxmlformats.org/officeDocument/2006/relationships" xmlns:p="http://schemas.openxmlformats.org/presentationml/2006/main">
   <p:cSld>
     <p:spTree>
@@ -7279,7 +6904,7 @@
 </p:sld>
 </file>
 
-<file path=ppt/slides/slide19.xml><?xml version="1.0" encoding="utf-8"?>
+<file path=ppt/slides/slide18.xml><?xml version="1.0" encoding="utf-8"?>
 <p:sld xmlns:a="http://schemas.openxmlformats.org/drawingml/2006/main" xmlns:r="http://schemas.openxmlformats.org/officeDocument/2006/relationships" xmlns:p="http://schemas.openxmlformats.org/presentationml/2006/main">
   <p:cSld>
     <p:spTree>
@@ -7355,6 +6980,109 @@
 </p:sld>
 </file>
 
+<file path=ppt/slides/slide19.xml><?xml version="1.0" encoding="utf-8"?>
+<p:sld xmlns:a="http://schemas.openxmlformats.org/drawingml/2006/main" xmlns:r="http://schemas.openxmlformats.org/officeDocument/2006/relationships" xmlns:p="http://schemas.openxmlformats.org/presentationml/2006/main">
+  <p:cSld>
+    <p:spTree>
+      <p:nvGrpSpPr>
+        <p:cNvPr id="1" name=""/>
+        <p:cNvGrpSpPr/>
+        <p:nvPr/>
+      </p:nvGrpSpPr>
+      <p:grpSpPr>
+        <a:xfrm>
+          <a:off x="0" y="0"/>
+          <a:ext cx="0" cy="0"/>
+          <a:chOff x="0" y="0"/>
+          <a:chExt cx="0" cy="0"/>
+        </a:xfrm>
+      </p:grpSpPr>
+      <p:sp>
+        <p:nvSpPr>
+          <p:cNvPr id="2" name="Title 1"/>
+          <p:cNvSpPr>
+            <a:spLocks noGrp="1"/>
+          </p:cNvSpPr>
+          <p:nvPr>
+            <p:ph type="title"/>
+          </p:nvPr>
+        </p:nvSpPr>
+        <p:spPr/>
+        <p:txBody>
+          <a:bodyPr/>
+          <a:lstStyle/>
+          <a:p>
+            <a:r>
+              <a:rPr lang="en-US" dirty="0"/>
+              <a:t>Introduction</a:t>
+            </a:r>
+          </a:p>
+        </p:txBody>
+      </p:sp>
+      <p:sp>
+        <p:nvSpPr>
+          <p:cNvPr id="3" name="Content Placeholder 2"/>
+          <p:cNvSpPr>
+            <a:spLocks noGrp="1"/>
+          </p:cNvSpPr>
+          <p:nvPr>
+            <p:ph idx="1"/>
+          </p:nvPr>
+        </p:nvSpPr>
+        <p:spPr>
+          <a:xfrm>
+            <a:off x="274320" y="1814052"/>
+            <a:ext cx="8595360" cy="4586748"/>
+          </a:xfrm>
+        </p:spPr>
+        <p:txBody>
+          <a:bodyPr>
+            <a:normAutofit/>
+          </a:bodyPr>
+          <a:lstStyle/>
+          <a:p>
+            <a:r>
+              <a:rPr lang="en-US" dirty="0"/>
+              <a:t>Storage is the frequently-proposed solution to renewable generation issues</a:t>
+            </a:r>
+          </a:p>
+          <a:p>
+            <a:r>
+              <a:rPr lang="en-US" dirty="0"/>
+              <a:t>States and provinces are requiring large amounts of storage </a:t>
+            </a:r>
+          </a:p>
+          <a:p>
+            <a:pPr lvl="1"/>
+            <a:r>
+              <a:rPr lang="en-US" dirty="0"/>
+              <a:t>(Cal: 1.3 GW by 2020; 425 MW on distribution)</a:t>
+            </a:r>
+          </a:p>
+          <a:p>
+            <a:r>
+              <a:rPr lang="en-US" dirty="0"/>
+              <a:t>Significant amounts expected on Distribution systems controlled for benefit of Transmission</a:t>
+            </a:r>
+          </a:p>
+          <a:p>
+            <a:endParaRPr lang="en-US" dirty="0"/>
+          </a:p>
+        </p:txBody>
+      </p:sp>
+    </p:spTree>
+    <p:extLst>
+      <p:ext uri="{BB962C8B-B14F-4D97-AF65-F5344CB8AC3E}">
+        <p14:creationId xmlns:p14="http://schemas.microsoft.com/office/powerpoint/2010/main" val="2974085631"/>
+      </p:ext>
+    </p:extLst>
+  </p:cSld>
+  <p:clrMapOvr>
+    <a:masterClrMapping/>
+  </p:clrMapOvr>
+</p:sld>
+</file>
+
 <file path=ppt/slides/slide2.xml><?xml version="1.0" encoding="utf-8"?>
 <p:sld xmlns:a="http://schemas.openxmlformats.org/drawingml/2006/main" xmlns:r="http://schemas.openxmlformats.org/officeDocument/2006/relationships" xmlns:p="http://schemas.openxmlformats.org/presentationml/2006/main">
   <p:cSld>
@@ -7374,18 +7102,12 @@
       </p:grpSpPr>
       <p:sp>
         <p:nvSpPr>
-          <p:cNvPr id="188418" name="Subtitle 4">
-            <a:extLst>
-              <a:ext uri="{FF2B5EF4-FFF2-40B4-BE49-F238E27FC236}">
-                <a16:creationId xmlns:a16="http://schemas.microsoft.com/office/drawing/2014/main" id="{71F78E6E-528F-4F0A-82E6-06214446C1C1}"/>
-              </a:ext>
-            </a:extLst>
-          </p:cNvPr>
+          <p:cNvPr id="119810" name="Rectangle 2"/>
           <p:cNvSpPr>
-            <a:spLocks noGrp="1"/>
+            <a:spLocks noGrp="1" noChangeArrowheads="1"/>
           </p:cNvSpPr>
           <p:nvPr>
-            <p:ph type="subTitle" sz="quarter" idx="1"/>
+            <p:ph type="title"/>
           </p:nvPr>
         </p:nvSpPr>
         <p:spPr/>
@@ -7393,25 +7115,22 @@
           <a:bodyPr/>
           <a:lstStyle/>
           <a:p>
-            <a:pPr eaLnBrk="1" hangingPunct="1"/>
+            <a:r>
+              <a:rPr lang="en-US" dirty="0"/>
+              <a:t>Modeling Solar PV</a:t>
+            </a:r>
             <a:endParaRPr lang="en-US" altLang="en-US" dirty="0"/>
           </a:p>
         </p:txBody>
       </p:sp>
       <p:sp>
         <p:nvSpPr>
-          <p:cNvPr id="188419" name="Title 3">
-            <a:extLst>
-              <a:ext uri="{FF2B5EF4-FFF2-40B4-BE49-F238E27FC236}">
-                <a16:creationId xmlns:a16="http://schemas.microsoft.com/office/drawing/2014/main" id="{0B1110D7-C03C-41EA-ABCD-11B688F7AD3B}"/>
-              </a:ext>
-            </a:extLst>
-          </p:cNvPr>
+          <p:cNvPr id="2" name="Text Placeholder 1"/>
           <p:cNvSpPr>
             <a:spLocks noGrp="1"/>
           </p:cNvSpPr>
           <p:nvPr>
-            <p:ph type="ctrTitle" sz="quarter"/>
+            <p:ph type="body" idx="1"/>
           </p:nvPr>
         </p:nvSpPr>
         <p:spPr/>
@@ -7419,18 +7138,14 @@
           <a:bodyPr/>
           <a:lstStyle/>
           <a:p>
-            <a:pPr algn="r" eaLnBrk="1" hangingPunct="1"/>
-            <a:r>
-              <a:rPr lang="en-US" altLang="en-US" dirty="0"/>
-              <a:t>Custom Scripting</a:t>
-            </a:r>
+            <a:endParaRPr lang="en-US"/>
           </a:p>
         </p:txBody>
       </p:sp>
     </p:spTree>
     <p:extLst>
       <p:ext uri="{BB962C8B-B14F-4D97-AF65-F5344CB8AC3E}">
-        <p14:creationId xmlns:p14="http://schemas.microsoft.com/office/powerpoint/2010/main" val="2060778660"/>
+        <p14:creationId xmlns:p14="http://schemas.microsoft.com/office/powerpoint/2010/main" val="1066763387"/>
       </p:ext>
     </p:extLst>
   </p:cSld>
@@ -7474,7 +7189,7 @@
           <a:p>
             <a:r>
               <a:rPr lang="en-US" dirty="0"/>
-              <a:t>Introduction</a:t>
+              <a:t>Introduction, cont’d</a:t>
             </a:r>
           </a:p>
         </p:txBody>
@@ -7489,51 +7204,40 @@
             <p:ph idx="1"/>
           </p:nvPr>
         </p:nvSpPr>
-        <p:spPr>
-          <a:xfrm>
-            <a:off x="274320" y="1814052"/>
-            <a:ext cx="8595360" cy="4586748"/>
-          </a:xfrm>
-        </p:spPr>
+        <p:spPr/>
         <p:txBody>
-          <a:bodyPr>
-            <a:normAutofit/>
-          </a:bodyPr>
+          <a:bodyPr/>
           <a:lstStyle/>
           <a:p>
             <a:r>
               <a:rPr lang="en-US" dirty="0"/>
-              <a:t>Storage is the frequently-proposed solution to renewable generation issues</a:t>
-            </a:r>
-          </a:p>
-          <a:p>
-            <a:r>
-              <a:rPr lang="en-US" dirty="0"/>
-              <a:t>States and provinces are requiring large amounts of storage </a:t>
-            </a:r>
-          </a:p>
-          <a:p>
-            <a:pPr lvl="1"/>
-            <a:r>
-              <a:rPr lang="en-US" dirty="0"/>
-              <a:t>(Cal: 1.3 GW by 2020; 425 MW on distribution)</a:t>
-            </a:r>
-          </a:p>
-          <a:p>
-            <a:r>
-              <a:rPr lang="en-US" dirty="0"/>
-              <a:t>Significant amounts expected on Distribution systems controlled for benefit of Transmission</a:t>
+              <a:t>Distribution planners are accustomed to static power flow calculations</a:t>
+            </a:r>
+          </a:p>
+          <a:p>
+            <a:r>
+              <a:rPr lang="en-US" dirty="0"/>
+              <a:t>Accurate analysis of storage required sequential-time simulation (“QSTS”)</a:t>
             </a:r>
           </a:p>
           <a:p>
             <a:endParaRPr lang="en-US" dirty="0"/>
+          </a:p>
+          <a:p>
+            <a:endParaRPr lang="en-US" dirty="0"/>
+          </a:p>
+          <a:p>
+            <a:r>
+              <a:rPr lang="en-US" dirty="0"/>
+              <a:t>Summary of EPRI research into modeling energy storage for planning …</a:t>
+            </a:r>
           </a:p>
         </p:txBody>
       </p:sp>
     </p:spTree>
     <p:extLst>
       <p:ext uri="{BB962C8B-B14F-4D97-AF65-F5344CB8AC3E}">
-        <p14:creationId xmlns:p14="http://schemas.microsoft.com/office/powerpoint/2010/main" val="2974085631"/>
+        <p14:creationId xmlns:p14="http://schemas.microsoft.com/office/powerpoint/2010/main" val="1013957307"/>
       </p:ext>
     </p:extLst>
   </p:cSld>
@@ -7577,7 +7281,7 @@
           <a:p>
             <a:r>
               <a:rPr lang="en-US" dirty="0"/>
-              <a:t>Introduction, cont’d</a:t>
+              <a:t>Applications of Storage on Distribution</a:t>
             </a:r>
           </a:p>
         </p:txBody>
@@ -7592,32 +7296,65 @@
             <p:ph idx="1"/>
           </p:nvPr>
         </p:nvSpPr>
-        <p:spPr/>
+        <p:spPr>
+          <a:xfrm>
+            <a:off x="457200" y="1905001"/>
+            <a:ext cx="8229600" cy="3757049"/>
+          </a:xfrm>
+        </p:spPr>
         <p:txBody>
-          <a:bodyPr/>
+          <a:bodyPr>
+            <a:normAutofit/>
+          </a:bodyPr>
           <a:lstStyle/>
           <a:p>
             <a:r>
               <a:rPr lang="en-US" dirty="0"/>
-              <a:t>Distribution planners are accustomed to static power flow calculations</a:t>
-            </a:r>
-          </a:p>
-          <a:p>
-            <a:r>
-              <a:rPr lang="en-US" dirty="0"/>
-              <a:t>Accurate analysis of storage required sequential-time simulation (“QSTS”)</a:t>
-            </a:r>
-          </a:p>
-          <a:p>
-            <a:endParaRPr lang="en-US" dirty="0"/>
-          </a:p>
-          <a:p>
-            <a:endParaRPr lang="en-US" dirty="0"/>
-          </a:p>
-          <a:p>
-            <a:r>
-              <a:rPr lang="en-US" dirty="0"/>
-              <a:t>Summary of EPRI research into modeling energy storage for planning …</a:t>
+              <a:t>Smoothing solar PV power output</a:t>
+            </a:r>
+          </a:p>
+          <a:p>
+            <a:r>
+              <a:rPr lang="en-US" dirty="0"/>
+              <a:t>Extending solar PV output into the evening</a:t>
+            </a:r>
+          </a:p>
+          <a:p>
+            <a:r>
+              <a:rPr lang="en-US" dirty="0"/>
+              <a:t>Support of the Transmission grid</a:t>
+            </a:r>
+          </a:p>
+          <a:p>
+            <a:r>
+              <a:rPr lang="en-US" dirty="0"/>
+              <a:t>Extending capacity of existing assets</a:t>
+            </a:r>
+          </a:p>
+          <a:p>
+            <a:r>
+              <a:rPr lang="en-US" dirty="0"/>
+              <a:t>Supporting alternate feeds during </a:t>
+            </a:r>
+            <a:r>
+              <a:rPr lang="en-US" dirty="0" err="1"/>
+              <a:t>reconfig</a:t>
+            </a:r>
+            <a:r>
+              <a:rPr lang="en-US" dirty="0"/>
+              <a:t>.</a:t>
+            </a:r>
+          </a:p>
+          <a:p>
+            <a:r>
+              <a:rPr lang="en-US" dirty="0"/>
+              <a:t>Controlling frequency of a microgrid</a:t>
+            </a:r>
+          </a:p>
+          <a:p>
+            <a:r>
+              <a:rPr lang="en-US" dirty="0"/>
+              <a:t>Increasing short circuit strength of a microgrid</a:t>
             </a:r>
           </a:p>
         </p:txBody>
@@ -7625,7 +7362,7 @@
     </p:spTree>
     <p:extLst>
       <p:ext uri="{BB962C8B-B14F-4D97-AF65-F5344CB8AC3E}">
-        <p14:creationId xmlns:p14="http://schemas.microsoft.com/office/powerpoint/2010/main" val="1013957307"/>
+        <p14:creationId xmlns:p14="http://schemas.microsoft.com/office/powerpoint/2010/main" val="1932119114"/>
       </p:ext>
     </p:extLst>
   </p:cSld>
@@ -7669,7 +7406,7 @@
           <a:p>
             <a:r>
               <a:rPr lang="en-US" dirty="0"/>
-              <a:t>Applications of Storage on Distribution</a:t>
+              <a:t>Planning Issues Introduced by Storage</a:t>
             </a:r>
           </a:p>
         </p:txBody>
@@ -7686,8 +7423,8 @@
         </p:nvSpPr>
         <p:spPr>
           <a:xfrm>
-            <a:off x="457200" y="1905001"/>
-            <a:ext cx="8229600" cy="3757049"/>
+            <a:off x="274320" y="1622322"/>
+            <a:ext cx="8595360" cy="4778477"/>
           </a:xfrm>
         </p:spPr>
         <p:txBody>
@@ -7698,51 +7435,31 @@
           <a:p>
             <a:r>
               <a:rPr lang="en-US" dirty="0"/>
-              <a:t>Smoothing solar PV power output</a:t>
-            </a:r>
-          </a:p>
-          <a:p>
-            <a:r>
-              <a:rPr lang="en-US" dirty="0"/>
-              <a:t>Extending solar PV output into the evening</a:t>
-            </a:r>
-          </a:p>
-          <a:p>
-            <a:r>
-              <a:rPr lang="en-US" dirty="0"/>
-              <a:t>Support of the Transmission grid</a:t>
-            </a:r>
-          </a:p>
-          <a:p>
-            <a:r>
-              <a:rPr lang="en-US" dirty="0"/>
-              <a:t>Extending capacity of existing assets</a:t>
-            </a:r>
-          </a:p>
-          <a:p>
-            <a:r>
-              <a:rPr lang="en-US" dirty="0"/>
-              <a:t>Supporting alternate feeds during </a:t>
-            </a:r>
-            <a:r>
-              <a:rPr lang="en-US" dirty="0" err="1"/>
-              <a:t>reconfig</a:t>
-            </a:r>
-            <a:r>
-              <a:rPr lang="en-US" dirty="0"/>
-              <a:t>.</a:t>
-            </a:r>
-          </a:p>
-          <a:p>
-            <a:r>
-              <a:rPr lang="en-US" dirty="0"/>
-              <a:t>Controlling frequency of a microgrid</a:t>
-            </a:r>
-          </a:p>
-          <a:p>
-            <a:r>
-              <a:rPr lang="en-US" dirty="0"/>
-              <a:t>Increasing short circuit strength of a microgrid</a:t>
+              <a:t>Overvoltages while discharging</a:t>
+            </a:r>
+          </a:p>
+          <a:p>
+            <a:r>
+              <a:rPr lang="en-US" dirty="0"/>
+              <a:t>Low voltages while charging</a:t>
+            </a:r>
+          </a:p>
+          <a:p>
+            <a:r>
+              <a:rPr lang="en-US" dirty="0"/>
+              <a:t>Voltage regulation while compensating for transmission grid support</a:t>
+            </a:r>
+          </a:p>
+          <a:p>
+            <a:r>
+              <a:rPr lang="en-US" dirty="0"/>
+              <a:t>Interference with overcurrent protection scheme</a:t>
+            </a:r>
+          </a:p>
+          <a:p>
+            <a:r>
+              <a:rPr lang="en-US" dirty="0"/>
+              <a:t>Insufficient short-circuit capacity in microgrid</a:t>
             </a:r>
           </a:p>
         </p:txBody>
@@ -7750,7 +7467,7 @@
     </p:spTree>
     <p:extLst>
       <p:ext uri="{BB962C8B-B14F-4D97-AF65-F5344CB8AC3E}">
-        <p14:creationId xmlns:p14="http://schemas.microsoft.com/office/powerpoint/2010/main" val="1932119114"/>
+        <p14:creationId xmlns:p14="http://schemas.microsoft.com/office/powerpoint/2010/main" val="4099660104"/>
       </p:ext>
     </p:extLst>
   </p:cSld>
@@ -7794,7 +7511,7 @@
           <a:p>
             <a:r>
               <a:rPr lang="en-US" dirty="0"/>
-              <a:t>Planning Issues Introduced by Storage</a:t>
+              <a:t>Sequential-Time Simulation</a:t>
             </a:r>
           </a:p>
         </p:txBody>
@@ -7809,12 +7526,7 @@
             <p:ph idx="1"/>
           </p:nvPr>
         </p:nvSpPr>
-        <p:spPr>
-          <a:xfrm>
-            <a:off x="274320" y="1622322"/>
-            <a:ext cx="8595360" cy="4778477"/>
-          </a:xfrm>
-        </p:spPr>
+        <p:spPr/>
         <p:txBody>
           <a:bodyPr>
             <a:normAutofit/>
@@ -7823,31 +7535,26 @@
           <a:p>
             <a:r>
               <a:rPr lang="en-US" dirty="0"/>
-              <a:t>Overvoltages while discharging</a:t>
-            </a:r>
-          </a:p>
-          <a:p>
-            <a:r>
-              <a:rPr lang="en-US" dirty="0"/>
-              <a:t>Low voltages while charging</a:t>
-            </a:r>
-          </a:p>
-          <a:p>
-            <a:r>
-              <a:rPr lang="en-US" dirty="0"/>
-              <a:t>Voltage regulation while compensating for transmission grid support</a:t>
-            </a:r>
-          </a:p>
-          <a:p>
-            <a:r>
-              <a:rPr lang="en-US" dirty="0"/>
-              <a:t>Interference with overcurrent protection scheme</a:t>
-            </a:r>
-          </a:p>
-          <a:p>
-            <a:r>
-              <a:rPr lang="en-US" dirty="0"/>
-              <a:t>Insufficient short-circuit capacity in microgrid</a:t>
+              <a:t>All DER disrupt the normal load shape</a:t>
+            </a:r>
+          </a:p>
+          <a:p>
+            <a:r>
+              <a:rPr lang="en-US" dirty="0"/>
+              <a:t>A single static power flow does not give a good answer</a:t>
+            </a:r>
+          </a:p>
+          <a:p>
+            <a:pPr lvl="1"/>
+            <a:r>
+              <a:rPr lang="en-US" dirty="0"/>
+              <a:t>Have to simulate over a significant time period</a:t>
+            </a:r>
+          </a:p>
+          <a:p>
+            <a:r>
+              <a:rPr lang="en-US" dirty="0"/>
+              <a:t>Sequential-time power flow is now accepted practice in advanced distribution planning</a:t>
             </a:r>
           </a:p>
         </p:txBody>
@@ -7855,7 +7562,7 @@
     </p:spTree>
     <p:extLst>
       <p:ext uri="{BB962C8B-B14F-4D97-AF65-F5344CB8AC3E}">
-        <p14:creationId xmlns:p14="http://schemas.microsoft.com/office/powerpoint/2010/main" val="4099660104"/>
+        <p14:creationId xmlns:p14="http://schemas.microsoft.com/office/powerpoint/2010/main" val="3443514939"/>
       </p:ext>
     </p:extLst>
   </p:cSld>
@@ -7894,12 +7601,14 @@
         </p:nvSpPr>
         <p:spPr/>
         <p:txBody>
-          <a:bodyPr/>
+          <a:bodyPr>
+            <a:normAutofit fontScale="90000"/>
+          </a:bodyPr>
           <a:lstStyle/>
           <a:p>
             <a:r>
-              <a:rPr lang="en-US" dirty="0"/>
-              <a:t>Sequential-Time Simulation</a:t>
+              <a:rPr lang="en-US" sz="3600" dirty="0"/>
+              <a:t>The Planning Problem with Storage is More than Capacity to meet Demand</a:t>
             </a:r>
           </a:p>
         </p:txBody>
@@ -7914,7 +7623,12 @@
             <p:ph idx="1"/>
           </p:nvPr>
         </p:nvSpPr>
-        <p:spPr/>
+        <p:spPr>
+          <a:xfrm>
+            <a:off x="274320" y="2344994"/>
+            <a:ext cx="8595360" cy="4055806"/>
+          </a:xfrm>
+        </p:spPr>
         <p:txBody>
           <a:bodyPr>
             <a:normAutofit/>
@@ -7923,34 +7637,75 @@
           <a:p>
             <a:r>
               <a:rPr lang="en-US" dirty="0"/>
-              <a:t>All DER disrupt the normal load shape</a:t>
-            </a:r>
-          </a:p>
-          <a:p>
-            <a:r>
-              <a:rPr lang="en-US" dirty="0"/>
-              <a:t>A single static power flow does not give a good answer</a:t>
+              <a:t>Storage is a </a:t>
+            </a:r>
+            <a:r>
+              <a:rPr lang="en-US" u="sng" dirty="0"/>
+              <a:t>variable</a:t>
+            </a:r>
+            <a:r>
+              <a:rPr lang="en-US" dirty="0"/>
+              <a:t> resource but it is also </a:t>
+            </a:r>
+            <a:r>
+              <a:rPr lang="en-US" u="sng" dirty="0"/>
+              <a:t>Limited</a:t>
             </a:r>
           </a:p>
           <a:p>
             <a:pPr lvl="1"/>
             <a:r>
               <a:rPr lang="en-US" dirty="0"/>
-              <a:t>Have to simulate over a significant time period</a:t>
-            </a:r>
-          </a:p>
-          <a:p>
-            <a:r>
-              <a:rPr lang="en-US" dirty="0"/>
-              <a:t>Sequential-time power flow is now accepted practice in advanced distribution planning</a:t>
-            </a:r>
+              <a:t>Planning tools must account for energy stored</a:t>
+            </a:r>
+          </a:p>
+          <a:p>
+            <a:pPr lvl="1"/>
+            <a:r>
+              <a:rPr lang="en-US" dirty="0"/>
+              <a:t>Has a limited ramp rate</a:t>
+            </a:r>
+          </a:p>
+          <a:p>
+            <a:pPr lvl="1"/>
+            <a:r>
+              <a:rPr lang="en-US" dirty="0"/>
+              <a:t>Has to be recharged at some other time</a:t>
+            </a:r>
+          </a:p>
+          <a:p>
+            <a:r>
+              <a:rPr lang="en-US" dirty="0"/>
+              <a:t>Has </a:t>
+            </a:r>
+            <a:r>
+              <a:rPr lang="en-US" u="sng" dirty="0"/>
+              <a:t>losses</a:t>
+            </a:r>
+          </a:p>
+          <a:p>
+            <a:pPr lvl="1"/>
+            <a:r>
+              <a:rPr lang="en-US" dirty="0"/>
+              <a:t>Charge-discharge cycle (~15-20%)</a:t>
+            </a:r>
+          </a:p>
+          <a:p>
+            <a:pPr lvl="1"/>
+            <a:r>
+              <a:rPr lang="en-US" dirty="0"/>
+              <a:t>Idling losses (temperature dependent)</a:t>
+            </a:r>
+          </a:p>
+          <a:p>
+            <a:endParaRPr lang="en-US" dirty="0"/>
           </a:p>
         </p:txBody>
       </p:sp>
     </p:spTree>
     <p:extLst>
       <p:ext uri="{BB962C8B-B14F-4D97-AF65-F5344CB8AC3E}">
-        <p14:creationId xmlns:p14="http://schemas.microsoft.com/office/powerpoint/2010/main" val="3443514939"/>
+        <p14:creationId xmlns:p14="http://schemas.microsoft.com/office/powerpoint/2010/main" val="3155985772"/>
       </p:ext>
     </p:extLst>
   </p:cSld>
@@ -7996,149 +7751,6 @@
           <a:p>
             <a:r>
               <a:rPr lang="en-US" sz="3600" dirty="0"/>
-              <a:t>The Planning Problem with Storage is More than Capacity to meet Demand</a:t>
-            </a:r>
-          </a:p>
-        </p:txBody>
-      </p:sp>
-      <p:sp>
-        <p:nvSpPr>
-          <p:cNvPr id="3" name="Content Placeholder 2"/>
-          <p:cNvSpPr>
-            <a:spLocks noGrp="1"/>
-          </p:cNvSpPr>
-          <p:nvPr>
-            <p:ph idx="1"/>
-          </p:nvPr>
-        </p:nvSpPr>
-        <p:spPr>
-          <a:xfrm>
-            <a:off x="274320" y="2344994"/>
-            <a:ext cx="8595360" cy="4055806"/>
-          </a:xfrm>
-        </p:spPr>
-        <p:txBody>
-          <a:bodyPr>
-            <a:normAutofit/>
-          </a:bodyPr>
-          <a:lstStyle/>
-          <a:p>
-            <a:r>
-              <a:rPr lang="en-US" dirty="0"/>
-              <a:t>Storage is a </a:t>
-            </a:r>
-            <a:r>
-              <a:rPr lang="en-US" u="sng" dirty="0"/>
-              <a:t>variable</a:t>
-            </a:r>
-            <a:r>
-              <a:rPr lang="en-US" dirty="0"/>
-              <a:t> resource but it is also </a:t>
-            </a:r>
-            <a:r>
-              <a:rPr lang="en-US" u="sng" dirty="0"/>
-              <a:t>Limited</a:t>
-            </a:r>
-          </a:p>
-          <a:p>
-            <a:pPr lvl="1"/>
-            <a:r>
-              <a:rPr lang="en-US" dirty="0"/>
-              <a:t>Planning tools must account for energy stored</a:t>
-            </a:r>
-          </a:p>
-          <a:p>
-            <a:pPr lvl="1"/>
-            <a:r>
-              <a:rPr lang="en-US" dirty="0"/>
-              <a:t>Has a limited ramp rate</a:t>
-            </a:r>
-          </a:p>
-          <a:p>
-            <a:pPr lvl="1"/>
-            <a:r>
-              <a:rPr lang="en-US" dirty="0"/>
-              <a:t>Has to be recharged at some other time</a:t>
-            </a:r>
-          </a:p>
-          <a:p>
-            <a:r>
-              <a:rPr lang="en-US" dirty="0"/>
-              <a:t>Has </a:t>
-            </a:r>
-            <a:r>
-              <a:rPr lang="en-US" u="sng" dirty="0"/>
-              <a:t>losses</a:t>
-            </a:r>
-          </a:p>
-          <a:p>
-            <a:pPr lvl="1"/>
-            <a:r>
-              <a:rPr lang="en-US" dirty="0"/>
-              <a:t>Charge-discharge cycle (~15-20%)</a:t>
-            </a:r>
-          </a:p>
-          <a:p>
-            <a:pPr lvl="1"/>
-            <a:r>
-              <a:rPr lang="en-US" dirty="0"/>
-              <a:t>Idling losses (temperature dependent)</a:t>
-            </a:r>
-          </a:p>
-          <a:p>
-            <a:endParaRPr lang="en-US" dirty="0"/>
-          </a:p>
-        </p:txBody>
-      </p:sp>
-    </p:spTree>
-    <p:extLst>
-      <p:ext uri="{BB962C8B-B14F-4D97-AF65-F5344CB8AC3E}">
-        <p14:creationId xmlns:p14="http://schemas.microsoft.com/office/powerpoint/2010/main" val="3155985772"/>
-      </p:ext>
-    </p:extLst>
-  </p:cSld>
-  <p:clrMapOvr>
-    <a:masterClrMapping/>
-  </p:clrMapOvr>
-</p:sld>
-</file>
-
-<file path=ppt/slides/slide26.xml><?xml version="1.0" encoding="utf-8"?>
-<p:sld xmlns:a="http://schemas.openxmlformats.org/drawingml/2006/main" xmlns:r="http://schemas.openxmlformats.org/officeDocument/2006/relationships" xmlns:p="http://schemas.openxmlformats.org/presentationml/2006/main">
-  <p:cSld>
-    <p:spTree>
-      <p:nvGrpSpPr>
-        <p:cNvPr id="1" name=""/>
-        <p:cNvGrpSpPr/>
-        <p:nvPr/>
-      </p:nvGrpSpPr>
-      <p:grpSpPr>
-        <a:xfrm>
-          <a:off x="0" y="0"/>
-          <a:ext cx="0" cy="0"/>
-          <a:chOff x="0" y="0"/>
-          <a:chExt cx="0" cy="0"/>
-        </a:xfrm>
-      </p:grpSpPr>
-      <p:sp>
-        <p:nvSpPr>
-          <p:cNvPr id="2" name="Title 1"/>
-          <p:cNvSpPr>
-            <a:spLocks noGrp="1"/>
-          </p:cNvSpPr>
-          <p:nvPr>
-            <p:ph type="title"/>
-          </p:nvPr>
-        </p:nvSpPr>
-        <p:spPr/>
-        <p:txBody>
-          <a:bodyPr>
-            <a:normAutofit fontScale="90000"/>
-          </a:bodyPr>
-          <a:lstStyle/>
-          <a:p>
-            <a:r>
-              <a:rPr lang="en-US" sz="3600" dirty="0"/>
               <a:t>6 Simulation Modes Have Been Identified and Implemented in </a:t>
             </a:r>
             <a:r>
@@ -8258,7 +7870,7 @@
 </p:sld>
 </file>
 
-<file path=ppt/slides/slide27.xml><?xml version="1.0" encoding="utf-8"?>
+<file path=ppt/slides/slide26.xml><?xml version="1.0" encoding="utf-8"?>
 <p:sld xmlns:a="http://schemas.openxmlformats.org/drawingml/2006/main" xmlns:r="http://schemas.openxmlformats.org/officeDocument/2006/relationships" xmlns:p="http://schemas.openxmlformats.org/presentationml/2006/main">
   <p:cSld>
     <p:spTree>
@@ -8360,7 +7972,7 @@
 </p:sld>
 </file>
 
-<file path=ppt/slides/slide28.xml><?xml version="1.0" encoding="utf-8"?>
+<file path=ppt/slides/slide27.xml><?xml version="1.0" encoding="utf-8"?>
 <p:sld xmlns:a="http://schemas.openxmlformats.org/drawingml/2006/main" xmlns:r="http://schemas.openxmlformats.org/officeDocument/2006/relationships" xmlns:p="http://schemas.openxmlformats.org/presentationml/2006/main">
   <p:cSld>
     <p:spTree>
@@ -8511,7 +8123,7 @@
 </p:sld>
 </file>
 
-<file path=ppt/slides/slide29.xml><?xml version="1.0" encoding="utf-8"?>
+<file path=ppt/slides/slide28.xml><?xml version="1.0" encoding="utf-8"?>
 <p:sld xmlns:a="http://schemas.openxmlformats.org/drawingml/2006/main" xmlns:r="http://schemas.openxmlformats.org/officeDocument/2006/relationships" xmlns:p="http://schemas.openxmlformats.org/presentationml/2006/main">
   <p:cSld>
     <p:spTree>
@@ -8635,79 +8247,7 @@
 </p:sld>
 </file>
 
-<file path=ppt/slides/slide3.xml><?xml version="1.0" encoding="utf-8"?>
-<p:sld xmlns:a="http://schemas.openxmlformats.org/drawingml/2006/main" xmlns:r="http://schemas.openxmlformats.org/officeDocument/2006/relationships" xmlns:p="http://schemas.openxmlformats.org/presentationml/2006/main">
-  <p:cSld>
-    <p:spTree>
-      <p:nvGrpSpPr>
-        <p:cNvPr id="1" name=""/>
-        <p:cNvGrpSpPr/>
-        <p:nvPr/>
-      </p:nvGrpSpPr>
-      <p:grpSpPr>
-        <a:xfrm>
-          <a:off x="0" y="0"/>
-          <a:ext cx="0" cy="0"/>
-          <a:chOff x="0" y="0"/>
-          <a:chExt cx="0" cy="0"/>
-        </a:xfrm>
-      </p:grpSpPr>
-      <p:sp>
-        <p:nvSpPr>
-          <p:cNvPr id="119810" name="Rectangle 2"/>
-          <p:cNvSpPr>
-            <a:spLocks noGrp="1" noChangeArrowheads="1"/>
-          </p:cNvSpPr>
-          <p:nvPr>
-            <p:ph type="title"/>
-          </p:nvPr>
-        </p:nvSpPr>
-        <p:spPr/>
-        <p:txBody>
-          <a:bodyPr/>
-          <a:lstStyle/>
-          <a:p>
-            <a:r>
-              <a:rPr lang="en-US" dirty="0"/>
-              <a:t>Modeling Solar PV</a:t>
-            </a:r>
-            <a:endParaRPr lang="en-US" altLang="en-US" dirty="0"/>
-          </a:p>
-        </p:txBody>
-      </p:sp>
-      <p:sp>
-        <p:nvSpPr>
-          <p:cNvPr id="2" name="Text Placeholder 1"/>
-          <p:cNvSpPr>
-            <a:spLocks noGrp="1"/>
-          </p:cNvSpPr>
-          <p:nvPr>
-            <p:ph type="body" idx="1"/>
-          </p:nvPr>
-        </p:nvSpPr>
-        <p:spPr/>
-        <p:txBody>
-          <a:bodyPr/>
-          <a:lstStyle/>
-          <a:p>
-            <a:endParaRPr lang="en-US"/>
-          </a:p>
-        </p:txBody>
-      </p:sp>
-    </p:spTree>
-    <p:extLst>
-      <p:ext uri="{BB962C8B-B14F-4D97-AF65-F5344CB8AC3E}">
-        <p14:creationId xmlns:p14="http://schemas.microsoft.com/office/powerpoint/2010/main" val="1066763387"/>
-      </p:ext>
-    </p:extLst>
-  </p:cSld>
-  <p:clrMapOvr>
-    <a:masterClrMapping/>
-  </p:clrMapOvr>
-</p:sld>
-</file>
-
-<file path=ppt/slides/slide30.xml><?xml version="1.0" encoding="utf-8"?>
+<file path=ppt/slides/slide29.xml><?xml version="1.0" encoding="utf-8"?>
 <p:sld xmlns:a="http://schemas.openxmlformats.org/drawingml/2006/main" xmlns:r="http://schemas.openxmlformats.org/officeDocument/2006/relationships" xmlns:p="http://schemas.openxmlformats.org/presentationml/2006/main">
   <p:cSld>
     <p:spTree>
@@ -8825,7 +8365,232 @@
 </p:sld>
 </file>
 
-<file path=ppt/slides/slide31.xml><?xml version="1.0" encoding="utf-8"?>
+<file path=ppt/slides/slide3.xml><?xml version="1.0" encoding="utf-8"?>
+<p:sld xmlns:a="http://schemas.openxmlformats.org/drawingml/2006/main" xmlns:r="http://schemas.openxmlformats.org/officeDocument/2006/relationships" xmlns:p="http://schemas.openxmlformats.org/presentationml/2006/main">
+  <p:cSld>
+    <p:spTree>
+      <p:nvGrpSpPr>
+        <p:cNvPr id="1" name=""/>
+        <p:cNvGrpSpPr/>
+        <p:nvPr/>
+      </p:nvGrpSpPr>
+      <p:grpSpPr>
+        <a:xfrm>
+          <a:off x="0" y="0"/>
+          <a:ext cx="0" cy="0"/>
+          <a:chOff x="0" y="0"/>
+          <a:chExt cx="0" cy="0"/>
+        </a:xfrm>
+      </p:grpSpPr>
+      <p:sp>
+        <p:nvSpPr>
+          <p:cNvPr id="14338" name="Rectangle 2"/>
+          <p:cNvSpPr>
+            <a:spLocks noGrp="1" noChangeArrowheads="1"/>
+          </p:cNvSpPr>
+          <p:nvPr>
+            <p:ph type="title"/>
+          </p:nvPr>
+        </p:nvSpPr>
+        <p:spPr/>
+        <p:txBody>
+          <a:bodyPr/>
+          <a:lstStyle/>
+          <a:p>
+            <a:pPr eaLnBrk="1" hangingPunct="1"/>
+            <a:r>
+              <a:rPr lang="en-US" altLang="en-US" dirty="0" err="1"/>
+              <a:t>PVSystem</a:t>
+            </a:r>
+            <a:r>
+              <a:rPr lang="en-US" altLang="en-US" dirty="0"/>
+              <a:t> in the </a:t>
+            </a:r>
+            <a:r>
+              <a:rPr lang="en-US" altLang="en-US" dirty="0" err="1"/>
+              <a:t>OpenDSS</a:t>
+            </a:r>
+            <a:r>
+              <a:rPr lang="en-US" altLang="en-US" dirty="0"/>
+              <a:t> </a:t>
+            </a:r>
+          </a:p>
+        </p:txBody>
+      </p:sp>
+      <p:sp>
+        <p:nvSpPr>
+          <p:cNvPr id="14339" name="Rectangle 3"/>
+          <p:cNvSpPr>
+            <a:spLocks noGrp="1" noChangeArrowheads="1"/>
+          </p:cNvSpPr>
+          <p:nvPr>
+            <p:ph type="body" idx="1"/>
+          </p:nvPr>
+        </p:nvSpPr>
+        <p:spPr/>
+        <p:txBody>
+          <a:bodyPr/>
+          <a:lstStyle/>
+          <a:p>
+            <a:r>
+              <a:rPr lang="en-US" altLang="en-US" dirty="0"/>
+              <a:t>The </a:t>
+            </a:r>
+            <a:r>
+              <a:rPr lang="en-US" altLang="en-US" dirty="0" err="1"/>
+              <a:t>PVSystem</a:t>
+            </a:r>
+            <a:r>
+              <a:rPr lang="en-US" altLang="en-US" dirty="0"/>
+              <a:t> </a:t>
+            </a:r>
+            <a:r>
+              <a:rPr lang="en-US" dirty="0"/>
+              <a:t>model combines a model of the PV array and the PV inverter into one convenient model to use for distribution system impacts studies</a:t>
+            </a:r>
+            <a:endParaRPr lang="en-US" altLang="en-US" dirty="0"/>
+          </a:p>
+          <a:p>
+            <a:pPr eaLnBrk="1" hangingPunct="1">
+              <a:buFontTx/>
+              <a:buNone/>
+            </a:pPr>
+            <a:endParaRPr lang="en-US" altLang="en-US" dirty="0"/>
+          </a:p>
+          <a:p>
+            <a:pPr eaLnBrk="1" hangingPunct="1"/>
+            <a:endParaRPr lang="en-US" altLang="en-US" dirty="0"/>
+          </a:p>
+        </p:txBody>
+      </p:sp>
+      <p:sp>
+        <p:nvSpPr>
+          <p:cNvPr id="2" name="Rectangle 2"/>
+          <p:cNvSpPr>
+            <a:spLocks noChangeArrowheads="1"/>
+          </p:cNvSpPr>
+          <p:nvPr/>
+        </p:nvSpPr>
+        <p:spPr bwMode="auto">
+          <a:xfrm>
+            <a:off x="1647567" y="2570206"/>
+            <a:ext cx="9144000" cy="0"/>
+          </a:xfrm>
+          <a:prstGeom prst="rect">
+            <a:avLst/>
+          </a:prstGeom>
+          <a:noFill/>
+          <a:ln>
+            <a:noFill/>
+          </a:ln>
+          <a:effectLst/>
+          <a:extLst>
+            <a:ext uri="{909E8E84-426E-40DD-AFC4-6F175D3DCCD1}">
+              <a14:hiddenFill xmlns:a14="http://schemas.microsoft.com/office/drawing/2010/main">
+                <a:solidFill>
+                  <a:schemeClr val="accent1"/>
+                </a:solidFill>
+              </a14:hiddenFill>
+            </a:ext>
+            <a:ext uri="{91240B29-F687-4F45-9708-019B960494DF}">
+              <a14:hiddenLine xmlns:a14="http://schemas.microsoft.com/office/drawing/2010/main" w="9525">
+                <a:solidFill>
+                  <a:schemeClr val="tx1"/>
+                </a:solidFill>
+                <a:miter lim="800000"/>
+                <a:headEnd/>
+                <a:tailEnd/>
+              </a14:hiddenLine>
+            </a:ext>
+            <a:ext uri="{AF507438-7753-43E0-B8FC-AC1667EBCBE1}">
+              <a14:hiddenEffects xmlns:a14="http://schemas.microsoft.com/office/drawing/2010/main">
+                <a:effectLst>
+                  <a:outerShdw dist="35921" dir="2700000" algn="ctr" rotWithShape="0">
+                    <a:schemeClr val="bg2"/>
+                  </a:outerShdw>
+                </a:effectLst>
+              </a14:hiddenEffects>
+            </a:ext>
+          </a:extLst>
+        </p:spPr>
+        <p:txBody>
+          <a:bodyPr vert="horz" wrap="none" lIns="91440" tIns="45720" rIns="91440" bIns="45720" numCol="1" anchor="ctr" anchorCtr="0" compatLnSpc="1">
+            <a:prstTxWarp prst="textNoShape">
+              <a:avLst/>
+            </a:prstTxWarp>
+            <a:spAutoFit/>
+          </a:bodyPr>
+          <a:lstStyle/>
+          <a:p>
+            <a:endParaRPr lang="en-US"/>
+          </a:p>
+        </p:txBody>
+      </p:sp>
+      <p:pic>
+        <p:nvPicPr>
+          <p:cNvPr id="2049" name="Picture 1"/>
+          <p:cNvPicPr>
+            <a:picLocks noChangeAspect="1" noChangeArrowheads="1"/>
+          </p:cNvPicPr>
+          <p:nvPr/>
+        </p:nvPicPr>
+        <p:blipFill>
+          <a:blip r:embed="rId3">
+            <a:extLst>
+              <a:ext uri="{28A0092B-C50C-407E-A947-70E740481C1C}">
+                <a14:useLocalDpi xmlns:a14="http://schemas.microsoft.com/office/drawing/2010/main" val="0"/>
+              </a:ext>
+            </a:extLst>
+          </a:blip>
+          <a:srcRect/>
+          <a:stretch>
+            <a:fillRect/>
+          </a:stretch>
+        </p:blipFill>
+        <p:spPr bwMode="auto">
+          <a:xfrm>
+            <a:off x="1647567" y="2570206"/>
+            <a:ext cx="4800600" cy="3611563"/>
+          </a:xfrm>
+          <a:prstGeom prst="rect">
+            <a:avLst/>
+          </a:prstGeom>
+          <a:noFill/>
+          <a:effectLst/>
+          <a:extLst>
+            <a:ext uri="{909E8E84-426E-40DD-AFC4-6F175D3DCCD1}">
+              <a14:hiddenFill xmlns:a14="http://schemas.microsoft.com/office/drawing/2010/main">
+                <a:solidFill>
+                  <a:srgbClr val="000000"/>
+                </a:solidFill>
+              </a14:hiddenFill>
+            </a:ext>
+            <a:ext uri="{AF507438-7753-43E0-B8FC-AC1667EBCBE1}">
+              <a14:hiddenEffects xmlns:a14="http://schemas.microsoft.com/office/drawing/2010/main">
+                <a:effectLst>
+                  <a:outerShdw dist="35921" dir="2700000" algn="ctr" rotWithShape="0">
+                    <a:srgbClr val="000000"/>
+                  </a:outerShdw>
+                </a:effectLst>
+              </a14:hiddenEffects>
+            </a:ext>
+          </a:extLst>
+        </p:spPr>
+      </p:pic>
+    </p:spTree>
+    <p:extLst>
+      <p:ext uri="{BB962C8B-B14F-4D97-AF65-F5344CB8AC3E}">
+        <p14:creationId xmlns:p14="http://schemas.microsoft.com/office/powerpoint/2010/main" val="4208642358"/>
+      </p:ext>
+    </p:extLst>
+  </p:cSld>
+  <p:clrMapOvr>
+    <a:masterClrMapping/>
+  </p:clrMapOvr>
+</p:sld>
+</file>
+
+<file path=ppt/slides/slide30.xml><?xml version="1.0" encoding="utf-8"?>
 <p:sld xmlns:a="http://schemas.openxmlformats.org/drawingml/2006/main" xmlns:r="http://schemas.openxmlformats.org/officeDocument/2006/relationships" xmlns:p="http://schemas.openxmlformats.org/presentationml/2006/main">
   <p:cSld>
     <p:spTree>
@@ -9024,7 +8789,7 @@
 </p:sld>
 </file>
 
-<file path=ppt/slides/slide32.xml><?xml version="1.0" encoding="utf-8"?>
+<file path=ppt/slides/slide31.xml><?xml version="1.0" encoding="utf-8"?>
 <p:sld xmlns:a="http://schemas.openxmlformats.org/drawingml/2006/main" xmlns:r="http://schemas.openxmlformats.org/officeDocument/2006/relationships" xmlns:p="http://schemas.openxmlformats.org/presentationml/2006/main">
   <p:cSld>
     <p:spTree>
@@ -9192,7 +8957,7 @@
 </p:sld>
 </file>
 
-<file path=ppt/slides/slide33.xml><?xml version="1.0" encoding="utf-8"?>
+<file path=ppt/slides/slide32.xml><?xml version="1.0" encoding="utf-8"?>
 <p:sld xmlns:a="http://schemas.openxmlformats.org/drawingml/2006/main" xmlns:r="http://schemas.openxmlformats.org/officeDocument/2006/relationships" xmlns:p="http://schemas.openxmlformats.org/presentationml/2006/main">
   <p:cSld>
     <p:spTree>
@@ -9274,7 +9039,7 @@
 </p:sld>
 </file>
 
-<file path=ppt/slides/slide34.xml><?xml version="1.0" encoding="utf-8"?>
+<file path=ppt/slides/slide33.xml><?xml version="1.0" encoding="utf-8"?>
 <p:sld xmlns:a="http://schemas.openxmlformats.org/drawingml/2006/main" xmlns:r="http://schemas.openxmlformats.org/officeDocument/2006/relationships" xmlns:p="http://schemas.openxmlformats.org/presentationml/2006/main">
   <p:cSld>
     <p:spTree>
@@ -9397,7 +9162,7 @@
 </p:sld>
 </file>
 
-<file path=ppt/slides/slide35.xml><?xml version="1.0" encoding="utf-8"?>
+<file path=ppt/slides/slide34.xml><?xml version="1.0" encoding="utf-8"?>
 <p:sld xmlns:a="http://schemas.openxmlformats.org/drawingml/2006/main" xmlns:r="http://schemas.openxmlformats.org/officeDocument/2006/relationships" xmlns:p="http://schemas.openxmlformats.org/presentationml/2006/main">
   <p:cSld>
     <p:spTree>
@@ -9515,7 +9280,7 @@
 </p:sld>
 </file>
 
-<file path=ppt/slides/slide36.xml><?xml version="1.0" encoding="utf-8"?>
+<file path=ppt/slides/slide35.xml><?xml version="1.0" encoding="utf-8"?>
 <p:sld xmlns:a="http://schemas.openxmlformats.org/drawingml/2006/main" xmlns:r="http://schemas.openxmlformats.org/officeDocument/2006/relationships" xmlns:p="http://schemas.openxmlformats.org/presentationml/2006/main">
   <p:cSld>
     <p:spTree>
@@ -9620,7 +9385,7 @@
 </p:sld>
 </file>
 
-<file path=ppt/slides/slide37.xml><?xml version="1.0" encoding="utf-8"?>
+<file path=ppt/slides/slide36.xml><?xml version="1.0" encoding="utf-8"?>
 <p:sld xmlns:a="http://schemas.openxmlformats.org/drawingml/2006/main" xmlns:r="http://schemas.openxmlformats.org/officeDocument/2006/relationships" xmlns:p="http://schemas.openxmlformats.org/presentationml/2006/main">
   <p:cSld>
     <p:spTree>
@@ -9782,7 +9547,7 @@
 </p:sld>
 </file>
 
-<file path=ppt/slides/slide38.xml><?xml version="1.0" encoding="utf-8"?>
+<file path=ppt/slides/slide37.xml><?xml version="1.0" encoding="utf-8"?>
 <p:sld xmlns:a="http://schemas.openxmlformats.org/drawingml/2006/main" xmlns:r="http://schemas.openxmlformats.org/officeDocument/2006/relationships" xmlns:p="http://schemas.openxmlformats.org/presentationml/2006/main">
   <p:cSld>
     <p:spTree>
@@ -9865,7 +9630,7 @@
 </p:sld>
 </file>
 
-<file path=ppt/slides/slide39.xml><?xml version="1.0" encoding="utf-8"?>
+<file path=ppt/slides/slide38.xml><?xml version="1.0" encoding="utf-8"?>
 <p:sld xmlns:a="http://schemas.openxmlformats.org/drawingml/2006/main" xmlns:r="http://schemas.openxmlformats.org/officeDocument/2006/relationships" xmlns:p="http://schemas.openxmlformats.org/presentationml/2006/main">
   <p:cSld>
     <p:spTree>
@@ -10004,6 +9769,602 @@
     <p:extLst>
       <p:ext uri="{BB962C8B-B14F-4D97-AF65-F5344CB8AC3E}">
         <p14:creationId xmlns:p14="http://schemas.microsoft.com/office/powerpoint/2010/main" val="2155386341"/>
+      </p:ext>
+    </p:extLst>
+  </p:cSld>
+  <p:clrMapOvr>
+    <a:masterClrMapping/>
+  </p:clrMapOvr>
+</p:sld>
+</file>
+
+<file path=ppt/slides/slide39.xml><?xml version="1.0" encoding="utf-8"?>
+<p:sld xmlns:a="http://schemas.openxmlformats.org/drawingml/2006/main" xmlns:r="http://schemas.openxmlformats.org/officeDocument/2006/relationships" xmlns:p="http://schemas.openxmlformats.org/presentationml/2006/main">
+  <p:cSld>
+    <p:spTree>
+      <p:nvGrpSpPr>
+        <p:cNvPr id="1" name=""/>
+        <p:cNvGrpSpPr/>
+        <p:nvPr/>
+      </p:nvGrpSpPr>
+      <p:grpSpPr>
+        <a:xfrm>
+          <a:off x="0" y="0"/>
+          <a:ext cx="0" cy="0"/>
+          <a:chOff x="0" y="0"/>
+          <a:chExt cx="0" cy="0"/>
+        </a:xfrm>
+      </p:grpSpPr>
+      <p:sp>
+        <p:nvSpPr>
+          <p:cNvPr id="2" name="Title 1">
+            <a:extLst>
+              <a:ext uri="{FF2B5EF4-FFF2-40B4-BE49-F238E27FC236}">
+                <a16:creationId xmlns:a16="http://schemas.microsoft.com/office/drawing/2014/main" id="{0E30E296-9F60-4DE6-AE36-B1976449E236}"/>
+              </a:ext>
+            </a:extLst>
+          </p:cNvPr>
+          <p:cNvSpPr>
+            <a:spLocks noGrp="1"/>
+          </p:cNvSpPr>
+          <p:nvPr>
+            <p:ph type="title"/>
+          </p:nvPr>
+        </p:nvSpPr>
+        <p:spPr/>
+        <p:txBody>
+          <a:bodyPr/>
+          <a:lstStyle/>
+          <a:p>
+            <a:r>
+              <a:rPr lang="en-US" dirty="0"/>
+              <a:t>Typical Call to User-Written DLL (</a:t>
+            </a:r>
+            <a:r>
+              <a:rPr lang="en-US" dirty="0" err="1"/>
+              <a:t>PVSystem</a:t>
+            </a:r>
+            <a:r>
+              <a:rPr lang="en-US" dirty="0"/>
+              <a:t>)</a:t>
+            </a:r>
+          </a:p>
+        </p:txBody>
+      </p:sp>
+      <p:sp>
+        <p:nvSpPr>
+          <p:cNvPr id="3" name="Content Placeholder 2">
+            <a:extLst>
+              <a:ext uri="{FF2B5EF4-FFF2-40B4-BE49-F238E27FC236}">
+                <a16:creationId xmlns:a16="http://schemas.microsoft.com/office/drawing/2014/main" id="{EDDF5738-42B6-4FB0-9DE8-D33FCC54DA6D}"/>
+              </a:ext>
+            </a:extLst>
+          </p:cNvPr>
+          <p:cNvSpPr>
+            <a:spLocks noGrp="1"/>
+          </p:cNvSpPr>
+          <p:nvPr>
+            <p:ph idx="1"/>
+          </p:nvPr>
+        </p:nvSpPr>
+        <p:spPr/>
+        <p:txBody>
+          <a:bodyPr>
+            <a:noAutofit/>
+          </a:bodyPr>
+          <a:lstStyle/>
+          <a:p>
+            <a:pPr marL="0" indent="0">
+              <a:buNone/>
+            </a:pPr>
+            <a:r>
+              <a:rPr lang="en-US" sz="1000" dirty="0">
+                <a:cs typeface="Courier New" panose="02070309020205020404" pitchFamily="49" charset="0"/>
+              </a:rPr>
+              <a:t>PROCEDURE </a:t>
+            </a:r>
+            <a:r>
+              <a:rPr lang="en-US" sz="1000" dirty="0" err="1">
+                <a:cs typeface="Courier New" panose="02070309020205020404" pitchFamily="49" charset="0"/>
+              </a:rPr>
+              <a:t>TPVsystemObj.DoUserModel</a:t>
+            </a:r>
+            <a:r>
+              <a:rPr lang="en-US" sz="1000" dirty="0">
+                <a:cs typeface="Courier New" panose="02070309020205020404" pitchFamily="49" charset="0"/>
+              </a:rPr>
+              <a:t>;</a:t>
+            </a:r>
+          </a:p>
+          <a:p>
+            <a:pPr marL="0" indent="0">
+              <a:buNone/>
+            </a:pPr>
+            <a:r>
+              <a:rPr lang="en-US" sz="1000" dirty="0">
+                <a:cs typeface="Courier New" panose="02070309020205020404" pitchFamily="49" charset="0"/>
+              </a:rPr>
+              <a:t>{Compute total terminal Current from User-written model}</a:t>
+            </a:r>
+          </a:p>
+          <a:p>
+            <a:pPr marL="0" indent="0">
+              <a:buNone/>
+            </a:pPr>
+            <a:r>
+              <a:rPr lang="en-US" sz="1000" dirty="0">
+                <a:cs typeface="Courier New" panose="02070309020205020404" pitchFamily="49" charset="0"/>
+              </a:rPr>
+              <a:t>VAR</a:t>
+            </a:r>
+          </a:p>
+          <a:p>
+            <a:pPr marL="0" indent="0">
+              <a:buNone/>
+            </a:pPr>
+            <a:r>
+              <a:rPr lang="en-US" sz="1000" dirty="0">
+                <a:cs typeface="Courier New" panose="02070309020205020404" pitchFamily="49" charset="0"/>
+              </a:rPr>
+              <a:t>   </a:t>
+            </a:r>
+            <a:r>
+              <a:rPr lang="en-US" sz="1000" dirty="0" err="1">
+                <a:cs typeface="Courier New" panose="02070309020205020404" pitchFamily="49" charset="0"/>
+              </a:rPr>
+              <a:t>i</a:t>
+            </a:r>
+            <a:r>
+              <a:rPr lang="en-US" sz="1000" dirty="0">
+                <a:cs typeface="Courier New" panose="02070309020205020404" pitchFamily="49" charset="0"/>
+              </a:rPr>
+              <a:t> : Integer;</a:t>
+            </a:r>
+          </a:p>
+          <a:p>
+            <a:pPr marL="0" indent="0">
+              <a:buNone/>
+            </a:pPr>
+            <a:endParaRPr lang="en-US" sz="1000" dirty="0">
+              <a:cs typeface="Courier New" panose="02070309020205020404" pitchFamily="49" charset="0"/>
+            </a:endParaRPr>
+          </a:p>
+          <a:p>
+            <a:pPr marL="0" indent="0">
+              <a:buNone/>
+            </a:pPr>
+            <a:r>
+              <a:rPr lang="en-US" sz="1000" dirty="0">
+                <a:cs typeface="Courier New" panose="02070309020205020404" pitchFamily="49" charset="0"/>
+              </a:rPr>
+              <a:t>Begin</a:t>
+            </a:r>
+          </a:p>
+          <a:p>
+            <a:pPr marL="0" indent="0">
+              <a:buNone/>
+            </a:pPr>
+            <a:endParaRPr lang="en-US" sz="1000" dirty="0">
+              <a:cs typeface="Courier New" panose="02070309020205020404" pitchFamily="49" charset="0"/>
+            </a:endParaRPr>
+          </a:p>
+          <a:p>
+            <a:pPr marL="0" indent="0">
+              <a:buNone/>
+            </a:pPr>
+            <a:r>
+              <a:rPr lang="en-US" sz="1000" dirty="0">
+                <a:cs typeface="Courier New" panose="02070309020205020404" pitchFamily="49" charset="0"/>
+              </a:rPr>
+              <a:t>   </a:t>
+            </a:r>
+            <a:r>
+              <a:rPr lang="en-US" sz="1000" dirty="0" err="1">
+                <a:cs typeface="Courier New" panose="02070309020205020404" pitchFamily="49" charset="0"/>
+              </a:rPr>
+              <a:t>CalcYPrimContribution</a:t>
+            </a:r>
+            <a:r>
+              <a:rPr lang="en-US" sz="1000" dirty="0">
+                <a:cs typeface="Courier New" panose="02070309020205020404" pitchFamily="49" charset="0"/>
+              </a:rPr>
+              <a:t>(</a:t>
+            </a:r>
+            <a:r>
+              <a:rPr lang="en-US" sz="1000" dirty="0" err="1">
+                <a:cs typeface="Courier New" panose="02070309020205020404" pitchFamily="49" charset="0"/>
+              </a:rPr>
+              <a:t>InjCurrent</a:t>
+            </a:r>
+            <a:r>
+              <a:rPr lang="en-US" sz="1000" dirty="0">
+                <a:cs typeface="Courier New" panose="02070309020205020404" pitchFamily="49" charset="0"/>
+              </a:rPr>
+              <a:t>);  // </a:t>
+            </a:r>
+            <a:r>
+              <a:rPr lang="en-US" sz="1000" dirty="0" err="1">
+                <a:cs typeface="Courier New" panose="02070309020205020404" pitchFamily="49" charset="0"/>
+              </a:rPr>
+              <a:t>Init</a:t>
+            </a:r>
+            <a:r>
+              <a:rPr lang="en-US" sz="1000" dirty="0">
+                <a:cs typeface="Courier New" panose="02070309020205020404" pitchFamily="49" charset="0"/>
+              </a:rPr>
+              <a:t> </a:t>
+            </a:r>
+            <a:r>
+              <a:rPr lang="en-US" sz="1000" dirty="0" err="1">
+                <a:cs typeface="Courier New" panose="02070309020205020404" pitchFamily="49" charset="0"/>
+              </a:rPr>
+              <a:t>InjCurrent</a:t>
+            </a:r>
+            <a:r>
+              <a:rPr lang="en-US" sz="1000" dirty="0">
+                <a:cs typeface="Courier New" panose="02070309020205020404" pitchFamily="49" charset="0"/>
+              </a:rPr>
+              <a:t> Array</a:t>
+            </a:r>
+          </a:p>
+          <a:p>
+            <a:pPr marL="0" indent="0">
+              <a:buNone/>
+            </a:pPr>
+            <a:endParaRPr lang="en-US" sz="1000" dirty="0">
+              <a:cs typeface="Courier New" panose="02070309020205020404" pitchFamily="49" charset="0"/>
+            </a:endParaRPr>
+          </a:p>
+          <a:p>
+            <a:pPr marL="0" indent="0">
+              <a:buNone/>
+            </a:pPr>
+            <a:r>
+              <a:rPr lang="en-US" sz="1000" dirty="0">
+                <a:cs typeface="Courier New" panose="02070309020205020404" pitchFamily="49" charset="0"/>
+              </a:rPr>
+              <a:t>   If </a:t>
+            </a:r>
+            <a:r>
+              <a:rPr lang="en-US" sz="1000" dirty="0" err="1">
+                <a:cs typeface="Courier New" panose="02070309020205020404" pitchFamily="49" charset="0"/>
+              </a:rPr>
+              <a:t>UserModel.Exists</a:t>
+            </a:r>
+            <a:r>
+              <a:rPr lang="en-US" sz="1000" dirty="0">
+                <a:cs typeface="Courier New" panose="02070309020205020404" pitchFamily="49" charset="0"/>
+              </a:rPr>
+              <a:t>     // Check automatically selects the </a:t>
+            </a:r>
+            <a:r>
+              <a:rPr lang="en-US" sz="1000" dirty="0" err="1">
+                <a:cs typeface="Courier New" panose="02070309020205020404" pitchFamily="49" charset="0"/>
+              </a:rPr>
+              <a:t>usermodel</a:t>
+            </a:r>
+            <a:r>
+              <a:rPr lang="en-US" sz="1000" dirty="0">
+                <a:cs typeface="Courier New" panose="02070309020205020404" pitchFamily="49" charset="0"/>
+              </a:rPr>
+              <a:t> If true</a:t>
+            </a:r>
+          </a:p>
+          <a:p>
+            <a:pPr marL="0" indent="0">
+              <a:buNone/>
+            </a:pPr>
+            <a:r>
+              <a:rPr lang="en-US" sz="1000" dirty="0">
+                <a:cs typeface="Courier New" panose="02070309020205020404" pitchFamily="49" charset="0"/>
+              </a:rPr>
+              <a:t>   Then Begin</a:t>
+            </a:r>
+          </a:p>
+          <a:p>
+            <a:pPr marL="0" indent="0">
+              <a:buNone/>
+            </a:pPr>
+            <a:r>
+              <a:rPr lang="en-US" sz="1000" dirty="0">
+                <a:cs typeface="Courier New" panose="02070309020205020404" pitchFamily="49" charset="0"/>
+              </a:rPr>
+              <a:t>         </a:t>
+            </a:r>
+            <a:r>
+              <a:rPr lang="en-US" sz="1000" dirty="0" err="1">
+                <a:cs typeface="Courier New" panose="02070309020205020404" pitchFamily="49" charset="0"/>
+              </a:rPr>
+              <a:t>UserModel.FCalc</a:t>
+            </a:r>
+            <a:r>
+              <a:rPr lang="en-US" sz="1000" dirty="0">
+                <a:cs typeface="Courier New" panose="02070309020205020404" pitchFamily="49" charset="0"/>
+              </a:rPr>
+              <a:t> (</a:t>
+            </a:r>
+            <a:r>
+              <a:rPr lang="en-US" sz="1000" dirty="0" err="1">
+                <a:cs typeface="Courier New" panose="02070309020205020404" pitchFamily="49" charset="0"/>
+              </a:rPr>
+              <a:t>Vterminal</a:t>
+            </a:r>
+            <a:r>
+              <a:rPr lang="en-US" sz="1000" dirty="0">
+                <a:cs typeface="Courier New" panose="02070309020205020404" pitchFamily="49" charset="0"/>
+              </a:rPr>
+              <a:t>, </a:t>
+            </a:r>
+            <a:r>
+              <a:rPr lang="en-US" sz="1000" dirty="0" err="1">
+                <a:cs typeface="Courier New" panose="02070309020205020404" pitchFamily="49" charset="0"/>
+              </a:rPr>
+              <a:t>Iterminal</a:t>
+            </a:r>
+            <a:r>
+              <a:rPr lang="en-US" sz="1000" dirty="0">
+                <a:cs typeface="Courier New" panose="02070309020205020404" pitchFamily="49" charset="0"/>
+              </a:rPr>
+              <a:t>);</a:t>
+            </a:r>
+          </a:p>
+          <a:p>
+            <a:pPr marL="0" indent="0">
+              <a:buNone/>
+            </a:pPr>
+            <a:r>
+              <a:rPr lang="en-US" sz="1000" dirty="0">
+                <a:cs typeface="Courier New" panose="02070309020205020404" pitchFamily="49" charset="0"/>
+              </a:rPr>
+              <a:t>         </a:t>
+            </a:r>
+            <a:r>
+              <a:rPr lang="en-US" sz="1000" dirty="0" err="1">
+                <a:cs typeface="Courier New" panose="02070309020205020404" pitchFamily="49" charset="0"/>
+              </a:rPr>
+              <a:t>IterminalUpdated</a:t>
+            </a:r>
+            <a:r>
+              <a:rPr lang="en-US" sz="1000" dirty="0">
+                <a:cs typeface="Courier New" panose="02070309020205020404" pitchFamily="49" charset="0"/>
+              </a:rPr>
+              <a:t> := TRUE;</a:t>
+            </a:r>
+          </a:p>
+          <a:p>
+            <a:pPr marL="0" indent="0">
+              <a:buNone/>
+            </a:pPr>
+            <a:r>
+              <a:rPr lang="en-US" sz="1000" dirty="0">
+                <a:cs typeface="Courier New" panose="02070309020205020404" pitchFamily="49" charset="0"/>
+              </a:rPr>
+              <a:t>         With </a:t>
+            </a:r>
+            <a:r>
+              <a:rPr lang="en-US" sz="1000" dirty="0" err="1">
+                <a:cs typeface="Courier New" panose="02070309020205020404" pitchFamily="49" charset="0"/>
+              </a:rPr>
+              <a:t>ActiveCircuit.Solution</a:t>
+            </a:r>
+            <a:endParaRPr lang="en-US" sz="1000" dirty="0">
+              <a:cs typeface="Courier New" panose="02070309020205020404" pitchFamily="49" charset="0"/>
+            </a:endParaRPr>
+          </a:p>
+          <a:p>
+            <a:pPr marL="0" indent="0">
+              <a:buNone/>
+            </a:pPr>
+            <a:r>
+              <a:rPr lang="en-US" sz="1000" dirty="0">
+                <a:cs typeface="Courier New" panose="02070309020205020404" pitchFamily="49" charset="0"/>
+              </a:rPr>
+              <a:t>         Do Begin          // Negate currents from user model for power flow </a:t>
+            </a:r>
+            <a:r>
+              <a:rPr lang="en-US" sz="1000" dirty="0" err="1">
+                <a:cs typeface="Courier New" panose="02070309020205020404" pitchFamily="49" charset="0"/>
+              </a:rPr>
+              <a:t>PVSystem</a:t>
+            </a:r>
+            <a:r>
+              <a:rPr lang="en-US" sz="1000" dirty="0">
+                <a:cs typeface="Courier New" panose="02070309020205020404" pitchFamily="49" charset="0"/>
+              </a:rPr>
+              <a:t> element model</a:t>
+            </a:r>
+          </a:p>
+          <a:p>
+            <a:pPr marL="0" indent="0">
+              <a:buNone/>
+            </a:pPr>
+            <a:r>
+              <a:rPr lang="en-US" sz="1000" dirty="0">
+                <a:cs typeface="Courier New" panose="02070309020205020404" pitchFamily="49" charset="0"/>
+              </a:rPr>
+              <a:t>               FOR </a:t>
+            </a:r>
+            <a:r>
+              <a:rPr lang="en-US" sz="1000" dirty="0" err="1">
+                <a:cs typeface="Courier New" panose="02070309020205020404" pitchFamily="49" charset="0"/>
+              </a:rPr>
+              <a:t>i</a:t>
+            </a:r>
+            <a:r>
+              <a:rPr lang="en-US" sz="1000" dirty="0">
+                <a:cs typeface="Courier New" panose="02070309020205020404" pitchFamily="49" charset="0"/>
+              </a:rPr>
+              <a:t> := 1 to </a:t>
+            </a:r>
+            <a:r>
+              <a:rPr lang="en-US" sz="1000" dirty="0" err="1">
+                <a:cs typeface="Courier New" panose="02070309020205020404" pitchFamily="49" charset="0"/>
+              </a:rPr>
+              <a:t>FnConds</a:t>
+            </a:r>
+            <a:r>
+              <a:rPr lang="en-US" sz="1000" dirty="0">
+                <a:cs typeface="Courier New" panose="02070309020205020404" pitchFamily="49" charset="0"/>
+              </a:rPr>
+              <a:t> Do </a:t>
+            </a:r>
+            <a:r>
+              <a:rPr lang="en-US" sz="1000" dirty="0" err="1">
+                <a:cs typeface="Courier New" panose="02070309020205020404" pitchFamily="49" charset="0"/>
+              </a:rPr>
+              <a:t>Caccum</a:t>
+            </a:r>
+            <a:r>
+              <a:rPr lang="en-US" sz="1000" dirty="0">
+                <a:cs typeface="Courier New" panose="02070309020205020404" pitchFamily="49" charset="0"/>
+              </a:rPr>
+              <a:t>(</a:t>
+            </a:r>
+            <a:r>
+              <a:rPr lang="en-US" sz="1000" dirty="0" err="1">
+                <a:cs typeface="Courier New" panose="02070309020205020404" pitchFamily="49" charset="0"/>
+              </a:rPr>
+              <a:t>InjCurrent</a:t>
+            </a:r>
+            <a:r>
+              <a:rPr lang="en-US" sz="1000" dirty="0">
+                <a:cs typeface="Courier New" panose="02070309020205020404" pitchFamily="49" charset="0"/>
+              </a:rPr>
+              <a:t>^[</a:t>
+            </a:r>
+            <a:r>
+              <a:rPr lang="en-US" sz="1000" dirty="0" err="1">
+                <a:cs typeface="Courier New" panose="02070309020205020404" pitchFamily="49" charset="0"/>
+              </a:rPr>
+              <a:t>i</a:t>
+            </a:r>
+            <a:r>
+              <a:rPr lang="en-US" sz="1000" dirty="0">
+                <a:cs typeface="Courier New" panose="02070309020205020404" pitchFamily="49" charset="0"/>
+              </a:rPr>
+              <a:t>], </a:t>
+            </a:r>
+            <a:r>
+              <a:rPr lang="en-US" sz="1000" dirty="0" err="1">
+                <a:cs typeface="Courier New" panose="02070309020205020404" pitchFamily="49" charset="0"/>
+              </a:rPr>
+              <a:t>Cnegate</a:t>
+            </a:r>
+            <a:r>
+              <a:rPr lang="en-US" sz="1000" dirty="0">
+                <a:cs typeface="Courier New" panose="02070309020205020404" pitchFamily="49" charset="0"/>
+              </a:rPr>
+              <a:t>(</a:t>
+            </a:r>
+            <a:r>
+              <a:rPr lang="en-US" sz="1000" dirty="0" err="1">
+                <a:cs typeface="Courier New" panose="02070309020205020404" pitchFamily="49" charset="0"/>
+              </a:rPr>
+              <a:t>Iterminal</a:t>
+            </a:r>
+            <a:r>
+              <a:rPr lang="en-US" sz="1000" dirty="0">
+                <a:cs typeface="Courier New" panose="02070309020205020404" pitchFamily="49" charset="0"/>
+              </a:rPr>
+              <a:t>^[</a:t>
+            </a:r>
+            <a:r>
+              <a:rPr lang="en-US" sz="1000" dirty="0" err="1">
+                <a:cs typeface="Courier New" panose="02070309020205020404" pitchFamily="49" charset="0"/>
+              </a:rPr>
+              <a:t>i</a:t>
+            </a:r>
+            <a:r>
+              <a:rPr lang="en-US" sz="1000" dirty="0">
+                <a:cs typeface="Courier New" panose="02070309020205020404" pitchFamily="49" charset="0"/>
+              </a:rPr>
+              <a:t>]));</a:t>
+            </a:r>
+          </a:p>
+          <a:p>
+            <a:pPr marL="0" indent="0">
+              <a:buNone/>
+            </a:pPr>
+            <a:r>
+              <a:rPr lang="en-US" sz="1000" dirty="0">
+                <a:cs typeface="Courier New" panose="02070309020205020404" pitchFamily="49" charset="0"/>
+              </a:rPr>
+              <a:t>         End;</a:t>
+            </a:r>
+          </a:p>
+          <a:p>
+            <a:pPr marL="0" indent="0">
+              <a:buNone/>
+            </a:pPr>
+            <a:r>
+              <a:rPr lang="en-US" sz="1000" dirty="0">
+                <a:cs typeface="Courier New" panose="02070309020205020404" pitchFamily="49" charset="0"/>
+              </a:rPr>
+              <a:t>   End</a:t>
+            </a:r>
+          </a:p>
+          <a:p>
+            <a:pPr marL="0" indent="0">
+              <a:buNone/>
+            </a:pPr>
+            <a:r>
+              <a:rPr lang="en-US" sz="1000" dirty="0">
+                <a:cs typeface="Courier New" panose="02070309020205020404" pitchFamily="49" charset="0"/>
+              </a:rPr>
+              <a:t>   Else </a:t>
+            </a:r>
+            <a:r>
+              <a:rPr lang="en-US" sz="1000" dirty="0" err="1">
+                <a:cs typeface="Courier New" panose="02070309020205020404" pitchFamily="49" charset="0"/>
+              </a:rPr>
+              <a:t>DoSimpleMsg</a:t>
+            </a:r>
+            <a:r>
+              <a:rPr lang="en-US" sz="1000" dirty="0">
+                <a:cs typeface="Courier New" panose="02070309020205020404" pitchFamily="49" charset="0"/>
+              </a:rPr>
+              <a:t>('</a:t>
+            </a:r>
+            <a:r>
+              <a:rPr lang="en-US" sz="1000" dirty="0" err="1">
+                <a:cs typeface="Courier New" panose="02070309020205020404" pitchFamily="49" charset="0"/>
+              </a:rPr>
+              <a:t>PVSystem</a:t>
+            </a:r>
+            <a:r>
+              <a:rPr lang="en-US" sz="1000" dirty="0">
+                <a:cs typeface="Courier New" panose="02070309020205020404" pitchFamily="49" charset="0"/>
+              </a:rPr>
+              <a:t>.' + name + ' model designated to use user-written model, but user-written model is not defined.', 567);</a:t>
+            </a:r>
+          </a:p>
+          <a:p>
+            <a:pPr marL="0" indent="0">
+              <a:buNone/>
+            </a:pPr>
+            <a:endParaRPr lang="en-US" sz="1200" dirty="0">
+              <a:latin typeface="Courier New" panose="02070309020205020404" pitchFamily="49" charset="0"/>
+              <a:cs typeface="Courier New" panose="02070309020205020404" pitchFamily="49" charset="0"/>
+            </a:endParaRPr>
+          </a:p>
+          <a:p>
+            <a:pPr marL="0" indent="0">
+              <a:buNone/>
+            </a:pPr>
+            <a:r>
+              <a:rPr lang="en-US" sz="1000" dirty="0">
+                <a:latin typeface="Courier New" panose="02070309020205020404" pitchFamily="49" charset="0"/>
+                <a:cs typeface="Courier New" panose="02070309020205020404" pitchFamily="49" charset="0"/>
+              </a:rPr>
+              <a:t>End;</a:t>
+            </a:r>
+          </a:p>
+        </p:txBody>
+      </p:sp>
+    </p:spTree>
+    <p:extLst>
+      <p:ext uri="{BB962C8B-B14F-4D97-AF65-F5344CB8AC3E}">
+        <p14:creationId xmlns:p14="http://schemas.microsoft.com/office/powerpoint/2010/main" val="1951781716"/>
       </p:ext>
     </p:extLst>
   </p:cSld>
@@ -10047,20 +10408,8 @@
           <a:p>
             <a:pPr eaLnBrk="1" hangingPunct="1"/>
             <a:r>
-              <a:rPr lang="en-US" altLang="en-US" dirty="0" err="1"/>
-              <a:t>PVSystem</a:t>
-            </a:r>
-            <a:r>
               <a:rPr lang="en-US" altLang="en-US" dirty="0"/>
-              <a:t> in the </a:t>
-            </a:r>
-            <a:r>
-              <a:rPr lang="en-US" altLang="en-US" dirty="0" err="1"/>
-              <a:t>OpenDSS</a:t>
-            </a:r>
-            <a:r>
-              <a:rPr lang="en-US" altLang="en-US" dirty="0"/>
-              <a:t> </a:t>
+              <a:t>Example Script </a:t>
             </a:r>
           </a:p>
         </p:txBody>
@@ -10081,22 +10430,67 @@
           <a:lstStyle/>
           <a:p>
             <a:r>
+              <a:rPr lang="en-US" dirty="0"/>
+              <a:t>This example defines a PV system with a panel </a:t>
+            </a:r>
+            <a:r>
+              <a:rPr lang="en-US" dirty="0" err="1"/>
+              <a:t>Pmpp</a:t>
+            </a:r>
+            <a:r>
+              <a:rPr lang="en-US" dirty="0"/>
+              <a:t> of 500 kW at 1 kW/m</a:t>
+            </a:r>
+            <a:r>
+              <a:rPr lang="en-US" baseline="30000" dirty="0"/>
+              <a:t>2</a:t>
+            </a:r>
+            <a:r>
+              <a:rPr lang="en-US" dirty="0"/>
+              <a:t> irradiance and a panel temperature of 25</a:t>
+            </a:r>
+            <a:r>
+              <a:rPr lang="en-US" dirty="0">
+                <a:sym typeface="Symbol" panose="05050102010706020507" pitchFamily="18" charset="2"/>
+              </a:rPr>
+              <a:t></a:t>
+            </a:r>
+            <a:r>
+              <a:rPr lang="en-US" dirty="0"/>
+              <a:t>C. The inverter is rated at 500 kVA. A PF of 1.0 is assumed for this example.</a:t>
+            </a:r>
+          </a:p>
+          <a:p>
+            <a:r>
               <a:rPr lang="en-US" altLang="en-US" dirty="0"/>
-              <a:t>The </a:t>
+              <a:t>Can also be used with the </a:t>
             </a:r>
             <a:r>
               <a:rPr lang="en-US" altLang="en-US" dirty="0" err="1"/>
-              <a:t>PVSystem</a:t>
+              <a:t>InvControl</a:t>
             </a:r>
             <a:r>
               <a:rPr lang="en-US" altLang="en-US" dirty="0"/>
-              <a:t> </a:t>
-            </a:r>
-            <a:r>
-              <a:rPr lang="en-US" dirty="0"/>
-              <a:t>model combines a model of the PV array and the PV inverter into one convenient model to use for distribution system impacts studies</a:t>
-            </a:r>
-            <a:endParaRPr lang="en-US" altLang="en-US" dirty="0"/>
+              <a:t> control object that implements advanced (‘smart’) inverter functions such as volt-</a:t>
+            </a:r>
+            <a:r>
+              <a:rPr lang="en-US" altLang="en-US" dirty="0" err="1"/>
+              <a:t>var</a:t>
+            </a:r>
+            <a:r>
+              <a:rPr lang="en-US" altLang="en-US" dirty="0"/>
+              <a:t>, volt-watt, and dynamic reactive current.</a:t>
+            </a:r>
+          </a:p>
+          <a:p>
+            <a:r>
+              <a:rPr lang="en-US" altLang="en-US" dirty="0" err="1"/>
+              <a:t>InvControl</a:t>
+            </a:r>
+            <a:r>
+              <a:rPr lang="en-US" altLang="en-US" dirty="0"/>
+              <a:t> usage to be covered later today</a:t>
+            </a:r>
           </a:p>
           <a:p>
             <a:pPr eaLnBrk="1" hangingPunct="1">
@@ -10174,61 +10568,10 @@
           </a:p>
         </p:txBody>
       </p:sp>
-      <p:pic>
-        <p:nvPicPr>
-          <p:cNvPr id="2049" name="Picture 1"/>
-          <p:cNvPicPr>
-            <a:picLocks noChangeAspect="1" noChangeArrowheads="1"/>
-          </p:cNvPicPr>
-          <p:nvPr/>
-        </p:nvPicPr>
-        <p:blipFill>
-          <a:blip r:embed="rId3">
-            <a:extLst>
-              <a:ext uri="{28A0092B-C50C-407E-A947-70E740481C1C}">
-                <a14:useLocalDpi xmlns:a14="http://schemas.microsoft.com/office/drawing/2010/main" val="0"/>
-              </a:ext>
-            </a:extLst>
-          </a:blip>
-          <a:srcRect/>
-          <a:stretch>
-            <a:fillRect/>
-          </a:stretch>
-        </p:blipFill>
-        <p:spPr bwMode="auto">
-          <a:xfrm>
-            <a:off x="1647567" y="2570206"/>
-            <a:ext cx="4800600" cy="3611563"/>
-          </a:xfrm>
-          <a:prstGeom prst="rect">
-            <a:avLst/>
-          </a:prstGeom>
-          <a:noFill/>
-          <a:effectLst/>
-          <a:extLst>
-            <a:ext uri="{909E8E84-426E-40DD-AFC4-6F175D3DCCD1}">
-              <a14:hiddenFill xmlns:a14="http://schemas.microsoft.com/office/drawing/2010/main">
-                <a:solidFill>
-                  <a:srgbClr val="000000"/>
-                </a:solidFill>
-              </a14:hiddenFill>
-            </a:ext>
-            <a:ext uri="{AF507438-7753-43E0-B8FC-AC1667EBCBE1}">
-              <a14:hiddenEffects xmlns:a14="http://schemas.microsoft.com/office/drawing/2010/main">
-                <a:effectLst>
-                  <a:outerShdw dist="35921" dir="2700000" algn="ctr" rotWithShape="0">
-                    <a:srgbClr val="000000"/>
-                  </a:outerShdw>
-                </a:effectLst>
-              </a14:hiddenEffects>
-            </a:ext>
-          </a:extLst>
-        </p:spPr>
-      </p:pic>
     </p:spTree>
     <p:extLst>
       <p:ext uri="{BB962C8B-B14F-4D97-AF65-F5344CB8AC3E}">
-        <p14:creationId xmlns:p14="http://schemas.microsoft.com/office/powerpoint/2010/main" val="4208642358"/>
+        <p14:creationId xmlns:p14="http://schemas.microsoft.com/office/powerpoint/2010/main" val="1297364967"/>
       </p:ext>
     </p:extLst>
   </p:cSld>
@@ -10239,602 +10582,6 @@
 </file>
 
 <file path=ppt/slides/slide40.xml><?xml version="1.0" encoding="utf-8"?>
-<p:sld xmlns:a="http://schemas.openxmlformats.org/drawingml/2006/main" xmlns:r="http://schemas.openxmlformats.org/officeDocument/2006/relationships" xmlns:p="http://schemas.openxmlformats.org/presentationml/2006/main">
-  <p:cSld>
-    <p:spTree>
-      <p:nvGrpSpPr>
-        <p:cNvPr id="1" name=""/>
-        <p:cNvGrpSpPr/>
-        <p:nvPr/>
-      </p:nvGrpSpPr>
-      <p:grpSpPr>
-        <a:xfrm>
-          <a:off x="0" y="0"/>
-          <a:ext cx="0" cy="0"/>
-          <a:chOff x="0" y="0"/>
-          <a:chExt cx="0" cy="0"/>
-        </a:xfrm>
-      </p:grpSpPr>
-      <p:sp>
-        <p:nvSpPr>
-          <p:cNvPr id="2" name="Title 1">
-            <a:extLst>
-              <a:ext uri="{FF2B5EF4-FFF2-40B4-BE49-F238E27FC236}">
-                <a16:creationId xmlns:a16="http://schemas.microsoft.com/office/drawing/2014/main" id="{0E30E296-9F60-4DE6-AE36-B1976449E236}"/>
-              </a:ext>
-            </a:extLst>
-          </p:cNvPr>
-          <p:cNvSpPr>
-            <a:spLocks noGrp="1"/>
-          </p:cNvSpPr>
-          <p:nvPr>
-            <p:ph type="title"/>
-          </p:nvPr>
-        </p:nvSpPr>
-        <p:spPr/>
-        <p:txBody>
-          <a:bodyPr/>
-          <a:lstStyle/>
-          <a:p>
-            <a:r>
-              <a:rPr lang="en-US" dirty="0"/>
-              <a:t>Typical Call to User-Written DLL (</a:t>
-            </a:r>
-            <a:r>
-              <a:rPr lang="en-US" dirty="0" err="1"/>
-              <a:t>PVSystem</a:t>
-            </a:r>
-            <a:r>
-              <a:rPr lang="en-US" dirty="0"/>
-              <a:t>)</a:t>
-            </a:r>
-          </a:p>
-        </p:txBody>
-      </p:sp>
-      <p:sp>
-        <p:nvSpPr>
-          <p:cNvPr id="3" name="Content Placeholder 2">
-            <a:extLst>
-              <a:ext uri="{FF2B5EF4-FFF2-40B4-BE49-F238E27FC236}">
-                <a16:creationId xmlns:a16="http://schemas.microsoft.com/office/drawing/2014/main" id="{EDDF5738-42B6-4FB0-9DE8-D33FCC54DA6D}"/>
-              </a:ext>
-            </a:extLst>
-          </p:cNvPr>
-          <p:cNvSpPr>
-            <a:spLocks noGrp="1"/>
-          </p:cNvSpPr>
-          <p:nvPr>
-            <p:ph idx="1"/>
-          </p:nvPr>
-        </p:nvSpPr>
-        <p:spPr/>
-        <p:txBody>
-          <a:bodyPr>
-            <a:noAutofit/>
-          </a:bodyPr>
-          <a:lstStyle/>
-          <a:p>
-            <a:pPr marL="0" indent="0">
-              <a:buNone/>
-            </a:pPr>
-            <a:r>
-              <a:rPr lang="en-US" sz="1000" dirty="0">
-                <a:cs typeface="Courier New" panose="02070309020205020404" pitchFamily="49" charset="0"/>
-              </a:rPr>
-              <a:t>PROCEDURE </a:t>
-            </a:r>
-            <a:r>
-              <a:rPr lang="en-US" sz="1000" dirty="0" err="1">
-                <a:cs typeface="Courier New" panose="02070309020205020404" pitchFamily="49" charset="0"/>
-              </a:rPr>
-              <a:t>TPVsystemObj.DoUserModel</a:t>
-            </a:r>
-            <a:r>
-              <a:rPr lang="en-US" sz="1000" dirty="0">
-                <a:cs typeface="Courier New" panose="02070309020205020404" pitchFamily="49" charset="0"/>
-              </a:rPr>
-              <a:t>;</a:t>
-            </a:r>
-          </a:p>
-          <a:p>
-            <a:pPr marL="0" indent="0">
-              <a:buNone/>
-            </a:pPr>
-            <a:r>
-              <a:rPr lang="en-US" sz="1000" dirty="0">
-                <a:cs typeface="Courier New" panose="02070309020205020404" pitchFamily="49" charset="0"/>
-              </a:rPr>
-              <a:t>{Compute total terminal Current from User-written model}</a:t>
-            </a:r>
-          </a:p>
-          <a:p>
-            <a:pPr marL="0" indent="0">
-              <a:buNone/>
-            </a:pPr>
-            <a:r>
-              <a:rPr lang="en-US" sz="1000" dirty="0">
-                <a:cs typeface="Courier New" panose="02070309020205020404" pitchFamily="49" charset="0"/>
-              </a:rPr>
-              <a:t>VAR</a:t>
-            </a:r>
-          </a:p>
-          <a:p>
-            <a:pPr marL="0" indent="0">
-              <a:buNone/>
-            </a:pPr>
-            <a:r>
-              <a:rPr lang="en-US" sz="1000" dirty="0">
-                <a:cs typeface="Courier New" panose="02070309020205020404" pitchFamily="49" charset="0"/>
-              </a:rPr>
-              <a:t>   </a:t>
-            </a:r>
-            <a:r>
-              <a:rPr lang="en-US" sz="1000" dirty="0" err="1">
-                <a:cs typeface="Courier New" panose="02070309020205020404" pitchFamily="49" charset="0"/>
-              </a:rPr>
-              <a:t>i</a:t>
-            </a:r>
-            <a:r>
-              <a:rPr lang="en-US" sz="1000" dirty="0">
-                <a:cs typeface="Courier New" panose="02070309020205020404" pitchFamily="49" charset="0"/>
-              </a:rPr>
-              <a:t> : Integer;</a:t>
-            </a:r>
-          </a:p>
-          <a:p>
-            <a:pPr marL="0" indent="0">
-              <a:buNone/>
-            </a:pPr>
-            <a:endParaRPr lang="en-US" sz="1000" dirty="0">
-              <a:cs typeface="Courier New" panose="02070309020205020404" pitchFamily="49" charset="0"/>
-            </a:endParaRPr>
-          </a:p>
-          <a:p>
-            <a:pPr marL="0" indent="0">
-              <a:buNone/>
-            </a:pPr>
-            <a:r>
-              <a:rPr lang="en-US" sz="1000" dirty="0">
-                <a:cs typeface="Courier New" panose="02070309020205020404" pitchFamily="49" charset="0"/>
-              </a:rPr>
-              <a:t>Begin</a:t>
-            </a:r>
-          </a:p>
-          <a:p>
-            <a:pPr marL="0" indent="0">
-              <a:buNone/>
-            </a:pPr>
-            <a:endParaRPr lang="en-US" sz="1000" dirty="0">
-              <a:cs typeface="Courier New" panose="02070309020205020404" pitchFamily="49" charset="0"/>
-            </a:endParaRPr>
-          </a:p>
-          <a:p>
-            <a:pPr marL="0" indent="0">
-              <a:buNone/>
-            </a:pPr>
-            <a:r>
-              <a:rPr lang="en-US" sz="1000" dirty="0">
-                <a:cs typeface="Courier New" panose="02070309020205020404" pitchFamily="49" charset="0"/>
-              </a:rPr>
-              <a:t>   </a:t>
-            </a:r>
-            <a:r>
-              <a:rPr lang="en-US" sz="1000" dirty="0" err="1">
-                <a:cs typeface="Courier New" panose="02070309020205020404" pitchFamily="49" charset="0"/>
-              </a:rPr>
-              <a:t>CalcYPrimContribution</a:t>
-            </a:r>
-            <a:r>
-              <a:rPr lang="en-US" sz="1000" dirty="0">
-                <a:cs typeface="Courier New" panose="02070309020205020404" pitchFamily="49" charset="0"/>
-              </a:rPr>
-              <a:t>(</a:t>
-            </a:r>
-            <a:r>
-              <a:rPr lang="en-US" sz="1000" dirty="0" err="1">
-                <a:cs typeface="Courier New" panose="02070309020205020404" pitchFamily="49" charset="0"/>
-              </a:rPr>
-              <a:t>InjCurrent</a:t>
-            </a:r>
-            <a:r>
-              <a:rPr lang="en-US" sz="1000" dirty="0">
-                <a:cs typeface="Courier New" panose="02070309020205020404" pitchFamily="49" charset="0"/>
-              </a:rPr>
-              <a:t>);  // </a:t>
-            </a:r>
-            <a:r>
-              <a:rPr lang="en-US" sz="1000" dirty="0" err="1">
-                <a:cs typeface="Courier New" panose="02070309020205020404" pitchFamily="49" charset="0"/>
-              </a:rPr>
-              <a:t>Init</a:t>
-            </a:r>
-            <a:r>
-              <a:rPr lang="en-US" sz="1000" dirty="0">
-                <a:cs typeface="Courier New" panose="02070309020205020404" pitchFamily="49" charset="0"/>
-              </a:rPr>
-              <a:t> </a:t>
-            </a:r>
-            <a:r>
-              <a:rPr lang="en-US" sz="1000" dirty="0" err="1">
-                <a:cs typeface="Courier New" panose="02070309020205020404" pitchFamily="49" charset="0"/>
-              </a:rPr>
-              <a:t>InjCurrent</a:t>
-            </a:r>
-            <a:r>
-              <a:rPr lang="en-US" sz="1000" dirty="0">
-                <a:cs typeface="Courier New" panose="02070309020205020404" pitchFamily="49" charset="0"/>
-              </a:rPr>
-              <a:t> Array</a:t>
-            </a:r>
-          </a:p>
-          <a:p>
-            <a:pPr marL="0" indent="0">
-              <a:buNone/>
-            </a:pPr>
-            <a:endParaRPr lang="en-US" sz="1000" dirty="0">
-              <a:cs typeface="Courier New" panose="02070309020205020404" pitchFamily="49" charset="0"/>
-            </a:endParaRPr>
-          </a:p>
-          <a:p>
-            <a:pPr marL="0" indent="0">
-              <a:buNone/>
-            </a:pPr>
-            <a:r>
-              <a:rPr lang="en-US" sz="1000" dirty="0">
-                <a:cs typeface="Courier New" panose="02070309020205020404" pitchFamily="49" charset="0"/>
-              </a:rPr>
-              <a:t>   If </a:t>
-            </a:r>
-            <a:r>
-              <a:rPr lang="en-US" sz="1000" dirty="0" err="1">
-                <a:cs typeface="Courier New" panose="02070309020205020404" pitchFamily="49" charset="0"/>
-              </a:rPr>
-              <a:t>UserModel.Exists</a:t>
-            </a:r>
-            <a:r>
-              <a:rPr lang="en-US" sz="1000" dirty="0">
-                <a:cs typeface="Courier New" panose="02070309020205020404" pitchFamily="49" charset="0"/>
-              </a:rPr>
-              <a:t>     // Check automatically selects the </a:t>
-            </a:r>
-            <a:r>
-              <a:rPr lang="en-US" sz="1000" dirty="0" err="1">
-                <a:cs typeface="Courier New" panose="02070309020205020404" pitchFamily="49" charset="0"/>
-              </a:rPr>
-              <a:t>usermodel</a:t>
-            </a:r>
-            <a:r>
-              <a:rPr lang="en-US" sz="1000" dirty="0">
-                <a:cs typeface="Courier New" panose="02070309020205020404" pitchFamily="49" charset="0"/>
-              </a:rPr>
-              <a:t> If true</a:t>
-            </a:r>
-          </a:p>
-          <a:p>
-            <a:pPr marL="0" indent="0">
-              <a:buNone/>
-            </a:pPr>
-            <a:r>
-              <a:rPr lang="en-US" sz="1000" dirty="0">
-                <a:cs typeface="Courier New" panose="02070309020205020404" pitchFamily="49" charset="0"/>
-              </a:rPr>
-              <a:t>   Then Begin</a:t>
-            </a:r>
-          </a:p>
-          <a:p>
-            <a:pPr marL="0" indent="0">
-              <a:buNone/>
-            </a:pPr>
-            <a:r>
-              <a:rPr lang="en-US" sz="1000" dirty="0">
-                <a:cs typeface="Courier New" panose="02070309020205020404" pitchFamily="49" charset="0"/>
-              </a:rPr>
-              <a:t>         </a:t>
-            </a:r>
-            <a:r>
-              <a:rPr lang="en-US" sz="1000" dirty="0" err="1">
-                <a:cs typeface="Courier New" panose="02070309020205020404" pitchFamily="49" charset="0"/>
-              </a:rPr>
-              <a:t>UserModel.FCalc</a:t>
-            </a:r>
-            <a:r>
-              <a:rPr lang="en-US" sz="1000" dirty="0">
-                <a:cs typeface="Courier New" panose="02070309020205020404" pitchFamily="49" charset="0"/>
-              </a:rPr>
-              <a:t> (</a:t>
-            </a:r>
-            <a:r>
-              <a:rPr lang="en-US" sz="1000" dirty="0" err="1">
-                <a:cs typeface="Courier New" panose="02070309020205020404" pitchFamily="49" charset="0"/>
-              </a:rPr>
-              <a:t>Vterminal</a:t>
-            </a:r>
-            <a:r>
-              <a:rPr lang="en-US" sz="1000" dirty="0">
-                <a:cs typeface="Courier New" panose="02070309020205020404" pitchFamily="49" charset="0"/>
-              </a:rPr>
-              <a:t>, </a:t>
-            </a:r>
-            <a:r>
-              <a:rPr lang="en-US" sz="1000" dirty="0" err="1">
-                <a:cs typeface="Courier New" panose="02070309020205020404" pitchFamily="49" charset="0"/>
-              </a:rPr>
-              <a:t>Iterminal</a:t>
-            </a:r>
-            <a:r>
-              <a:rPr lang="en-US" sz="1000" dirty="0">
-                <a:cs typeface="Courier New" panose="02070309020205020404" pitchFamily="49" charset="0"/>
-              </a:rPr>
-              <a:t>);</a:t>
-            </a:r>
-          </a:p>
-          <a:p>
-            <a:pPr marL="0" indent="0">
-              <a:buNone/>
-            </a:pPr>
-            <a:r>
-              <a:rPr lang="en-US" sz="1000" dirty="0">
-                <a:cs typeface="Courier New" panose="02070309020205020404" pitchFamily="49" charset="0"/>
-              </a:rPr>
-              <a:t>         </a:t>
-            </a:r>
-            <a:r>
-              <a:rPr lang="en-US" sz="1000" dirty="0" err="1">
-                <a:cs typeface="Courier New" panose="02070309020205020404" pitchFamily="49" charset="0"/>
-              </a:rPr>
-              <a:t>IterminalUpdated</a:t>
-            </a:r>
-            <a:r>
-              <a:rPr lang="en-US" sz="1000" dirty="0">
-                <a:cs typeface="Courier New" panose="02070309020205020404" pitchFamily="49" charset="0"/>
-              </a:rPr>
-              <a:t> := TRUE;</a:t>
-            </a:r>
-          </a:p>
-          <a:p>
-            <a:pPr marL="0" indent="0">
-              <a:buNone/>
-            </a:pPr>
-            <a:r>
-              <a:rPr lang="en-US" sz="1000" dirty="0">
-                <a:cs typeface="Courier New" panose="02070309020205020404" pitchFamily="49" charset="0"/>
-              </a:rPr>
-              <a:t>         With </a:t>
-            </a:r>
-            <a:r>
-              <a:rPr lang="en-US" sz="1000" dirty="0" err="1">
-                <a:cs typeface="Courier New" panose="02070309020205020404" pitchFamily="49" charset="0"/>
-              </a:rPr>
-              <a:t>ActiveCircuit.Solution</a:t>
-            </a:r>
-            <a:endParaRPr lang="en-US" sz="1000" dirty="0">
-              <a:cs typeface="Courier New" panose="02070309020205020404" pitchFamily="49" charset="0"/>
-            </a:endParaRPr>
-          </a:p>
-          <a:p>
-            <a:pPr marL="0" indent="0">
-              <a:buNone/>
-            </a:pPr>
-            <a:r>
-              <a:rPr lang="en-US" sz="1000" dirty="0">
-                <a:cs typeface="Courier New" panose="02070309020205020404" pitchFamily="49" charset="0"/>
-              </a:rPr>
-              <a:t>         Do Begin          // Negate currents from user model for power flow </a:t>
-            </a:r>
-            <a:r>
-              <a:rPr lang="en-US" sz="1000" dirty="0" err="1">
-                <a:cs typeface="Courier New" panose="02070309020205020404" pitchFamily="49" charset="0"/>
-              </a:rPr>
-              <a:t>PVSystem</a:t>
-            </a:r>
-            <a:r>
-              <a:rPr lang="en-US" sz="1000" dirty="0">
-                <a:cs typeface="Courier New" panose="02070309020205020404" pitchFamily="49" charset="0"/>
-              </a:rPr>
-              <a:t> element model</a:t>
-            </a:r>
-          </a:p>
-          <a:p>
-            <a:pPr marL="0" indent="0">
-              <a:buNone/>
-            </a:pPr>
-            <a:r>
-              <a:rPr lang="en-US" sz="1000" dirty="0">
-                <a:cs typeface="Courier New" panose="02070309020205020404" pitchFamily="49" charset="0"/>
-              </a:rPr>
-              <a:t>               FOR </a:t>
-            </a:r>
-            <a:r>
-              <a:rPr lang="en-US" sz="1000" dirty="0" err="1">
-                <a:cs typeface="Courier New" panose="02070309020205020404" pitchFamily="49" charset="0"/>
-              </a:rPr>
-              <a:t>i</a:t>
-            </a:r>
-            <a:r>
-              <a:rPr lang="en-US" sz="1000" dirty="0">
-                <a:cs typeface="Courier New" panose="02070309020205020404" pitchFamily="49" charset="0"/>
-              </a:rPr>
-              <a:t> := 1 to </a:t>
-            </a:r>
-            <a:r>
-              <a:rPr lang="en-US" sz="1000" dirty="0" err="1">
-                <a:cs typeface="Courier New" panose="02070309020205020404" pitchFamily="49" charset="0"/>
-              </a:rPr>
-              <a:t>FnConds</a:t>
-            </a:r>
-            <a:r>
-              <a:rPr lang="en-US" sz="1000" dirty="0">
-                <a:cs typeface="Courier New" panose="02070309020205020404" pitchFamily="49" charset="0"/>
-              </a:rPr>
-              <a:t> Do </a:t>
-            </a:r>
-            <a:r>
-              <a:rPr lang="en-US" sz="1000" dirty="0" err="1">
-                <a:cs typeface="Courier New" panose="02070309020205020404" pitchFamily="49" charset="0"/>
-              </a:rPr>
-              <a:t>Caccum</a:t>
-            </a:r>
-            <a:r>
-              <a:rPr lang="en-US" sz="1000" dirty="0">
-                <a:cs typeface="Courier New" panose="02070309020205020404" pitchFamily="49" charset="0"/>
-              </a:rPr>
-              <a:t>(</a:t>
-            </a:r>
-            <a:r>
-              <a:rPr lang="en-US" sz="1000" dirty="0" err="1">
-                <a:cs typeface="Courier New" panose="02070309020205020404" pitchFamily="49" charset="0"/>
-              </a:rPr>
-              <a:t>InjCurrent</a:t>
-            </a:r>
-            <a:r>
-              <a:rPr lang="en-US" sz="1000" dirty="0">
-                <a:cs typeface="Courier New" panose="02070309020205020404" pitchFamily="49" charset="0"/>
-              </a:rPr>
-              <a:t>^[</a:t>
-            </a:r>
-            <a:r>
-              <a:rPr lang="en-US" sz="1000" dirty="0" err="1">
-                <a:cs typeface="Courier New" panose="02070309020205020404" pitchFamily="49" charset="0"/>
-              </a:rPr>
-              <a:t>i</a:t>
-            </a:r>
-            <a:r>
-              <a:rPr lang="en-US" sz="1000" dirty="0">
-                <a:cs typeface="Courier New" panose="02070309020205020404" pitchFamily="49" charset="0"/>
-              </a:rPr>
-              <a:t>], </a:t>
-            </a:r>
-            <a:r>
-              <a:rPr lang="en-US" sz="1000" dirty="0" err="1">
-                <a:cs typeface="Courier New" panose="02070309020205020404" pitchFamily="49" charset="0"/>
-              </a:rPr>
-              <a:t>Cnegate</a:t>
-            </a:r>
-            <a:r>
-              <a:rPr lang="en-US" sz="1000" dirty="0">
-                <a:cs typeface="Courier New" panose="02070309020205020404" pitchFamily="49" charset="0"/>
-              </a:rPr>
-              <a:t>(</a:t>
-            </a:r>
-            <a:r>
-              <a:rPr lang="en-US" sz="1000" dirty="0" err="1">
-                <a:cs typeface="Courier New" panose="02070309020205020404" pitchFamily="49" charset="0"/>
-              </a:rPr>
-              <a:t>Iterminal</a:t>
-            </a:r>
-            <a:r>
-              <a:rPr lang="en-US" sz="1000" dirty="0">
-                <a:cs typeface="Courier New" panose="02070309020205020404" pitchFamily="49" charset="0"/>
-              </a:rPr>
-              <a:t>^[</a:t>
-            </a:r>
-            <a:r>
-              <a:rPr lang="en-US" sz="1000" dirty="0" err="1">
-                <a:cs typeface="Courier New" panose="02070309020205020404" pitchFamily="49" charset="0"/>
-              </a:rPr>
-              <a:t>i</a:t>
-            </a:r>
-            <a:r>
-              <a:rPr lang="en-US" sz="1000" dirty="0">
-                <a:cs typeface="Courier New" panose="02070309020205020404" pitchFamily="49" charset="0"/>
-              </a:rPr>
-              <a:t>]));</a:t>
-            </a:r>
-          </a:p>
-          <a:p>
-            <a:pPr marL="0" indent="0">
-              <a:buNone/>
-            </a:pPr>
-            <a:r>
-              <a:rPr lang="en-US" sz="1000" dirty="0">
-                <a:cs typeface="Courier New" panose="02070309020205020404" pitchFamily="49" charset="0"/>
-              </a:rPr>
-              <a:t>         End;</a:t>
-            </a:r>
-          </a:p>
-          <a:p>
-            <a:pPr marL="0" indent="0">
-              <a:buNone/>
-            </a:pPr>
-            <a:r>
-              <a:rPr lang="en-US" sz="1000" dirty="0">
-                <a:cs typeface="Courier New" panose="02070309020205020404" pitchFamily="49" charset="0"/>
-              </a:rPr>
-              <a:t>   End</a:t>
-            </a:r>
-          </a:p>
-          <a:p>
-            <a:pPr marL="0" indent="0">
-              <a:buNone/>
-            </a:pPr>
-            <a:r>
-              <a:rPr lang="en-US" sz="1000" dirty="0">
-                <a:cs typeface="Courier New" panose="02070309020205020404" pitchFamily="49" charset="0"/>
-              </a:rPr>
-              <a:t>   Else </a:t>
-            </a:r>
-            <a:r>
-              <a:rPr lang="en-US" sz="1000" dirty="0" err="1">
-                <a:cs typeface="Courier New" panose="02070309020205020404" pitchFamily="49" charset="0"/>
-              </a:rPr>
-              <a:t>DoSimpleMsg</a:t>
-            </a:r>
-            <a:r>
-              <a:rPr lang="en-US" sz="1000" dirty="0">
-                <a:cs typeface="Courier New" panose="02070309020205020404" pitchFamily="49" charset="0"/>
-              </a:rPr>
-              <a:t>('</a:t>
-            </a:r>
-            <a:r>
-              <a:rPr lang="en-US" sz="1000" dirty="0" err="1">
-                <a:cs typeface="Courier New" panose="02070309020205020404" pitchFamily="49" charset="0"/>
-              </a:rPr>
-              <a:t>PVSystem</a:t>
-            </a:r>
-            <a:r>
-              <a:rPr lang="en-US" sz="1000" dirty="0">
-                <a:cs typeface="Courier New" panose="02070309020205020404" pitchFamily="49" charset="0"/>
-              </a:rPr>
-              <a:t>.' + name + ' model designated to use user-written model, but user-written model is not defined.', 567);</a:t>
-            </a:r>
-          </a:p>
-          <a:p>
-            <a:pPr marL="0" indent="0">
-              <a:buNone/>
-            </a:pPr>
-            <a:endParaRPr lang="en-US" sz="1200" dirty="0">
-              <a:latin typeface="Courier New" panose="02070309020205020404" pitchFamily="49" charset="0"/>
-              <a:cs typeface="Courier New" panose="02070309020205020404" pitchFamily="49" charset="0"/>
-            </a:endParaRPr>
-          </a:p>
-          <a:p>
-            <a:pPr marL="0" indent="0">
-              <a:buNone/>
-            </a:pPr>
-            <a:r>
-              <a:rPr lang="en-US" sz="1000" dirty="0">
-                <a:latin typeface="Courier New" panose="02070309020205020404" pitchFamily="49" charset="0"/>
-                <a:cs typeface="Courier New" panose="02070309020205020404" pitchFamily="49" charset="0"/>
-              </a:rPr>
-              <a:t>End;</a:t>
-            </a:r>
-          </a:p>
-        </p:txBody>
-      </p:sp>
-    </p:spTree>
-    <p:extLst>
-      <p:ext uri="{BB962C8B-B14F-4D97-AF65-F5344CB8AC3E}">
-        <p14:creationId xmlns:p14="http://schemas.microsoft.com/office/powerpoint/2010/main" val="1951781716"/>
-      </p:ext>
-    </p:extLst>
-  </p:cSld>
-  <p:clrMapOvr>
-    <a:masterClrMapping/>
-  </p:clrMapOvr>
-</p:sld>
-</file>
-
-<file path=ppt/slides/slide41.xml><?xml version="1.0" encoding="utf-8"?>
 <p:sld xmlns:a="http://schemas.openxmlformats.org/drawingml/2006/main" xmlns:r="http://schemas.openxmlformats.org/officeDocument/2006/relationships" xmlns:p="http://schemas.openxmlformats.org/presentationml/2006/main">
   <p:cSld>
     <p:spTree>
@@ -11434,7 +11181,7 @@
 </p:sld>
 </file>
 
-<file path=ppt/slides/slide42.xml><?xml version="1.0" encoding="utf-8"?>
+<file path=ppt/slides/slide41.xml><?xml version="1.0" encoding="utf-8"?>
 <p:sld xmlns:a="http://schemas.openxmlformats.org/drawingml/2006/main" xmlns:r="http://schemas.openxmlformats.org/officeDocument/2006/relationships" xmlns:p="http://schemas.openxmlformats.org/presentationml/2006/main">
   <p:cSld>
     <p:spTree>
@@ -11532,7 +11279,7 @@
 </p:sld>
 </file>
 
-<file path=ppt/slides/slide43.xml><?xml version="1.0" encoding="utf-8"?>
+<file path=ppt/slides/slide42.xml><?xml version="1.0" encoding="utf-8"?>
 <p:sld xmlns:a="http://schemas.openxmlformats.org/drawingml/2006/main" xmlns:r="http://schemas.openxmlformats.org/officeDocument/2006/relationships" xmlns:p="http://schemas.openxmlformats.org/presentationml/2006/main">
   <p:cSld>
     <p:spTree>
@@ -12862,7 +12609,7 @@
 </p:sld>
 </file>
 
-<file path=ppt/slides/slide44.xml><?xml version="1.0" encoding="utf-8"?>
+<file path=ppt/slides/slide43.xml><?xml version="1.0" encoding="utf-8"?>
 <p:sld xmlns:a="http://schemas.openxmlformats.org/drawingml/2006/main" xmlns:r="http://schemas.openxmlformats.org/officeDocument/2006/relationships" xmlns:p="http://schemas.openxmlformats.org/presentationml/2006/main">
   <p:cSld>
     <p:spTree>
@@ -13721,7 +13468,7 @@
 </p:sld>
 </file>
 
-<file path=ppt/slides/slide45.xml><?xml version="1.0" encoding="utf-8"?>
+<file path=ppt/slides/slide44.xml><?xml version="1.0" encoding="utf-8"?>
 <p:sld xmlns:a="http://schemas.openxmlformats.org/drawingml/2006/main" xmlns:r="http://schemas.openxmlformats.org/officeDocument/2006/relationships" xmlns:p="http://schemas.openxmlformats.org/presentationml/2006/main">
   <p:cSld>
     <p:spTree>
@@ -14847,7 +14594,7 @@
 </p:sld>
 </file>
 
-<file path=ppt/slides/slide46.xml><?xml version="1.0" encoding="utf-8"?>
+<file path=ppt/slides/slide45.xml><?xml version="1.0" encoding="utf-8"?>
 <p:sld xmlns:a="http://schemas.openxmlformats.org/drawingml/2006/main" xmlns:r="http://schemas.openxmlformats.org/officeDocument/2006/relationships" xmlns:p="http://schemas.openxmlformats.org/presentationml/2006/main">
   <p:cSld>
     <p:spTree>
@@ -14896,7 +14643,7 @@
       </p:grpSpPr>
       <p:sp>
         <p:nvSpPr>
-          <p:cNvPr id="14338" name="Rectangle 2"/>
+          <p:cNvPr id="15362" name="Rectangle 2"/>
           <p:cNvSpPr>
             <a:spLocks noGrp="1" noChangeArrowheads="1"/>
           </p:cNvSpPr>
@@ -14912,14 +14659,14 @@
             <a:pPr eaLnBrk="1" hangingPunct="1"/>
             <a:r>
               <a:rPr lang="en-US" altLang="en-US" dirty="0"/>
-              <a:t>Example Script </a:t>
+              <a:t>Example Script</a:t>
             </a:r>
           </a:p>
         </p:txBody>
       </p:sp>
       <p:sp>
         <p:nvSpPr>
-          <p:cNvPr id="14339" name="Rectangle 3"/>
+          <p:cNvPr id="15363" name="Rectangle 3"/>
           <p:cNvSpPr>
             <a:spLocks noGrp="1" noChangeArrowheads="1"/>
           </p:cNvSpPr>
@@ -14929,152 +14676,392 @@
         </p:nvSpPr>
         <p:spPr/>
         <p:txBody>
-          <a:bodyPr/>
-          <a:lstStyle/>
-          <a:p>
-            <a:r>
-              <a:rPr lang="en-US" dirty="0"/>
-              <a:t>This example defines a PV system with a panel </a:t>
-            </a:r>
-            <a:r>
-              <a:rPr lang="en-US" dirty="0" err="1"/>
-              <a:t>Pmpp</a:t>
-            </a:r>
-            <a:r>
-              <a:rPr lang="en-US" dirty="0"/>
-              <a:t> of 500 kW at 1 kW/m</a:t>
-            </a:r>
-            <a:r>
-              <a:rPr lang="en-US" baseline="30000" dirty="0"/>
-              <a:t>2</a:t>
-            </a:r>
-            <a:r>
-              <a:rPr lang="en-US" dirty="0"/>
-              <a:t> irradiance and a panel temperature of 25</a:t>
-            </a:r>
-            <a:r>
-              <a:rPr lang="en-US" dirty="0">
-                <a:sym typeface="Symbol" panose="05050102010706020507" pitchFamily="18" charset="2"/>
-              </a:rPr>
-              <a:t></a:t>
-            </a:r>
-            <a:r>
-              <a:rPr lang="en-US" dirty="0"/>
-              <a:t>C. The inverter is rated at 500 kVA. A PF of 1.0 is assumed for this example.</a:t>
-            </a:r>
-          </a:p>
-          <a:p>
-            <a:r>
-              <a:rPr lang="en-US" altLang="en-US" dirty="0"/>
-              <a:t>Can also be used with the </a:t>
-            </a:r>
-            <a:r>
-              <a:rPr lang="en-US" altLang="en-US" dirty="0" err="1"/>
-              <a:t>InvControl</a:t>
-            </a:r>
-            <a:r>
-              <a:rPr lang="en-US" altLang="en-US" dirty="0"/>
-              <a:t> control object that implements advanced (‘smart’) inverter functions such as volt-</a:t>
-            </a:r>
-            <a:r>
-              <a:rPr lang="en-US" altLang="en-US" dirty="0" err="1"/>
-              <a:t>var</a:t>
-            </a:r>
-            <a:r>
-              <a:rPr lang="en-US" altLang="en-US" dirty="0"/>
-              <a:t>, volt-watt, and dynamic reactive current.</a:t>
-            </a:r>
-          </a:p>
-          <a:p>
-            <a:r>
-              <a:rPr lang="en-US" altLang="en-US" dirty="0" err="1"/>
-              <a:t>InvControl</a:t>
-            </a:r>
-            <a:r>
-              <a:rPr lang="en-US" altLang="en-US" dirty="0"/>
-              <a:t> usage to be covered later today</a:t>
-            </a:r>
-          </a:p>
-          <a:p>
-            <a:pPr eaLnBrk="1" hangingPunct="1">
-              <a:buFontTx/>
-              <a:buNone/>
-            </a:pPr>
-            <a:endParaRPr lang="en-US" altLang="en-US" dirty="0"/>
-          </a:p>
-          <a:p>
-            <a:pPr eaLnBrk="1" hangingPunct="1"/>
-            <a:endParaRPr lang="en-US" altLang="en-US" dirty="0"/>
-          </a:p>
-        </p:txBody>
-      </p:sp>
-      <p:sp>
-        <p:nvSpPr>
-          <p:cNvPr id="2" name="Rectangle 2"/>
-          <p:cNvSpPr>
-            <a:spLocks noChangeArrowheads="1"/>
-          </p:cNvSpPr>
-          <p:nvPr/>
-        </p:nvSpPr>
-        <p:spPr bwMode="auto">
-          <a:xfrm>
-            <a:off x="1647567" y="2570206"/>
-            <a:ext cx="9144000" cy="0"/>
-          </a:xfrm>
-          <a:prstGeom prst="rect">
-            <a:avLst/>
-          </a:prstGeom>
-          <a:noFill/>
-          <a:ln>
-            <a:noFill/>
-          </a:ln>
-          <a:effectLst/>
-          <a:extLst>
-            <a:ext uri="{909E8E84-426E-40DD-AFC4-6F175D3DCCD1}">
-              <a14:hiddenFill xmlns:a14="http://schemas.microsoft.com/office/drawing/2010/main">
-                <a:solidFill>
-                  <a:schemeClr val="accent1"/>
-                </a:solidFill>
-              </a14:hiddenFill>
-            </a:ext>
-            <a:ext uri="{91240B29-F687-4F45-9708-019B960494DF}">
-              <a14:hiddenLine xmlns:a14="http://schemas.microsoft.com/office/drawing/2010/main" w="9525">
-                <a:solidFill>
-                  <a:schemeClr val="tx1"/>
-                </a:solidFill>
-                <a:miter lim="800000"/>
-                <a:headEnd/>
-                <a:tailEnd/>
-              </a14:hiddenLine>
-            </a:ext>
-            <a:ext uri="{AF507438-7753-43E0-B8FC-AC1667EBCBE1}">
-              <a14:hiddenEffects xmlns:a14="http://schemas.microsoft.com/office/drawing/2010/main">
-                <a:effectLst>
-                  <a:outerShdw dist="35921" dir="2700000" algn="ctr" rotWithShape="0">
-                    <a:schemeClr val="bg2"/>
-                  </a:outerShdw>
-                </a:effectLst>
-              </a14:hiddenEffects>
-            </a:ext>
-          </a:extLst>
-        </p:spPr>
-        <p:txBody>
-          <a:bodyPr vert="horz" wrap="none" lIns="91440" tIns="45720" rIns="91440" bIns="45720" numCol="1" anchor="ctr" anchorCtr="0" compatLnSpc="1">
-            <a:prstTxWarp prst="textNoShape">
-              <a:avLst/>
-            </a:prstTxWarp>
-            <a:spAutoFit/>
+          <a:bodyPr>
+            <a:normAutofit fontScale="25000" lnSpcReduction="20000"/>
           </a:bodyPr>
           <a:lstStyle/>
           <a:p>
-            <a:endParaRPr lang="en-US"/>
+            <a:pPr marL="0" indent="0">
+              <a:buNone/>
+            </a:pPr>
+            <a:r>
+              <a:rPr lang="en-US" sz="4800" b="1" dirty="0"/>
+              <a:t>clear</a:t>
+            </a:r>
+          </a:p>
+          <a:p>
+            <a:pPr marL="0" indent="0">
+              <a:buNone/>
+            </a:pPr>
+            <a:r>
+              <a:rPr lang="en-US" sz="4800" b="1" dirty="0"/>
+              <a:t> </a:t>
+            </a:r>
+          </a:p>
+          <a:p>
+            <a:pPr marL="0" indent="0">
+              <a:buNone/>
+            </a:pPr>
+            <a:r>
+              <a:rPr lang="en-US" sz="4800" b="1" dirty="0"/>
+              <a:t>New </a:t>
+            </a:r>
+            <a:r>
+              <a:rPr lang="en-US" sz="4800" b="1" dirty="0" err="1"/>
+              <a:t>Circuit.PVSystem</a:t>
+            </a:r>
+            <a:r>
+              <a:rPr lang="en-US" sz="4800" b="1" dirty="0"/>
+              <a:t>  </a:t>
+            </a:r>
+            <a:r>
+              <a:rPr lang="en-US" sz="4800" b="1" dirty="0" err="1"/>
+              <a:t>basekv</a:t>
+            </a:r>
+            <a:r>
+              <a:rPr lang="en-US" sz="4800" b="1" dirty="0"/>
+              <a:t>=12.47  Isc3=1000 Isc1=900</a:t>
+            </a:r>
+          </a:p>
+          <a:p>
+            <a:pPr marL="0" indent="0">
+              <a:buNone/>
+            </a:pPr>
+            <a:r>
+              <a:rPr lang="en-US" sz="4800" b="1" dirty="0"/>
+              <a:t> </a:t>
+            </a:r>
+          </a:p>
+          <a:p>
+            <a:pPr marL="0" indent="0">
+              <a:buNone/>
+            </a:pPr>
+            <a:r>
+              <a:rPr lang="en-US" sz="4800" b="1" dirty="0"/>
+              <a:t>// P-T curve is per unit of rated </a:t>
+            </a:r>
+            <a:r>
+              <a:rPr lang="en-US" sz="4800" b="1" dirty="0" err="1"/>
+              <a:t>Pmpp</a:t>
+            </a:r>
+            <a:r>
+              <a:rPr lang="en-US" sz="4800" b="1" dirty="0"/>
+              <a:t> vs temperature</a:t>
+            </a:r>
+          </a:p>
+          <a:p>
+            <a:pPr marL="0" indent="0">
+              <a:buNone/>
+            </a:pPr>
+            <a:r>
+              <a:rPr lang="en-US" sz="4800" b="1" dirty="0"/>
+              <a:t>// This one is for a </a:t>
+            </a:r>
+            <a:r>
+              <a:rPr lang="en-US" sz="4800" b="1" dirty="0" err="1"/>
+              <a:t>Pmpp</a:t>
+            </a:r>
+            <a:r>
+              <a:rPr lang="en-US" sz="4800" b="1" dirty="0"/>
+              <a:t> stated at 25 </a:t>
+            </a:r>
+            <a:r>
+              <a:rPr lang="en-US" sz="4800" b="1" dirty="0" err="1"/>
+              <a:t>deg</a:t>
+            </a:r>
+            <a:endParaRPr lang="en-US" sz="4800" b="1" dirty="0"/>
+          </a:p>
+          <a:p>
+            <a:pPr marL="0" indent="0">
+              <a:buNone/>
+            </a:pPr>
+            <a:r>
+              <a:rPr lang="en-US" sz="4800" b="1" dirty="0"/>
+              <a:t>New </a:t>
+            </a:r>
+            <a:r>
+              <a:rPr lang="en-US" sz="4800" b="1" dirty="0" err="1"/>
+              <a:t>XYCurve.MyPvsT</a:t>
+            </a:r>
+            <a:r>
+              <a:rPr lang="en-US" sz="4800" b="1" dirty="0"/>
+              <a:t> </a:t>
+            </a:r>
+            <a:r>
+              <a:rPr lang="en-US" sz="4800" b="1" dirty="0" err="1"/>
+              <a:t>npts</a:t>
+            </a:r>
+            <a:r>
+              <a:rPr lang="en-US" sz="4800" b="1" dirty="0"/>
+              <a:t>=4  </a:t>
+            </a:r>
+            <a:r>
+              <a:rPr lang="en-US" sz="4800" b="1" dirty="0" err="1"/>
+              <a:t>xarray</a:t>
+            </a:r>
+            <a:r>
+              <a:rPr lang="en-US" sz="4800" b="1" dirty="0"/>
+              <a:t>=[0  25  75  100]  </a:t>
+            </a:r>
+            <a:r>
+              <a:rPr lang="en-US" sz="4800" b="1" dirty="0" err="1"/>
+              <a:t>yarray</a:t>
+            </a:r>
+            <a:r>
+              <a:rPr lang="en-US" sz="4800" b="1" dirty="0"/>
+              <a:t>=[1.2 1.0 0.8  0.6] </a:t>
+            </a:r>
+          </a:p>
+          <a:p>
+            <a:pPr marL="0" indent="0">
+              <a:buNone/>
+            </a:pPr>
+            <a:r>
+              <a:rPr lang="en-US" sz="4800" b="1" dirty="0"/>
+              <a:t> </a:t>
+            </a:r>
+          </a:p>
+          <a:p>
+            <a:pPr marL="0" indent="0">
+              <a:buNone/>
+            </a:pPr>
+            <a:r>
+              <a:rPr lang="en-US" sz="4800" b="1" dirty="0"/>
+              <a:t>// efficiency curve is per unit </a:t>
+            </a:r>
+            <a:r>
+              <a:rPr lang="en-US" sz="4800" b="1" dirty="0" err="1"/>
+              <a:t>eff</a:t>
+            </a:r>
+            <a:r>
+              <a:rPr lang="en-US" sz="4800" b="1" dirty="0"/>
+              <a:t> vs per unit power</a:t>
+            </a:r>
+          </a:p>
+          <a:p>
+            <a:pPr marL="0" indent="0">
+              <a:buNone/>
+            </a:pPr>
+            <a:r>
+              <a:rPr lang="en-US" sz="4800" b="1" dirty="0"/>
+              <a:t>New </a:t>
+            </a:r>
+            <a:r>
+              <a:rPr lang="en-US" sz="4800" b="1" dirty="0" err="1"/>
+              <a:t>XYCurve.MyEff</a:t>
+            </a:r>
+            <a:r>
+              <a:rPr lang="en-US" sz="4800" b="1" dirty="0"/>
+              <a:t> </a:t>
+            </a:r>
+            <a:r>
+              <a:rPr lang="en-US" sz="4800" b="1" dirty="0" err="1"/>
+              <a:t>npts</a:t>
+            </a:r>
+            <a:r>
+              <a:rPr lang="en-US" sz="4800" b="1" dirty="0"/>
+              <a:t>=4  </a:t>
+            </a:r>
+            <a:r>
+              <a:rPr lang="en-US" sz="4800" b="1" dirty="0" err="1"/>
+              <a:t>xarray</a:t>
+            </a:r>
+            <a:r>
+              <a:rPr lang="en-US" sz="4800" b="1" dirty="0"/>
+              <a:t>=[.1  .2  .4  1.0]  </a:t>
+            </a:r>
+            <a:r>
+              <a:rPr lang="en-US" sz="4800" b="1" dirty="0" err="1"/>
+              <a:t>yarray</a:t>
+            </a:r>
+            <a:r>
+              <a:rPr lang="en-US" sz="4800" b="1" dirty="0"/>
+              <a:t>=[.86  .9  .93  .97]  </a:t>
+            </a:r>
+          </a:p>
+          <a:p>
+            <a:pPr marL="0" indent="0">
+              <a:buNone/>
+            </a:pPr>
+            <a:r>
+              <a:rPr lang="en-US" sz="4800" b="1" dirty="0"/>
+              <a:t> </a:t>
+            </a:r>
+          </a:p>
+          <a:p>
+            <a:pPr marL="0" indent="0">
+              <a:buNone/>
+            </a:pPr>
+            <a:r>
+              <a:rPr lang="en-US" sz="4800" b="1" dirty="0"/>
+              <a:t>// per unit irradiance curve (per unit if "irradiance" property)</a:t>
+            </a:r>
+          </a:p>
+          <a:p>
+            <a:pPr marL="0" indent="0">
+              <a:buNone/>
+            </a:pPr>
+            <a:r>
+              <a:rPr lang="en-US" sz="4800" b="1" dirty="0"/>
+              <a:t>New </a:t>
+            </a:r>
+            <a:r>
+              <a:rPr lang="en-US" sz="4800" b="1" dirty="0" err="1"/>
+              <a:t>Loadshape.MyIrrad</a:t>
+            </a:r>
+            <a:r>
+              <a:rPr lang="en-US" sz="4800" b="1" dirty="0"/>
+              <a:t> </a:t>
+            </a:r>
+            <a:r>
+              <a:rPr lang="en-US" sz="4800" b="1" dirty="0" err="1"/>
+              <a:t>npts</a:t>
+            </a:r>
+            <a:r>
+              <a:rPr lang="en-US" sz="4800" b="1" dirty="0"/>
+              <a:t>=24 interval=1 </a:t>
+            </a:r>
+            <a:r>
+              <a:rPr lang="en-US" sz="4800" b="1" dirty="0" err="1"/>
+              <a:t>mult</a:t>
+            </a:r>
+            <a:r>
+              <a:rPr lang="en-US" sz="4800" b="1" dirty="0"/>
+              <a:t>=[0 0 0 0 0 0 .1 .2 .3  .5  .8  .9  1.0  1.0  .99  .9  .7  .4  .1 0  0  0  0  0]</a:t>
+            </a:r>
+          </a:p>
+          <a:p>
+            <a:pPr marL="0" indent="0">
+              <a:buNone/>
+            </a:pPr>
+            <a:r>
+              <a:rPr lang="en-US" sz="4800" b="1" dirty="0"/>
+              <a:t> </a:t>
+            </a:r>
+          </a:p>
+          <a:p>
+            <a:pPr marL="0" indent="0">
+              <a:buNone/>
+            </a:pPr>
+            <a:r>
+              <a:rPr lang="en-US" sz="4800" b="1" dirty="0"/>
+              <a:t>// 24-hr temp shape curve</a:t>
+            </a:r>
+          </a:p>
+          <a:p>
+            <a:pPr marL="0" indent="0">
+              <a:buNone/>
+            </a:pPr>
+            <a:r>
+              <a:rPr lang="en-US" sz="4800" b="1" dirty="0"/>
+              <a:t>New </a:t>
+            </a:r>
+            <a:r>
+              <a:rPr lang="en-US" sz="4800" b="1" dirty="0" err="1"/>
+              <a:t>Tshape.MyTemp</a:t>
+            </a:r>
+            <a:r>
+              <a:rPr lang="en-US" sz="4800" b="1" dirty="0"/>
+              <a:t> </a:t>
+            </a:r>
+            <a:r>
+              <a:rPr lang="en-US" sz="4800" b="1" dirty="0" err="1"/>
+              <a:t>npts</a:t>
+            </a:r>
+            <a:r>
+              <a:rPr lang="en-US" sz="4800" b="1" dirty="0"/>
+              <a:t>=24 interval=1 temp=[25, 25, 25, 25, 25, 25, 25, 25, 35, 40, 45, 50  60 60  55 40  35  30  25 25 25 25 25 25]</a:t>
+            </a:r>
+          </a:p>
+          <a:p>
+            <a:pPr marL="0" indent="0">
+              <a:buNone/>
+            </a:pPr>
+            <a:r>
+              <a:rPr lang="en-US" sz="4800" b="1" dirty="0"/>
+              <a:t> </a:t>
+            </a:r>
+          </a:p>
+          <a:p>
+            <a:pPr marL="0" indent="0">
+              <a:buNone/>
+            </a:pPr>
+            <a:r>
+              <a:rPr lang="en-US" sz="4800" b="1" dirty="0"/>
+              <a:t>// **** plot </a:t>
+            </a:r>
+            <a:r>
+              <a:rPr lang="en-US" sz="4800" b="1" dirty="0" err="1"/>
+              <a:t>tshape</a:t>
+            </a:r>
+            <a:r>
+              <a:rPr lang="en-US" sz="4800" b="1" dirty="0"/>
+              <a:t> object=</a:t>
+            </a:r>
+            <a:r>
+              <a:rPr lang="en-US" sz="4800" b="1" dirty="0" err="1"/>
+              <a:t>mytemp</a:t>
+            </a:r>
+            <a:endParaRPr lang="en-US" sz="4800" b="1" dirty="0"/>
+          </a:p>
+          <a:p>
+            <a:pPr marL="0" indent="0">
+              <a:buNone/>
+            </a:pPr>
+            <a:r>
+              <a:rPr lang="en-US" sz="4800" b="1" dirty="0"/>
+              <a:t> </a:t>
+            </a:r>
+          </a:p>
+          <a:p>
+            <a:pPr marL="0" indent="0">
+              <a:buNone/>
+            </a:pPr>
+            <a:r>
+              <a:rPr lang="en-US" sz="4800" b="1" dirty="0"/>
+              <a:t>// take the default line</a:t>
+            </a:r>
+          </a:p>
+          <a:p>
+            <a:pPr marL="0" indent="0">
+              <a:buNone/>
+            </a:pPr>
+            <a:r>
+              <a:rPr lang="en-US" sz="4800" b="1" dirty="0"/>
+              <a:t>New Line.line1 Bus1=</a:t>
+            </a:r>
+            <a:r>
+              <a:rPr lang="en-US" sz="4800" b="1" dirty="0" err="1"/>
+              <a:t>sourcebus</a:t>
+            </a:r>
+            <a:r>
+              <a:rPr lang="en-US" sz="4800" b="1" dirty="0"/>
+              <a:t> bus2=</a:t>
+            </a:r>
+            <a:r>
+              <a:rPr lang="en-US" sz="4800" b="1" dirty="0" err="1"/>
+              <a:t>PVbus</a:t>
+            </a:r>
+            <a:r>
+              <a:rPr lang="en-US" sz="4800" b="1" dirty="0"/>
+              <a:t>  Length=2</a:t>
+            </a:r>
+          </a:p>
+          <a:p>
+            <a:pPr marL="0" indent="0">
+              <a:buNone/>
+            </a:pPr>
+            <a:r>
+              <a:rPr lang="en-US" sz="4800" b="1" dirty="0"/>
+              <a:t> </a:t>
+            </a:r>
           </a:p>
         </p:txBody>
       </p:sp>
     </p:spTree>
     <p:extLst>
       <p:ext uri="{BB962C8B-B14F-4D97-AF65-F5344CB8AC3E}">
-        <p14:creationId xmlns:p14="http://schemas.microsoft.com/office/powerpoint/2010/main" val="1297364967"/>
+        <p14:creationId xmlns:p14="http://schemas.microsoft.com/office/powerpoint/2010/main" val="1543134679"/>
       </p:ext>
     </p:extLst>
   </p:cSld>
@@ -15119,7 +15106,7 @@
             <a:pPr eaLnBrk="1" hangingPunct="1"/>
             <a:r>
               <a:rPr lang="en-US" altLang="en-US" dirty="0"/>
-              <a:t>Example Script</a:t>
+              <a:t>Example Script (cont’d)</a:t>
             </a:r>
           </a:p>
         </p:txBody>
@@ -15144,10 +15131,132 @@
             <a:pPr marL="0" indent="0">
               <a:buNone/>
             </a:pPr>
-            <a:r>
-              <a:rPr lang="en-US" sz="4800" b="1" dirty="0"/>
-              <a:t>clear</a:t>
-            </a:r>
+            <a:endParaRPr lang="en-US" sz="4800" b="1" dirty="0"/>
+          </a:p>
+          <a:p>
+            <a:pPr marL="0" indent="0">
+              <a:buNone/>
+            </a:pPr>
+            <a:r>
+              <a:rPr lang="en-US" sz="6400" b="1" dirty="0"/>
+              <a:t>! PV definition</a:t>
+            </a:r>
+          </a:p>
+          <a:p>
+            <a:pPr marL="0" indent="0">
+              <a:buNone/>
+            </a:pPr>
+            <a:r>
+              <a:rPr lang="en-US" sz="6400" b="1" dirty="0"/>
+              <a:t>New </a:t>
+            </a:r>
+            <a:r>
+              <a:rPr lang="en-US" sz="6400" b="1" dirty="0" err="1"/>
+              <a:t>PVSystem.PV</a:t>
+            </a:r>
+            <a:r>
+              <a:rPr lang="en-US" sz="6400" b="1" dirty="0"/>
+              <a:t> phases=3 bus1=</a:t>
+            </a:r>
+            <a:r>
+              <a:rPr lang="en-US" sz="6400" b="1" dirty="0" err="1"/>
+              <a:t>PVbus</a:t>
+            </a:r>
+            <a:r>
+              <a:rPr lang="en-US" sz="6400" b="1" dirty="0"/>
+              <a:t> kV=12.47  kVA=500  </a:t>
+            </a:r>
+            <a:r>
+              <a:rPr lang="en-US" sz="6400" b="1" dirty="0" err="1"/>
+              <a:t>irrad</a:t>
+            </a:r>
+            <a:r>
+              <a:rPr lang="en-US" sz="6400" b="1" dirty="0"/>
+              <a:t>=0.8  </a:t>
+            </a:r>
+            <a:r>
+              <a:rPr lang="en-US" sz="6400" b="1" dirty="0" err="1"/>
+              <a:t>Pmpp</a:t>
+            </a:r>
+            <a:r>
+              <a:rPr lang="en-US" sz="6400" b="1" dirty="0"/>
+              <a:t>=500 </a:t>
+            </a:r>
+          </a:p>
+          <a:p>
+            <a:pPr marL="0" indent="0">
+              <a:buNone/>
+            </a:pPr>
+            <a:r>
+              <a:rPr lang="en-US" sz="6400" b="1" dirty="0"/>
+              <a:t>~ temperature=25 PF=1  </a:t>
+            </a:r>
+            <a:r>
+              <a:rPr lang="en-US" sz="6400" b="1" dirty="0" err="1"/>
+              <a:t>effcurve</a:t>
+            </a:r>
+            <a:r>
+              <a:rPr lang="en-US" sz="6400" b="1" dirty="0"/>
+              <a:t>=</a:t>
+            </a:r>
+            <a:r>
+              <a:rPr lang="en-US" sz="6400" b="1" dirty="0" err="1"/>
+              <a:t>Myeff</a:t>
+            </a:r>
+            <a:r>
+              <a:rPr lang="en-US" sz="6400" b="1" dirty="0"/>
+              <a:t>  P-</a:t>
+            </a:r>
+            <a:r>
+              <a:rPr lang="en-US" sz="6400" b="1" dirty="0" err="1"/>
+              <a:t>TCurve</a:t>
+            </a:r>
+            <a:r>
+              <a:rPr lang="en-US" sz="6400" b="1" dirty="0"/>
+              <a:t>=</a:t>
+            </a:r>
+            <a:r>
+              <a:rPr lang="en-US" sz="6400" b="1" dirty="0" err="1"/>
+              <a:t>MyPvsT</a:t>
+            </a:r>
+            <a:r>
+              <a:rPr lang="en-US" sz="6400" b="1" dirty="0"/>
+              <a:t> </a:t>
+            </a:r>
+          </a:p>
+          <a:p>
+            <a:pPr marL="0" indent="0">
+              <a:buNone/>
+            </a:pPr>
+            <a:r>
+              <a:rPr lang="en-US" sz="6400" b="1" dirty="0"/>
+              <a:t>~ Daily=</a:t>
+            </a:r>
+            <a:r>
+              <a:rPr lang="en-US" sz="6400" b="1" dirty="0" err="1"/>
+              <a:t>MyIrrad</a:t>
+            </a:r>
+            <a:r>
+              <a:rPr lang="en-US" sz="6400" b="1" dirty="0"/>
+              <a:t>  </a:t>
+            </a:r>
+            <a:r>
+              <a:rPr lang="en-US" sz="6400" b="1" dirty="0" err="1"/>
+              <a:t>TDaily</a:t>
+            </a:r>
+            <a:r>
+              <a:rPr lang="en-US" sz="6400" b="1" dirty="0"/>
+              <a:t>=</a:t>
+            </a:r>
+            <a:r>
+              <a:rPr lang="en-US" sz="6400" b="1" dirty="0" err="1"/>
+              <a:t>MyTemp</a:t>
+            </a:r>
+            <a:r>
+              <a:rPr lang="en-US" sz="6400" b="1" dirty="0"/>
+              <a:t> </a:t>
+            </a:r>
+            <a:endParaRPr lang="en-US" sz="4800" b="1" dirty="0"/>
           </a:p>
           <a:p>
             <a:pPr marL="0" indent="0">
@@ -15164,24 +15273,26 @@
             </a:pPr>
             <a:r>
               <a:rPr lang="en-US" sz="4800" b="1" dirty="0"/>
-              <a:t>New </a:t>
+              <a:t>set </a:t>
             </a:r>
             <a:r>
               <a:rPr lang="en-US" sz="4800" b="1" dirty="0" err="1"/>
-              <a:t>Circuit.PVSystem</a:t>
+              <a:t>voltagebases</a:t>
             </a:r>
             <a:r>
               <a:rPr lang="en-US" sz="4800" b="1" dirty="0"/>
-              <a:t>  </a:t>
-            </a:r>
+              <a:t>=[12.47]</a:t>
+            </a:r>
+          </a:p>
+          <a:p>
+            <a:pPr marL="0" indent="0">
+              <a:buNone/>
+            </a:pPr>
             <a:r>
               <a:rPr lang="en-US" sz="4800" b="1" dirty="0" err="1"/>
-              <a:t>basekv</a:t>
-            </a:r>
-            <a:r>
-              <a:rPr lang="en-US" sz="4800" b="1" dirty="0"/>
-              <a:t>=12.47  Isc3=1000 Isc1=900</a:t>
-            </a:r>
+              <a:t>calcv</a:t>
+            </a:r>
+            <a:endParaRPr lang="en-US" sz="4800" b="1" dirty="0"/>
           </a:p>
           <a:p>
             <a:pPr marL="0" indent="0">
@@ -15198,78 +15309,7 @@
             </a:pPr>
             <a:r>
               <a:rPr lang="en-US" sz="4800" b="1" dirty="0"/>
-              <a:t>// P-T curve is per unit of rated </a:t>
-            </a:r>
-            <a:r>
-              <a:rPr lang="en-US" sz="4800" b="1" dirty="0" err="1"/>
-              <a:t>Pmpp</a:t>
-            </a:r>
-            <a:r>
-              <a:rPr lang="en-US" sz="4800" b="1" dirty="0"/>
-              <a:t> vs temperature</a:t>
-            </a:r>
-          </a:p>
-          <a:p>
-            <a:pPr marL="0" indent="0">
-              <a:buNone/>
-            </a:pPr>
-            <a:r>
-              <a:rPr lang="en-US" sz="4800" b="1" dirty="0"/>
-              <a:t>// This one is for a </a:t>
-            </a:r>
-            <a:r>
-              <a:rPr lang="en-US" sz="4800" b="1" dirty="0" err="1"/>
-              <a:t>Pmpp</a:t>
-            </a:r>
-            <a:r>
-              <a:rPr lang="en-US" sz="4800" b="1" dirty="0"/>
-              <a:t> stated at 25 </a:t>
-            </a:r>
-            <a:r>
-              <a:rPr lang="en-US" sz="4800" b="1" dirty="0" err="1"/>
-              <a:t>deg</a:t>
-            </a:r>
-            <a:endParaRPr lang="en-US" sz="4800" b="1" dirty="0"/>
-          </a:p>
-          <a:p>
-            <a:pPr marL="0" indent="0">
-              <a:buNone/>
-            </a:pPr>
-            <a:r>
-              <a:rPr lang="en-US" sz="4800" b="1" dirty="0"/>
-              <a:t>New </a:t>
-            </a:r>
-            <a:r>
-              <a:rPr lang="en-US" sz="4800" b="1" dirty="0" err="1"/>
-              <a:t>XYCurve.MyPvsT</a:t>
-            </a:r>
-            <a:r>
-              <a:rPr lang="en-US" sz="4800" b="1" dirty="0"/>
-              <a:t> </a:t>
-            </a:r>
-            <a:r>
-              <a:rPr lang="en-US" sz="4800" b="1" dirty="0" err="1"/>
-              <a:t>npts</a:t>
-            </a:r>
-            <a:r>
-              <a:rPr lang="en-US" sz="4800" b="1" dirty="0"/>
-              <a:t>=4  </a:t>
-            </a:r>
-            <a:r>
-              <a:rPr lang="en-US" sz="4800" b="1" dirty="0" err="1"/>
-              <a:t>xarray</a:t>
-            </a:r>
-            <a:r>
-              <a:rPr lang="en-US" sz="4800" b="1" dirty="0"/>
-              <a:t>=[0  25  75  100]  </a:t>
-            </a:r>
-            <a:r>
-              <a:rPr lang="en-US" sz="4800" b="1" dirty="0" err="1"/>
-              <a:t>yarray</a:t>
-            </a:r>
-            <a:r>
-              <a:rPr lang="en-US" sz="4800" b="1" dirty="0"/>
-              <a:t>=[1.2 1.0 0.8  0.6] </a:t>
+              <a:t>solve  ! solves at the specified irradiance and temperature</a:t>
             </a:r>
           </a:p>
           <a:p>
@@ -15287,56 +15327,40 @@
             </a:pPr>
             <a:r>
               <a:rPr lang="en-US" sz="4800" b="1" dirty="0"/>
-              <a:t>// efficiency curve is per unit </a:t>
+              <a:t>new monitor.m1 </a:t>
             </a:r>
             <a:r>
               <a:rPr lang="en-US" sz="4800" b="1" dirty="0" err="1"/>
-              <a:t>eff</a:t>
+              <a:t>PVSystem.PV</a:t>
             </a:r>
             <a:r>
               <a:rPr lang="en-US" sz="4800" b="1" dirty="0"/>
-              <a:t> vs per unit power</a:t>
-            </a:r>
-          </a:p>
-          <a:p>
-            <a:pPr marL="0" indent="0">
-              <a:buNone/>
-            </a:pPr>
+              <a:t>  1 mode=1 </a:t>
+            </a:r>
+            <a:r>
+              <a:rPr lang="en-US" sz="4800" b="1" dirty="0" err="1"/>
+              <a:t>ppolar</a:t>
+            </a:r>
             <a:r>
               <a:rPr lang="en-US" sz="4800" b="1" dirty="0"/>
-              <a:t>New </a:t>
+              <a:t>=no</a:t>
+            </a:r>
+          </a:p>
+          <a:p>
+            <a:pPr marL="0" indent="0">
+              <a:buNone/>
+            </a:pPr>
+            <a:r>
+              <a:rPr lang="en-US" sz="4800" b="1" dirty="0"/>
+              <a:t>new monitor.m2 </a:t>
             </a:r>
             <a:r>
               <a:rPr lang="en-US" sz="4800" b="1" dirty="0" err="1"/>
-              <a:t>XYCurve.MyEff</a:t>
+              <a:t>PVSystem.PV</a:t>
             </a:r>
             <a:r>
               <a:rPr lang="en-US" sz="4800" b="1" dirty="0"/>
-              <a:t> </a:t>
-            </a:r>
-            <a:r>
-              <a:rPr lang="en-US" sz="4800" b="1" dirty="0" err="1"/>
-              <a:t>npts</a:t>
-            </a:r>
-            <a:r>
-              <a:rPr lang="en-US" sz="4800" b="1" dirty="0"/>
-              <a:t>=4  </a:t>
-            </a:r>
-            <a:r>
-              <a:rPr lang="en-US" sz="4800" b="1" dirty="0" err="1"/>
-              <a:t>xarray</a:t>
-            </a:r>
-            <a:r>
-              <a:rPr lang="en-US" sz="4800" b="1" dirty="0"/>
-              <a:t>=[.1  .2  .4  1.0]  </a:t>
-            </a:r>
-            <a:r>
-              <a:rPr lang="en-US" sz="4800" b="1" dirty="0" err="1"/>
-              <a:t>yarray</a:t>
-            </a:r>
-            <a:r>
-              <a:rPr lang="en-US" sz="4800" b="1" dirty="0"/>
-              <a:t>=[.86  .9  .93  .97]  </a:t>
+              <a:t>  1 </a:t>
             </a:r>
           </a:p>
           <a:p>
@@ -15354,7 +15378,7 @@
             </a:pPr>
             <a:r>
               <a:rPr lang="en-US" sz="4800" b="1" dirty="0"/>
-              <a:t>// per unit irradiance curve (per unit if "irradiance" property)</a:t>
+              <a:t>solve</a:t>
             </a:r>
           </a:p>
           <a:p>
@@ -15363,31 +15387,7 @@
             </a:pPr>
             <a:r>
               <a:rPr lang="en-US" sz="4800" b="1" dirty="0"/>
-              <a:t>New </a:t>
-            </a:r>
-            <a:r>
-              <a:rPr lang="en-US" sz="4800" b="1" dirty="0" err="1"/>
-              <a:t>Loadshape.MyIrrad</a:t>
-            </a:r>
-            <a:r>
-              <a:rPr lang="en-US" sz="4800" b="1" dirty="0"/>
-              <a:t> </a:t>
-            </a:r>
-            <a:r>
-              <a:rPr lang="en-US" sz="4800" b="1" dirty="0" err="1"/>
-              <a:t>npts</a:t>
-            </a:r>
-            <a:r>
-              <a:rPr lang="en-US" sz="4800" b="1" dirty="0"/>
-              <a:t>=24 interval=1 </a:t>
-            </a:r>
-            <a:r>
-              <a:rPr lang="en-US" sz="4800" b="1" dirty="0" err="1"/>
-              <a:t>mult</a:t>
-            </a:r>
-            <a:r>
-              <a:rPr lang="en-US" sz="4800" b="1" dirty="0"/>
-              <a:t>=[0 0 0 0 0 0 .1 .2 .3  .5  .8  .9  1.0  1.0  .99  .9  .7  .4  .1 0  0  0  0  0]</a:t>
+              <a:t>solve mode=daily</a:t>
             </a:r>
           </a:p>
           <a:p>
@@ -15405,7 +15405,7 @@
             </a:pPr>
             <a:r>
               <a:rPr lang="en-US" sz="4800" b="1" dirty="0"/>
-              <a:t>// 24-hr temp shape curve</a:t>
+              <a:t>show mon m1</a:t>
             </a:r>
           </a:p>
           <a:p>
@@ -15414,23 +15414,7 @@
             </a:pPr>
             <a:r>
               <a:rPr lang="en-US" sz="4800" b="1" dirty="0"/>
-              <a:t>New </a:t>
-            </a:r>
-            <a:r>
-              <a:rPr lang="en-US" sz="4800" b="1" dirty="0" err="1"/>
-              <a:t>Tshape.MyTemp</a:t>
-            </a:r>
-            <a:r>
-              <a:rPr lang="en-US" sz="4800" b="1" dirty="0"/>
-              <a:t> </a:t>
-            </a:r>
-            <a:r>
-              <a:rPr lang="en-US" sz="4800" b="1" dirty="0" err="1"/>
-              <a:t>npts</a:t>
-            </a:r>
-            <a:r>
-              <a:rPr lang="en-US" sz="4800" b="1" dirty="0"/>
-              <a:t>=24 interval=1 temp=[25, 25, 25, 25, 25, 25, 25, 25, 35, 40, 45, 50  60 60  55 40  35  30  25 25 25 25 25 25]</a:t>
+              <a:t>show mon m2</a:t>
             </a:r>
           </a:p>
           <a:p>
@@ -15446,82 +15430,14 @@
             <a:pPr marL="0" indent="0">
               <a:buNone/>
             </a:pPr>
-            <a:r>
-              <a:rPr lang="en-US" sz="4800" b="1" dirty="0"/>
-              <a:t>// **** plot </a:t>
-            </a:r>
-            <a:r>
-              <a:rPr lang="en-US" sz="4800" b="1" dirty="0" err="1"/>
-              <a:t>tshape</a:t>
-            </a:r>
-            <a:r>
-              <a:rPr lang="en-US" sz="4800" b="1" dirty="0"/>
-              <a:t> object=</a:t>
-            </a:r>
-            <a:r>
-              <a:rPr lang="en-US" sz="4800" b="1" dirty="0" err="1"/>
-              <a:t>mytemp</a:t>
-            </a:r>
-            <a:endParaRPr lang="en-US" sz="4800" b="1" dirty="0"/>
-          </a:p>
-          <a:p>
-            <a:pPr marL="0" indent="0">
-              <a:buNone/>
-            </a:pPr>
-            <a:r>
-              <a:rPr lang="en-US" sz="4800" b="1" dirty="0"/>
-              <a:t> </a:t>
-            </a:r>
-          </a:p>
-          <a:p>
-            <a:pPr marL="0" indent="0">
-              <a:buNone/>
-            </a:pPr>
-            <a:r>
-              <a:rPr lang="en-US" sz="4800" b="1" dirty="0"/>
-              <a:t>// take the default line</a:t>
-            </a:r>
-          </a:p>
-          <a:p>
-            <a:pPr marL="0" indent="0">
-              <a:buNone/>
-            </a:pPr>
-            <a:r>
-              <a:rPr lang="en-US" sz="4800" b="1" dirty="0"/>
-              <a:t>New Line.line1 Bus1=</a:t>
-            </a:r>
-            <a:r>
-              <a:rPr lang="en-US" sz="4800" b="1" dirty="0" err="1"/>
-              <a:t>sourcebus</a:t>
-            </a:r>
-            <a:r>
-              <a:rPr lang="en-US" sz="4800" b="1" dirty="0"/>
-              <a:t> bus2=</a:t>
-            </a:r>
-            <a:r>
-              <a:rPr lang="en-US" sz="4800" b="1" dirty="0" err="1"/>
-              <a:t>PVbus</a:t>
-            </a:r>
-            <a:r>
-              <a:rPr lang="en-US" sz="4800" b="1" dirty="0"/>
-              <a:t>  Length=2</a:t>
-            </a:r>
-          </a:p>
-          <a:p>
-            <a:pPr marL="0" indent="0">
-              <a:buNone/>
-            </a:pPr>
-            <a:r>
-              <a:rPr lang="en-US" sz="4800" b="1" dirty="0"/>
-              <a:t> </a:t>
-            </a:r>
+            <a:endParaRPr lang="en-US" altLang="en-US" sz="1200" dirty="0"/>
           </a:p>
         </p:txBody>
       </p:sp>
     </p:spTree>
     <p:extLst>
       <p:ext uri="{BB962C8B-B14F-4D97-AF65-F5344CB8AC3E}">
-        <p14:creationId xmlns:p14="http://schemas.microsoft.com/office/powerpoint/2010/main" val="1543134679"/>
+        <p14:creationId xmlns:p14="http://schemas.microsoft.com/office/powerpoint/2010/main" val="3818001409"/>
       </p:ext>
     </p:extLst>
   </p:cSld>
@@ -15584,320 +15500,70 @@
         <p:spPr/>
         <p:txBody>
           <a:bodyPr>
-            <a:normAutofit fontScale="25000" lnSpcReduction="20000"/>
+            <a:normAutofit/>
           </a:bodyPr>
           <a:lstStyle/>
           <a:p>
             <a:pPr marL="0" indent="0">
               <a:buNone/>
             </a:pPr>
-            <a:endParaRPr lang="en-US" sz="4800" b="1" dirty="0"/>
-          </a:p>
-          <a:p>
-            <a:pPr marL="0" indent="0">
-              <a:buNone/>
-            </a:pPr>
-            <a:r>
-              <a:rPr lang="en-US" sz="6400" b="1" dirty="0"/>
-              <a:t>! PV definition</a:t>
-            </a:r>
-          </a:p>
-          <a:p>
-            <a:pPr marL="0" indent="0">
-              <a:buNone/>
-            </a:pPr>
-            <a:r>
-              <a:rPr lang="en-US" sz="6400" b="1" dirty="0"/>
-              <a:t>New </a:t>
-            </a:r>
-            <a:r>
-              <a:rPr lang="en-US" sz="6400" b="1" dirty="0" err="1"/>
-              <a:t>PVSystem.PV</a:t>
-            </a:r>
-            <a:r>
-              <a:rPr lang="en-US" sz="6400" b="1" dirty="0"/>
-              <a:t> phases=3 bus1=</a:t>
-            </a:r>
-            <a:r>
-              <a:rPr lang="en-US" sz="6400" b="1" dirty="0" err="1"/>
-              <a:t>PVbus</a:t>
-            </a:r>
-            <a:r>
-              <a:rPr lang="en-US" sz="6400" b="1" dirty="0"/>
-              <a:t> kV=12.47  kVA=500  </a:t>
-            </a:r>
-            <a:r>
-              <a:rPr lang="en-US" sz="6400" b="1" dirty="0" err="1"/>
-              <a:t>irrad</a:t>
-            </a:r>
-            <a:r>
-              <a:rPr lang="en-US" sz="6400" b="1" dirty="0"/>
-              <a:t>=0.8  </a:t>
-            </a:r>
-            <a:r>
-              <a:rPr lang="en-US" sz="6400" b="1" dirty="0" err="1"/>
-              <a:t>Pmpp</a:t>
-            </a:r>
-            <a:r>
-              <a:rPr lang="en-US" sz="6400" b="1" dirty="0"/>
-              <a:t>=500 </a:t>
-            </a:r>
-          </a:p>
-          <a:p>
-            <a:pPr marL="0" indent="0">
-              <a:buNone/>
-            </a:pPr>
-            <a:r>
-              <a:rPr lang="en-US" sz="6400" b="1" dirty="0"/>
-              <a:t>~ temperature=25 PF=1  </a:t>
-            </a:r>
-            <a:r>
-              <a:rPr lang="en-US" sz="6400" b="1" dirty="0" err="1"/>
-              <a:t>effcurve</a:t>
-            </a:r>
-            <a:r>
-              <a:rPr lang="en-US" sz="6400" b="1" dirty="0"/>
-              <a:t>=</a:t>
-            </a:r>
-            <a:r>
-              <a:rPr lang="en-US" sz="6400" b="1" dirty="0" err="1"/>
-              <a:t>Myeff</a:t>
-            </a:r>
-            <a:r>
-              <a:rPr lang="en-US" sz="6400" b="1" dirty="0"/>
-              <a:t>  P-</a:t>
-            </a:r>
-            <a:r>
-              <a:rPr lang="en-US" sz="6400" b="1" dirty="0" err="1"/>
-              <a:t>TCurve</a:t>
-            </a:r>
-            <a:r>
-              <a:rPr lang="en-US" sz="6400" b="1" dirty="0"/>
-              <a:t>=</a:t>
-            </a:r>
-            <a:r>
-              <a:rPr lang="en-US" sz="6400" b="1" dirty="0" err="1"/>
-              <a:t>MyPvsT</a:t>
-            </a:r>
-            <a:r>
-              <a:rPr lang="en-US" sz="6400" b="1" dirty="0"/>
-              <a:t> </a:t>
-            </a:r>
-          </a:p>
-          <a:p>
-            <a:pPr marL="0" indent="0">
-              <a:buNone/>
-            </a:pPr>
-            <a:r>
-              <a:rPr lang="en-US" sz="6400" b="1" dirty="0"/>
-              <a:t>~ Daily=</a:t>
-            </a:r>
-            <a:r>
-              <a:rPr lang="en-US" sz="6400" b="1" dirty="0" err="1"/>
-              <a:t>MyIrrad</a:t>
-            </a:r>
-            <a:r>
-              <a:rPr lang="en-US" sz="6400" b="1" dirty="0"/>
-              <a:t>  </a:t>
-            </a:r>
-            <a:r>
-              <a:rPr lang="en-US" sz="6400" b="1" dirty="0" err="1"/>
-              <a:t>TDaily</a:t>
-            </a:r>
-            <a:r>
-              <a:rPr lang="en-US" sz="6400" b="1" dirty="0"/>
-              <a:t>=</a:t>
-            </a:r>
-            <a:r>
-              <a:rPr lang="en-US" sz="6400" b="1" dirty="0" err="1"/>
-              <a:t>MyTemp</a:t>
-            </a:r>
-            <a:r>
-              <a:rPr lang="en-US" sz="6400" b="1" dirty="0"/>
-              <a:t> </a:t>
-            </a:r>
-            <a:endParaRPr lang="en-US" sz="4800" b="1" dirty="0"/>
-          </a:p>
-          <a:p>
-            <a:pPr marL="0" indent="0">
-              <a:buNone/>
-            </a:pPr>
-            <a:r>
-              <a:rPr lang="en-US" sz="4800" b="1" dirty="0"/>
-              <a:t> </a:t>
-            </a:r>
-          </a:p>
-          <a:p>
-            <a:pPr marL="0" indent="0">
-              <a:buNone/>
-            </a:pPr>
-            <a:r>
-              <a:rPr lang="en-US" sz="4800" b="1" dirty="0"/>
-              <a:t>set </a:t>
-            </a:r>
-            <a:r>
-              <a:rPr lang="en-US" sz="4800" b="1" dirty="0" err="1"/>
-              <a:t>voltagebases</a:t>
-            </a:r>
-            <a:r>
-              <a:rPr lang="en-US" sz="4800" b="1" dirty="0"/>
-              <a:t>=[12.47]</a:t>
-            </a:r>
-          </a:p>
-          <a:p>
-            <a:pPr marL="0" indent="0">
-              <a:buNone/>
-            </a:pPr>
-            <a:r>
-              <a:rPr lang="en-US" sz="4800" b="1" dirty="0" err="1"/>
-              <a:t>calcv</a:t>
-            </a:r>
-            <a:endParaRPr lang="en-US" sz="4800" b="1" dirty="0"/>
-          </a:p>
-          <a:p>
-            <a:pPr marL="0" indent="0">
-              <a:buNone/>
-            </a:pPr>
-            <a:r>
-              <a:rPr lang="en-US" sz="4800" b="1" dirty="0"/>
-              <a:t> </a:t>
-            </a:r>
-          </a:p>
-          <a:p>
-            <a:pPr marL="0" indent="0">
-              <a:buNone/>
-            </a:pPr>
-            <a:r>
-              <a:rPr lang="en-US" sz="4800" b="1" dirty="0"/>
-              <a:t>solve  ! solves at the specified irradiance and temperature</a:t>
-            </a:r>
-          </a:p>
-          <a:p>
-            <a:pPr marL="0" indent="0">
-              <a:buNone/>
-            </a:pPr>
-            <a:r>
-              <a:rPr lang="en-US" sz="4800" b="1" dirty="0"/>
-              <a:t> </a:t>
-            </a:r>
-          </a:p>
-          <a:p>
-            <a:pPr marL="0" indent="0">
-              <a:buNone/>
-            </a:pPr>
-            <a:r>
-              <a:rPr lang="en-US" sz="4800" b="1" dirty="0"/>
-              <a:t>new monitor.m1 </a:t>
-            </a:r>
-            <a:r>
-              <a:rPr lang="en-US" sz="4800" b="1" dirty="0" err="1"/>
-              <a:t>PVSystem.PV</a:t>
-            </a:r>
-            <a:r>
-              <a:rPr lang="en-US" sz="4800" b="1" dirty="0"/>
-              <a:t>  1 mode=1 </a:t>
-            </a:r>
-            <a:r>
-              <a:rPr lang="en-US" sz="4800" b="1" dirty="0" err="1"/>
-              <a:t>ppolar</a:t>
-            </a:r>
-            <a:r>
-              <a:rPr lang="en-US" sz="4800" b="1" dirty="0"/>
-              <a:t>=no</a:t>
-            </a:r>
-          </a:p>
-          <a:p>
-            <a:pPr marL="0" indent="0">
-              <a:buNone/>
-            </a:pPr>
-            <a:r>
-              <a:rPr lang="en-US" sz="4800" b="1" dirty="0"/>
-              <a:t>new monitor.m2 </a:t>
-            </a:r>
-            <a:r>
-              <a:rPr lang="en-US" sz="4800" b="1" dirty="0" err="1"/>
-              <a:t>PVSystem.PV</a:t>
-            </a:r>
-            <a:r>
-              <a:rPr lang="en-US" sz="4800" b="1" dirty="0"/>
-              <a:t>  1 </a:t>
-            </a:r>
-          </a:p>
-          <a:p>
-            <a:pPr marL="0" indent="0">
-              <a:buNone/>
-            </a:pPr>
-            <a:r>
-              <a:rPr lang="en-US" sz="4800" b="1" dirty="0"/>
-              <a:t> </a:t>
-            </a:r>
-          </a:p>
-          <a:p>
-            <a:pPr marL="0" indent="0">
-              <a:buNone/>
-            </a:pPr>
-            <a:r>
-              <a:rPr lang="en-US" sz="4800" b="1" dirty="0"/>
-              <a:t>solve</a:t>
-            </a:r>
-          </a:p>
-          <a:p>
-            <a:pPr marL="0" indent="0">
-              <a:buNone/>
-            </a:pPr>
-            <a:r>
-              <a:rPr lang="en-US" sz="4800" b="1" dirty="0"/>
-              <a:t>solve mode=daily</a:t>
-            </a:r>
-          </a:p>
-          <a:p>
-            <a:pPr marL="0" indent="0">
-              <a:buNone/>
-            </a:pPr>
-            <a:r>
-              <a:rPr lang="en-US" sz="4800" b="1" dirty="0"/>
-              <a:t> </a:t>
-            </a:r>
-          </a:p>
-          <a:p>
-            <a:pPr marL="0" indent="0">
-              <a:buNone/>
-            </a:pPr>
-            <a:r>
-              <a:rPr lang="en-US" sz="4800" b="1" dirty="0"/>
-              <a:t>show mon m1</a:t>
-            </a:r>
-          </a:p>
-          <a:p>
-            <a:pPr marL="0" indent="0">
-              <a:buNone/>
-            </a:pPr>
-            <a:r>
-              <a:rPr lang="en-US" sz="4800" b="1" dirty="0"/>
-              <a:t>show mon m2</a:t>
-            </a:r>
-          </a:p>
-          <a:p>
-            <a:pPr marL="0" indent="0">
-              <a:buNone/>
-            </a:pPr>
-            <a:r>
-              <a:rPr lang="en-US" sz="4800" b="1" dirty="0"/>
-              <a:t> </a:t>
-            </a:r>
-          </a:p>
-          <a:p>
-            <a:pPr marL="0" indent="0">
-              <a:buNone/>
-            </a:pPr>
-            <a:endParaRPr lang="en-US" altLang="en-US" sz="1200" dirty="0"/>
+            <a:r>
+              <a:rPr lang="en-US" sz="1200" b="1" dirty="0"/>
+              <a:t>Export monitors m1</a:t>
+            </a:r>
+          </a:p>
+          <a:p>
+            <a:pPr marL="0" indent="0">
+              <a:buNone/>
+            </a:pPr>
+            <a:r>
+              <a:rPr lang="en-US" sz="1200" b="1" dirty="0"/>
+              <a:t>Plot monitor object= m1 channels=(1 )</a:t>
+            </a:r>
+          </a:p>
+          <a:p>
+            <a:pPr marL="0" indent="0">
+              <a:buNone/>
+            </a:pPr>
+            <a:r>
+              <a:rPr lang="en-US" sz="1200" b="1" dirty="0"/>
+              <a:t>Export monitors m2</a:t>
+            </a:r>
+          </a:p>
+          <a:p>
+            <a:pPr marL="0" indent="0">
+              <a:buNone/>
+            </a:pPr>
+            <a:r>
+              <a:rPr lang="en-US" sz="1200" b="1" dirty="0"/>
+              <a:t>Plot monitor object= m2 channels=(1 ) base=[7200]</a:t>
+            </a:r>
+          </a:p>
+          <a:p>
+            <a:pPr marL="0" indent="0">
+              <a:buNone/>
+            </a:pPr>
+            <a:r>
+              <a:rPr lang="en-US" sz="1200" b="1" dirty="0"/>
+              <a:t>Export monitors m2</a:t>
+            </a:r>
+          </a:p>
+          <a:p>
+            <a:pPr marL="0" indent="0">
+              <a:buNone/>
+            </a:pPr>
+            <a:r>
+              <a:rPr lang="en-US" sz="1200" b="1" dirty="0"/>
+              <a:t>Plot monitor object= m2 channels=(9 )</a:t>
+            </a:r>
+            <a:endParaRPr lang="en-US" altLang="en-US" sz="1200" b="1" dirty="0"/>
           </a:p>
         </p:txBody>
       </p:sp>
     </p:spTree>
     <p:extLst>
       <p:ext uri="{BB962C8B-B14F-4D97-AF65-F5344CB8AC3E}">
-        <p14:creationId xmlns:p14="http://schemas.microsoft.com/office/powerpoint/2010/main" val="3818001409"/>
+        <p14:creationId xmlns:p14="http://schemas.microsoft.com/office/powerpoint/2010/main" val="3313543454"/>
       </p:ext>
     </p:extLst>
   </p:cSld>
@@ -15926,7 +15592,7 @@
       </p:grpSpPr>
       <p:sp>
         <p:nvSpPr>
-          <p:cNvPr id="15362" name="Rectangle 2"/>
+          <p:cNvPr id="187394" name="Rectangle 2"/>
           <p:cNvSpPr>
             <a:spLocks noGrp="1" noChangeArrowheads="1"/>
           </p:cNvSpPr>
@@ -15936,94 +15602,87 @@
         </p:nvSpPr>
         <p:spPr/>
         <p:txBody>
-          <a:bodyPr/>
+          <a:bodyPr>
+            <a:normAutofit fontScale="90000"/>
+          </a:bodyPr>
           <a:lstStyle/>
           <a:p>
-            <a:pPr eaLnBrk="1" hangingPunct="1"/>
-            <a:r>
-              <a:rPr lang="en-US" altLang="en-US" dirty="0"/>
-              <a:t>Example Script (cont’d)</a:t>
+            <a:r>
+              <a:rPr lang="en-US" dirty="0"/>
+              <a:t>Modeling PV Systems – Variability/Ramping – Single-Panel</a:t>
             </a:r>
           </a:p>
         </p:txBody>
       </p:sp>
       <p:sp>
         <p:nvSpPr>
-          <p:cNvPr id="15363" name="Rectangle 3"/>
+          <p:cNvPr id="187395" name="Rectangle 3"/>
           <p:cNvSpPr>
             <a:spLocks noGrp="1" noChangeArrowheads="1"/>
           </p:cNvSpPr>
           <p:nvPr>
-            <p:ph type="body" idx="1"/>
+            <p:ph idx="1"/>
           </p:nvPr>
         </p:nvSpPr>
         <p:spPr/>
         <p:txBody>
-          <a:bodyPr>
-            <a:normAutofit/>
-          </a:bodyPr>
+          <a:bodyPr/>
           <a:lstStyle/>
           <a:p>
-            <a:pPr marL="0" indent="0">
-              <a:buNone/>
-            </a:pPr>
-            <a:r>
-              <a:rPr lang="en-US" sz="1200" b="1" dirty="0"/>
-              <a:t>Export monitors m1</a:t>
-            </a:r>
-          </a:p>
-          <a:p>
-            <a:pPr marL="0" indent="0">
-              <a:buNone/>
-            </a:pPr>
-            <a:r>
-              <a:rPr lang="en-US" sz="1200" b="1" dirty="0"/>
-              <a:t>Plot monitor object= m1 channels=(1 )</a:t>
-            </a:r>
-          </a:p>
-          <a:p>
-            <a:pPr marL="0" indent="0">
-              <a:buNone/>
-            </a:pPr>
-            <a:r>
-              <a:rPr lang="en-US" sz="1200" b="1" dirty="0"/>
-              <a:t>Export monitors m2</a:t>
-            </a:r>
-          </a:p>
-          <a:p>
-            <a:pPr marL="0" indent="0">
-              <a:buNone/>
-            </a:pPr>
-            <a:r>
-              <a:rPr lang="en-US" sz="1200" b="1" dirty="0"/>
-              <a:t>Plot monitor object= m2 channels=(1 ) base=[7200]</a:t>
-            </a:r>
-          </a:p>
-          <a:p>
-            <a:pPr marL="0" indent="0">
-              <a:buNone/>
-            </a:pPr>
-            <a:r>
-              <a:rPr lang="en-US" sz="1200" b="1" dirty="0"/>
-              <a:t>Export monitors m2</a:t>
-            </a:r>
-          </a:p>
-          <a:p>
-            <a:pPr marL="0" indent="0">
-              <a:buNone/>
-            </a:pPr>
-            <a:r>
-              <a:rPr lang="en-US" sz="1200" b="1" dirty="0"/>
-              <a:t>Plot monitor object= m2 channels=(9 )</a:t>
-            </a:r>
-            <a:endParaRPr lang="en-US" altLang="en-US" sz="1200" b="1" dirty="0"/>
+            <a:pPr>
+              <a:spcAft>
+                <a:spcPct val="75000"/>
+              </a:spcAft>
+            </a:pPr>
+            <a:endParaRPr lang="en-US" dirty="0"/>
+          </a:p>
+          <a:p>
+            <a:pPr>
+              <a:spcAft>
+                <a:spcPct val="75000"/>
+              </a:spcAft>
+            </a:pPr>
+            <a:endParaRPr lang="en-US" dirty="0"/>
           </a:p>
         </p:txBody>
       </p:sp>
+      <p:pic>
+        <p:nvPicPr>
+          <p:cNvPr id="5122" name="Picture 2"/>
+          <p:cNvPicPr>
+            <a:picLocks noChangeAspect="1" noChangeArrowheads="1"/>
+          </p:cNvPicPr>
+          <p:nvPr/>
+        </p:nvPicPr>
+        <p:blipFill>
+          <a:blip r:embed="rId2" cstate="print"/>
+          <a:srcRect/>
+          <a:stretch>
+            <a:fillRect/>
+          </a:stretch>
+        </p:blipFill>
+        <p:spPr bwMode="auto">
+          <a:xfrm>
+            <a:off x="986495" y="1414527"/>
+            <a:ext cx="6658946" cy="4839970"/>
+          </a:xfrm>
+          <a:prstGeom prst="rect">
+            <a:avLst/>
+          </a:prstGeom>
+          <a:noFill/>
+          <a:ln w="9525">
+            <a:noFill/>
+            <a:miter lim="800000"/>
+            <a:headEnd/>
+            <a:tailEnd/>
+          </a:ln>
+          <a:effectLst/>
+        </p:spPr>
+      </p:pic>
     </p:spTree>
     <p:extLst>
       <p:ext uri="{BB962C8B-B14F-4D97-AF65-F5344CB8AC3E}">
-        <p14:creationId xmlns:p14="http://schemas.microsoft.com/office/powerpoint/2010/main" val="3313543454"/>
+        <p14:creationId xmlns:p14="http://schemas.microsoft.com/office/powerpoint/2010/main" val="2011244232"/>
       </p:ext>
     </p:extLst>
   </p:cSld>
@@ -16069,7 +15728,7 @@
           <a:p>
             <a:r>
               <a:rPr lang="en-US" dirty="0"/>
-              <a:t>Modeling PV Systems – Variability/Ramping – Single-Panel</a:t>
+              <a:t>Modeling PV Systems – Variability/Ramping – 1 MW PV Array (same location as Single-Panel)</a:t>
             </a:r>
           </a:p>
         </p:txBody>
@@ -16108,7 +15767,7 @@
       </p:sp>
       <p:pic>
         <p:nvPicPr>
-          <p:cNvPr id="5122" name="Picture 2"/>
+          <p:cNvPr id="6146" name="Picture 2"/>
           <p:cNvPicPr>
             <a:picLocks noChangeAspect="1" noChangeArrowheads="1"/>
           </p:cNvPicPr>
@@ -16123,8 +15782,8 @@
         </p:blipFill>
         <p:spPr bwMode="auto">
           <a:xfrm>
-            <a:off x="986495" y="1414527"/>
-            <a:ext cx="6658946" cy="4839970"/>
+            <a:off x="1246332" y="1475487"/>
+            <a:ext cx="6505032" cy="4718050"/>
           </a:xfrm>
           <a:prstGeom prst="rect">
             <a:avLst/>
@@ -16142,7 +15801,7 @@
     </p:spTree>
     <p:extLst>
       <p:ext uri="{BB962C8B-B14F-4D97-AF65-F5344CB8AC3E}">
-        <p14:creationId xmlns:p14="http://schemas.microsoft.com/office/powerpoint/2010/main" val="2011244232"/>
+        <p14:creationId xmlns:p14="http://schemas.microsoft.com/office/powerpoint/2010/main" val="825195566"/>
       </p:ext>
     </p:extLst>
   </p:cSld>
@@ -17426,20 +17085,20 @@
 </file>
 
 <file path=customXml/item1.xml><?xml version="1.0" encoding="utf-8"?>
-<p:properties xmlns:p="http://schemas.microsoft.com/office/2006/metadata/properties" xmlns:xsi="http://www.w3.org/2001/XMLSchema-instance" xmlns:pc="http://schemas.microsoft.com/office/infopath/2007/PartnerControls">
-  <documentManagement>
-    <Category xmlns="9d4eb815-23ed-48d9-b0c1-2b9ce0016f4e">EPRI PowerPoint Template</Category>
-  </documentManagement>
-</p:properties>
-</file>
-
-<file path=customXml/item2.xml><?xml version="1.0" encoding="utf-8"?>
 <?mso-contentType ?>
 <FormTemplates xmlns="http://schemas.microsoft.com/sharepoint/v3/contenttype/forms">
   <Display>DocumentLibraryForm</Display>
   <Edit>DocumentLibraryForm</Edit>
   <New>DocumentLibraryForm</New>
 </FormTemplates>
+</file>
+
+<file path=customXml/item2.xml><?xml version="1.0" encoding="utf-8"?>
+<p:properties xmlns:p="http://schemas.microsoft.com/office/2006/metadata/properties" xmlns:xsi="http://www.w3.org/2001/XMLSchema-instance" xmlns:pc="http://schemas.microsoft.com/office/infopath/2007/PartnerControls">
+  <documentManagement>
+    <Category xmlns="9d4eb815-23ed-48d9-b0c1-2b9ce0016f4e">EPRI PowerPoint Template</Category>
+  </documentManagement>
+</p:properties>
 </file>
 
 <file path=customXml/item3.xml><?xml version="1.0" encoding="utf-8"?>
@@ -17575,6 +17234,14 @@
 </file>
 
 <file path=customXml/itemProps1.xml><?xml version="1.0" encoding="utf-8"?>
+<ds:datastoreItem xmlns:ds="http://schemas.openxmlformats.org/officeDocument/2006/customXml" ds:itemID="{A25E9E05-8AAB-41BB-8F13-3890611F3729}">
+  <ds:schemaRefs>
+    <ds:schemaRef ds:uri="http://schemas.microsoft.com/sharepoint/v3/contenttype/forms"/>
+  </ds:schemaRefs>
+</ds:datastoreItem>
+</file>
+
+<file path=customXml/itemProps2.xml><?xml version="1.0" encoding="utf-8"?>
 <ds:datastoreItem xmlns:ds="http://schemas.openxmlformats.org/officeDocument/2006/customXml" ds:itemID="{5F1B2A83-E798-4E5B-B5B7-E28DA4E28A71}">
   <ds:schemaRefs>
     <ds:schemaRef ds:uri="http://schemas.microsoft.com/office/2006/documentManagement/types"/>
@@ -17586,14 +17253,6 @@
     <ds:schemaRef ds:uri="http://schemas.openxmlformats.org/package/2006/metadata/core-properties"/>
     <ds:schemaRef ds:uri="http://www.w3.org/XML/1998/namespace"/>
     <ds:schemaRef ds:uri="http://purl.org/dc/dcmitype/"/>
-  </ds:schemaRefs>
-</ds:datastoreItem>
-</file>
-
-<file path=customXml/itemProps2.xml><?xml version="1.0" encoding="utf-8"?>
-<ds:datastoreItem xmlns:ds="http://schemas.openxmlformats.org/officeDocument/2006/customXml" ds:itemID="{A25E9E05-8AAB-41BB-8F13-3890611F3729}">
-  <ds:schemaRefs>
-    <ds:schemaRef ds:uri="http://schemas.microsoft.com/sharepoint/v3/contenttype/forms"/>
   </ds:schemaRefs>
 </ds:datastoreItem>
 </file>
